--- a/Presentation1.pptx
+++ b/Presentation1.pptx
@@ -2,10 +2,12 @@
 <file path=ppt/presentation.xml><?xml version="1.0" encoding="utf-8"?>
 <p:presentation xmlns:a="http://schemas.openxmlformats.org/drawingml/2006/main" xmlns:r="http://schemas.openxmlformats.org/officeDocument/2006/relationships" xmlns:p="http://schemas.openxmlformats.org/presentationml/2006/main" saveSubsetFonts="1">
   <p:sldMasterIdLst>
-    <p:sldMasterId id="2147483648" r:id="rId1"/>
+    <p:sldMasterId id="2147483648" r:id="rId7"/>
   </p:sldMasterIdLst>
   <p:sldIdLst>
-    <p:sldId id="256" r:id="rId2"/>
+    <p:sldId id="258" r:id="rId8"/>
+    <p:sldId id="257" r:id="rId9"/>
+    <p:sldId id="259" r:id="rId10"/>
   </p:sldIdLst>
   <p:sldSz cx="12192000" cy="6858000"/>
   <p:notesSz cx="6858000" cy="9144000"/>
@@ -106,7 +108,7 @@
   </p:defaultTextStyle>
   <p:extLst>
     <p:ext uri="{EFAFB233-063F-42B5-8137-9DF3F51BA10A}">
-      <p15:sldGuideLst xmlns:p15="http://schemas.microsoft.com/office/powerpoint/2012/main"/>
+      <p15:sldGuideLst xmlns:p15="http://schemas.microsoft.com/office/powerpoint/2012/main" xmlns=""/>
     </p:ext>
   </p:extLst>
 </p:presentation>
@@ -524,11 +526,11 @@
         </c:dLbls>
         <c:gapWidth val="90"/>
         <c:overlap val="100"/>
-        <c:axId val="-2142808432"/>
-        <c:axId val="-2142801360"/>
+        <c:axId val="10824320"/>
+        <c:axId val="10842496"/>
       </c:barChart>
       <c:catAx>
-        <c:axId val="-2142808432"/>
+        <c:axId val="10824320"/>
         <c:scaling>
           <c:orientation val="minMax"/>
         </c:scaling>
@@ -571,7 +573,7 @@
             <a:endParaRPr lang="en-US"/>
           </a:p>
         </c:txPr>
-        <c:crossAx val="-2142801360"/>
+        <c:crossAx val="10842496"/>
         <c:crosses val="autoZero"/>
         <c:auto val="1"/>
         <c:lblAlgn val="ctr"/>
@@ -579,7 +581,7 @@
         <c:noMultiLvlLbl val="0"/>
       </c:catAx>
       <c:valAx>
-        <c:axId val="-2142801360"/>
+        <c:axId val="10842496"/>
         <c:scaling>
           <c:orientation val="minMax"/>
           <c:max val="11000"/>
@@ -632,7 +634,7 @@
             <a:endParaRPr lang="en-US"/>
           </a:p>
         </c:txPr>
-        <c:crossAx val="-2142808432"/>
+        <c:crossAx val="10824320"/>
         <c:crosses val="autoZero"/>
         <c:crossBetween val="between"/>
         <c:majorUnit val="2000"/>
@@ -703,7 +705,267 @@
       <a:endParaRPr lang="en-US"/>
     </a:p>
   </c:txPr>
-  <c:externalData r:id="rId3">
+  <c:externalData r:id="rId1">
+    <c:autoUpdate val="0"/>
+  </c:externalData>
+</c:chartSpace>
+</file>
+
+<file path=ppt/charts/chart10.xml><?xml version="1.0" encoding="utf-8"?>
+<c:chartSpace xmlns:c="http://schemas.openxmlformats.org/drawingml/2006/chart" xmlns:a="http://schemas.openxmlformats.org/drawingml/2006/main" xmlns:r="http://schemas.openxmlformats.org/officeDocument/2006/relationships">
+  <c:date1904 val="0"/>
+  <c:lang val="en-US"/>
+  <c:roundedCorners val="0"/>
+  <mc:AlternateContent xmlns:mc="http://schemas.openxmlformats.org/markup-compatibility/2006">
+    <mc:Choice xmlns:c14="http://schemas.microsoft.com/office/drawing/2007/8/2/chart" Requires="c14">
+      <c14:style val="102"/>
+    </mc:Choice>
+    <mc:Fallback>
+      <c:style val="2"/>
+    </mc:Fallback>
+  </mc:AlternateContent>
+  <c:chart>
+    <c:autoTitleDeleted val="1"/>
+    <c:plotArea>
+      <c:layout/>
+      <c:pieChart>
+        <c:varyColors val="1"/>
+        <c:ser>
+          <c:idx val="0"/>
+          <c:order val="0"/>
+          <c:tx>
+            <c:strRef>
+              <c:f>Sheet1!$B$1</c:f>
+              <c:strCache>
+                <c:ptCount val="1"/>
+                <c:pt idx="0">
+                  <c:v>Size</c:v>
+                </c:pt>
+              </c:strCache>
+            </c:strRef>
+          </c:tx>
+          <c:spPr>
+            <a:ln w="9525">
+              <a:solidFill>
+                <a:schemeClr val="bg1">
+                  <a:lumMod val="50000"/>
+                </a:schemeClr>
+              </a:solidFill>
+            </a:ln>
+            <a:effectLst>
+              <a:outerShdw blurRad="50800" dist="38100" dir="5400000" algn="t" rotWithShape="0">
+                <a:prstClr val="black">
+                  <a:alpha val="40000"/>
+                </a:prstClr>
+              </a:outerShdw>
+            </a:effectLst>
+          </c:spPr>
+          <c:dPt>
+            <c:idx val="1"/>
+            <c:bubble3D val="0"/>
+            <c:spPr>
+              <a:solidFill>
+                <a:schemeClr val="accent1"/>
+              </a:solidFill>
+              <a:ln w="9525">
+                <a:solidFill>
+                  <a:schemeClr val="bg1">
+                    <a:lumMod val="50000"/>
+                  </a:schemeClr>
+                </a:solidFill>
+              </a:ln>
+              <a:effectLst>
+                <a:outerShdw blurRad="50800" dist="38100" dir="5400000" algn="t" rotWithShape="0">
+                  <a:prstClr val="black">
+                    <a:alpha val="40000"/>
+                  </a:prstClr>
+                </a:outerShdw>
+              </a:effectLst>
+            </c:spPr>
+          </c:dPt>
+          <c:dPt>
+            <c:idx val="2"/>
+            <c:bubble3D val="0"/>
+            <c:spPr>
+              <a:solidFill>
+                <a:schemeClr val="accent2">
+                  <a:lumMod val="60000"/>
+                  <a:lumOff val="40000"/>
+                </a:schemeClr>
+              </a:solidFill>
+              <a:ln w="9525">
+                <a:solidFill>
+                  <a:schemeClr val="bg1">
+                    <a:lumMod val="50000"/>
+                  </a:schemeClr>
+                </a:solidFill>
+              </a:ln>
+              <a:effectLst>
+                <a:outerShdw blurRad="50800" dist="38100" dir="5400000" algn="t" rotWithShape="0">
+                  <a:prstClr val="black">
+                    <a:alpha val="40000"/>
+                  </a:prstClr>
+                </a:outerShdw>
+              </a:effectLst>
+            </c:spPr>
+          </c:dPt>
+          <c:dPt>
+            <c:idx val="3"/>
+            <c:bubble3D val="0"/>
+            <c:spPr>
+              <a:solidFill>
+                <a:schemeClr val="bg1">
+                  <a:lumMod val="95000"/>
+                </a:schemeClr>
+              </a:solidFill>
+              <a:ln w="9525">
+                <a:solidFill>
+                  <a:schemeClr val="bg1">
+                    <a:lumMod val="50000"/>
+                  </a:schemeClr>
+                </a:solidFill>
+              </a:ln>
+              <a:effectLst>
+                <a:outerShdw blurRad="50800" dist="38100" dir="5400000" algn="t" rotWithShape="0">
+                  <a:prstClr val="black">
+                    <a:alpha val="40000"/>
+                  </a:prstClr>
+                </a:outerShdw>
+              </a:effectLst>
+            </c:spPr>
+          </c:dPt>
+          <c:dLbls>
+            <c:txPr>
+              <a:bodyPr/>
+              <a:lstStyle/>
+              <a:p>
+                <a:pPr>
+                  <a:defRPr sz="800">
+                    <a:solidFill>
+                      <a:schemeClr val="tx1">
+                        <a:lumMod val="65000"/>
+                        <a:lumOff val="35000"/>
+                      </a:schemeClr>
+                    </a:solidFill>
+                  </a:defRPr>
+                </a:pPr>
+                <a:endParaRPr lang="en-US"/>
+              </a:p>
+            </c:txPr>
+            <c:showLegendKey val="0"/>
+            <c:showVal val="0"/>
+            <c:showCatName val="0"/>
+            <c:showSerName val="0"/>
+            <c:showPercent val="1"/>
+            <c:showBubbleSize val="0"/>
+            <c:showLeaderLines val="1"/>
+          </c:dLbls>
+          <c:cat>
+            <c:strRef>
+              <c:f>Sheet1!$A$2:$A$5</c:f>
+              <c:strCache>
+                <c:ptCount val="4"/>
+                <c:pt idx="0">
+                  <c:v>Large</c:v>
+                </c:pt>
+                <c:pt idx="1">
+                  <c:v>Large</c:v>
+                </c:pt>
+                <c:pt idx="2">
+                  <c:v>Regular</c:v>
+                </c:pt>
+                <c:pt idx="3">
+                  <c:v>Buffer</c:v>
+                </c:pt>
+              </c:strCache>
+            </c:strRef>
+          </c:cat>
+          <c:val>
+            <c:numRef>
+              <c:f>Sheet1!$B$2:$B$5</c:f>
+              <c:numCache>
+                <c:formatCode>General</c:formatCode>
+                <c:ptCount val="4"/>
+                <c:pt idx="0">
+                  <c:v>3000</c:v>
+                </c:pt>
+                <c:pt idx="1">
+                  <c:v>3000</c:v>
+                </c:pt>
+                <c:pt idx="2">
+                  <c:v>2000</c:v>
+                </c:pt>
+                <c:pt idx="3">
+                  <c:v>2000</c:v>
+                </c:pt>
+              </c:numCache>
+            </c:numRef>
+          </c:val>
+        </c:ser>
+        <c:dLbls>
+          <c:showLegendKey val="0"/>
+          <c:showVal val="0"/>
+          <c:showCatName val="0"/>
+          <c:showSerName val="0"/>
+          <c:showPercent val="0"/>
+          <c:showBubbleSize val="0"/>
+          <c:showLeaderLines val="1"/>
+        </c:dLbls>
+        <c:firstSliceAng val="0"/>
+      </c:pieChart>
+    </c:plotArea>
+    <c:legend>
+      <c:legendPos val="r"/>
+      <c:legendEntry>
+        <c:idx val="1"/>
+        <c:delete val="1"/>
+      </c:legendEntry>
+      <c:layout>
+        <c:manualLayout>
+          <c:xMode val="edge"/>
+          <c:yMode val="edge"/>
+          <c:x val="0.66291909599086374"/>
+          <c:y val="0.30587542839527682"/>
+          <c:w val="0.22190379768763394"/>
+          <c:h val="0.40499969468549213"/>
+        </c:manualLayout>
+      </c:layout>
+      <c:overlay val="0"/>
+      <c:txPr>
+        <a:bodyPr/>
+        <a:lstStyle/>
+        <a:p>
+          <a:pPr>
+            <a:defRPr sz="800"/>
+          </a:pPr>
+          <a:endParaRPr lang="en-US"/>
+        </a:p>
+      </c:txPr>
+    </c:legend>
+    <c:plotVisOnly val="1"/>
+    <c:dispBlanksAs val="gap"/>
+    <c:showDLblsOverMax val="0"/>
+  </c:chart>
+  <c:spPr>
+    <a:ln>
+      <a:solidFill>
+        <a:schemeClr val="bg1">
+          <a:lumMod val="65000"/>
+        </a:schemeClr>
+      </a:solidFill>
+    </a:ln>
+  </c:spPr>
+  <c:txPr>
+    <a:bodyPr/>
+    <a:lstStyle/>
+    <a:p>
+      <a:pPr>
+        <a:defRPr sz="1800"/>
+      </a:pPr>
+      <a:endParaRPr lang="en-US"/>
+    </a:p>
+  </c:txPr>
+  <c:externalData r:id="rId1">
     <c:autoUpdate val="0"/>
   </c:externalData>
 </c:chartSpace>
@@ -1121,11 +1383,11 @@
         </c:dLbls>
         <c:gapWidth val="90"/>
         <c:overlap val="100"/>
-        <c:axId val="-2142799728"/>
-        <c:axId val="-2142810608"/>
+        <c:axId val="10643328"/>
+        <c:axId val="10644864"/>
       </c:barChart>
       <c:catAx>
-        <c:axId val="-2142799728"/>
+        <c:axId val="10643328"/>
         <c:scaling>
           <c:orientation val="minMax"/>
         </c:scaling>
@@ -1168,7 +1430,7 @@
             <a:endParaRPr lang="en-US"/>
           </a:p>
         </c:txPr>
-        <c:crossAx val="-2142810608"/>
+        <c:crossAx val="10644864"/>
         <c:crosses val="autoZero"/>
         <c:auto val="1"/>
         <c:lblAlgn val="ctr"/>
@@ -1176,7 +1438,7 @@
         <c:noMultiLvlLbl val="0"/>
       </c:catAx>
       <c:valAx>
-        <c:axId val="-2142810608"/>
+        <c:axId val="10644864"/>
         <c:scaling>
           <c:orientation val="minMax"/>
           <c:max val="11000"/>
@@ -1229,7 +1491,7 @@
             <a:endParaRPr lang="en-US"/>
           </a:p>
         </c:txPr>
-        <c:crossAx val="-2142799728"/>
+        <c:crossAx val="10643328"/>
         <c:crosses val="autoZero"/>
         <c:crossBetween val="between"/>
         <c:majorUnit val="2000"/>
@@ -1300,7 +1562,7 @@
       <a:endParaRPr lang="en-US"/>
     </a:p>
   </c:txPr>
-  <c:externalData r:id="rId3">
+  <c:externalData r:id="rId1">
     <c:autoUpdate val="0"/>
   </c:externalData>
 </c:chartSpace>
@@ -1718,11 +1980,11 @@
         </c:dLbls>
         <c:gapWidth val="90"/>
         <c:overlap val="100"/>
-        <c:axId val="-2142798640"/>
-        <c:axId val="-2142802448"/>
+        <c:axId val="10708096"/>
+        <c:axId val="10709632"/>
       </c:barChart>
       <c:catAx>
-        <c:axId val="-2142798640"/>
+        <c:axId val="10708096"/>
         <c:scaling>
           <c:orientation val="minMax"/>
         </c:scaling>
@@ -1765,7 +2027,7 @@
             <a:endParaRPr lang="en-US"/>
           </a:p>
         </c:txPr>
-        <c:crossAx val="-2142802448"/>
+        <c:crossAx val="10709632"/>
         <c:crosses val="autoZero"/>
         <c:auto val="1"/>
         <c:lblAlgn val="ctr"/>
@@ -1773,7 +2035,7 @@
         <c:noMultiLvlLbl val="0"/>
       </c:catAx>
       <c:valAx>
-        <c:axId val="-2142802448"/>
+        <c:axId val="10709632"/>
         <c:scaling>
           <c:orientation val="minMax"/>
           <c:max val="11000"/>
@@ -1826,7 +2088,7 @@
             <a:endParaRPr lang="en-US"/>
           </a:p>
         </c:txPr>
-        <c:crossAx val="-2142798640"/>
+        <c:crossAx val="10708096"/>
         <c:crosses val="autoZero"/>
         <c:crossBetween val="between"/>
         <c:majorUnit val="2000"/>
@@ -1897,13 +2159,1180 @@
       <a:endParaRPr lang="en-US"/>
     </a:p>
   </c:txPr>
-  <c:externalData r:id="rId3">
+  <c:externalData r:id="rId1">
     <c:autoUpdate val="0"/>
   </c:externalData>
 </c:chartSpace>
 </file>
 
 <file path=ppt/charts/chart4.xml><?xml version="1.0" encoding="utf-8"?>
+<c:chartSpace xmlns:c="http://schemas.openxmlformats.org/drawingml/2006/chart" xmlns:a="http://schemas.openxmlformats.org/drawingml/2006/main" xmlns:r="http://schemas.openxmlformats.org/officeDocument/2006/relationships">
+  <c:date1904 val="0"/>
+  <c:lang val="en-US"/>
+  <c:roundedCorners val="0"/>
+  <mc:AlternateContent xmlns:mc="http://schemas.openxmlformats.org/markup-compatibility/2006">
+    <mc:Choice xmlns:c14="http://schemas.microsoft.com/office/drawing/2007/8/2/chart" Requires="c14">
+      <c14:style val="102"/>
+    </mc:Choice>
+    <mc:Fallback>
+      <c:style val="2"/>
+    </mc:Fallback>
+  </mc:AlternateContent>
+  <c:chart>
+    <c:autoTitleDeleted val="1"/>
+    <c:plotArea>
+      <c:layout/>
+      <c:barChart>
+        <c:barDir val="bar"/>
+        <c:grouping val="stacked"/>
+        <c:varyColors val="0"/>
+        <c:ser>
+          <c:idx val="0"/>
+          <c:order val="0"/>
+          <c:tx>
+            <c:strRef>
+              <c:f>Sheet1!$B$1</c:f>
+              <c:strCache>
+                <c:ptCount val="1"/>
+                <c:pt idx="0">
+                  <c:v>Max</c:v>
+                </c:pt>
+              </c:strCache>
+            </c:strRef>
+          </c:tx>
+          <c:spPr>
+            <a:gradFill rotWithShape="1">
+              <a:gsLst>
+                <a:gs pos="0">
+                  <a:schemeClr val="accent1">
+                    <a:lumMod val="110000"/>
+                    <a:satMod val="105000"/>
+                    <a:tint val="67000"/>
+                  </a:schemeClr>
+                </a:gs>
+                <a:gs pos="50000">
+                  <a:schemeClr val="accent1">
+                    <a:lumMod val="105000"/>
+                    <a:satMod val="103000"/>
+                    <a:tint val="73000"/>
+                  </a:schemeClr>
+                </a:gs>
+                <a:gs pos="100000">
+                  <a:schemeClr val="accent1">
+                    <a:lumMod val="105000"/>
+                    <a:satMod val="109000"/>
+                    <a:tint val="81000"/>
+                  </a:schemeClr>
+                </a:gs>
+              </a:gsLst>
+              <a:lin ang="5400000" scaled="0"/>
+            </a:gradFill>
+            <a:ln w="9525" cap="flat" cmpd="sng" algn="ctr">
+              <a:solidFill>
+                <a:schemeClr val="accent1">
+                  <a:shade val="95000"/>
+                </a:schemeClr>
+              </a:solidFill>
+              <a:round/>
+            </a:ln>
+            <a:effectLst>
+              <a:outerShdw blurRad="50800" dist="50800" dir="5400000" algn="ctr" rotWithShape="0">
+                <a:schemeClr val="bg1">
+                  <a:lumMod val="85000"/>
+                </a:schemeClr>
+              </a:outerShdw>
+            </a:effectLst>
+          </c:spPr>
+          <c:invertIfNegative val="0"/>
+          <c:dPt>
+            <c:idx val="2"/>
+            <c:invertIfNegative val="0"/>
+            <c:bubble3D val="0"/>
+            <c:spPr>
+              <a:solidFill>
+                <a:schemeClr val="accent1">
+                  <a:lumMod val="60000"/>
+                  <a:lumOff val="40000"/>
+                </a:schemeClr>
+              </a:solidFill>
+              <a:ln w="9525" cap="flat" cmpd="sng" algn="ctr">
+                <a:solidFill>
+                  <a:schemeClr val="accent1">
+                    <a:shade val="95000"/>
+                  </a:schemeClr>
+                </a:solidFill>
+                <a:round/>
+              </a:ln>
+              <a:effectLst>
+                <a:outerShdw blurRad="50800" dist="50800" dir="5400000" algn="ctr" rotWithShape="0">
+                  <a:schemeClr val="bg1">
+                    <a:lumMod val="85000"/>
+                  </a:schemeClr>
+                </a:outerShdw>
+              </a:effectLst>
+            </c:spPr>
+          </c:dPt>
+          <c:dLbls>
+            <c:spPr>
+              <a:noFill/>
+              <a:ln>
+                <a:noFill/>
+              </a:ln>
+              <a:effectLst/>
+            </c:spPr>
+            <c:txPr>
+              <a:bodyPr rot="0" spcFirstLastPara="1" vertOverflow="ellipsis" vert="horz" wrap="square" lIns="38100" tIns="19050" rIns="38100" bIns="19050" anchor="ctr" anchorCtr="1">
+                <a:spAutoFit/>
+              </a:bodyPr>
+              <a:lstStyle/>
+              <a:p>
+                <a:pPr>
+                  <a:defRPr sz="800" b="0" i="0" u="none" strike="noStrike" kern="1200" baseline="0">
+                    <a:solidFill>
+                      <a:schemeClr val="tx1">
+                        <a:lumMod val="50000"/>
+                        <a:lumOff val="50000"/>
+                      </a:schemeClr>
+                    </a:solidFill>
+                    <a:latin typeface="+mn-lt"/>
+                    <a:ea typeface="+mn-ea"/>
+                    <a:cs typeface="+mn-cs"/>
+                  </a:defRPr>
+                </a:pPr>
+                <a:endParaRPr lang="en-US"/>
+              </a:p>
+            </c:txPr>
+            <c:dLblPos val="inBase"/>
+            <c:showLegendKey val="0"/>
+            <c:showVal val="1"/>
+            <c:showCatName val="0"/>
+            <c:showSerName val="0"/>
+            <c:showPercent val="0"/>
+            <c:showBubbleSize val="0"/>
+            <c:showLeaderLines val="0"/>
+            <c:extLst>
+              <c:ext xmlns:c15="http://schemas.microsoft.com/office/drawing/2012/chart" uri="{CE6537A1-D6FC-4f65-9D91-7224C49458BB}">
+                <c15:layout/>
+                <c15:showLeaderLines val="1"/>
+                <c15:leaderLines>
+                  <c:spPr>
+                    <a:ln w="9525">
+                      <a:solidFill>
+                        <a:schemeClr val="tx1">
+                          <a:lumMod val="35000"/>
+                          <a:lumOff val="65000"/>
+                        </a:schemeClr>
+                      </a:solidFill>
+                    </a:ln>
+                    <a:effectLst/>
+                  </c:spPr>
+                </c15:leaderLines>
+              </c:ext>
+            </c:extLst>
+          </c:dLbls>
+          <c:cat>
+            <c:strRef>
+              <c:f>Sheet1!$A$2:$A$5</c:f>
+              <c:strCache>
+                <c:ptCount val="4"/>
+                <c:pt idx="0">
+                  <c:v>Non-ESB</c:v>
+                </c:pt>
+                <c:pt idx="1">
+                  <c:v>ESB</c:v>
+                </c:pt>
+                <c:pt idx="2">
+                  <c:v>Enterprise 10K</c:v>
+                </c:pt>
+                <c:pt idx="3">
+                  <c:v>Enterprise 100K</c:v>
+                </c:pt>
+              </c:strCache>
+            </c:strRef>
+          </c:cat>
+          <c:val>
+            <c:numRef>
+              <c:f>Sheet1!$B$2:$B$5</c:f>
+              <c:numCache>
+                <c:formatCode>General</c:formatCode>
+                <c:ptCount val="4"/>
+                <c:pt idx="2">
+                  <c:v>10000</c:v>
+                </c:pt>
+                <c:pt idx="3">
+                  <c:v>100000</c:v>
+                </c:pt>
+              </c:numCache>
+            </c:numRef>
+          </c:val>
+        </c:ser>
+        <c:ser>
+          <c:idx val="1"/>
+          <c:order val="1"/>
+          <c:tx>
+            <c:strRef>
+              <c:f>Sheet1!$C$1</c:f>
+              <c:strCache>
+                <c:ptCount val="1"/>
+                <c:pt idx="0">
+                  <c:v>ESB</c:v>
+                </c:pt>
+              </c:strCache>
+            </c:strRef>
+          </c:tx>
+          <c:spPr>
+            <a:solidFill>
+              <a:schemeClr val="accent6">
+                <a:lumMod val="60000"/>
+                <a:lumOff val="40000"/>
+              </a:schemeClr>
+            </a:solidFill>
+            <a:effectLst>
+              <a:outerShdw blurRad="50800" dist="38100" dir="5400000" algn="t" rotWithShape="0">
+                <a:prstClr val="black">
+                  <a:alpha val="40000"/>
+                </a:prstClr>
+              </a:outerShdw>
+            </a:effectLst>
+          </c:spPr>
+          <c:invertIfNegative val="0"/>
+          <c:dLbls>
+            <c:txPr>
+              <a:bodyPr/>
+              <a:lstStyle/>
+              <a:p>
+                <a:pPr>
+                  <a:defRPr sz="800">
+                    <a:solidFill>
+                      <a:schemeClr val="bg1">
+                        <a:lumMod val="50000"/>
+                      </a:schemeClr>
+                    </a:solidFill>
+                  </a:defRPr>
+                </a:pPr>
+                <a:endParaRPr lang="en-US"/>
+              </a:p>
+            </c:txPr>
+            <c:showLegendKey val="0"/>
+            <c:showVal val="1"/>
+            <c:showCatName val="0"/>
+            <c:showSerName val="0"/>
+            <c:showPercent val="0"/>
+            <c:showBubbleSize val="0"/>
+            <c:showLeaderLines val="0"/>
+          </c:dLbls>
+          <c:cat>
+            <c:strRef>
+              <c:f>Sheet1!$A$2:$A$5</c:f>
+              <c:strCache>
+                <c:ptCount val="4"/>
+                <c:pt idx="0">
+                  <c:v>Non-ESB</c:v>
+                </c:pt>
+                <c:pt idx="1">
+                  <c:v>ESB</c:v>
+                </c:pt>
+                <c:pt idx="2">
+                  <c:v>Enterprise 10K</c:v>
+                </c:pt>
+                <c:pt idx="3">
+                  <c:v>Enterprise 100K</c:v>
+                </c:pt>
+              </c:strCache>
+            </c:strRef>
+          </c:cat>
+          <c:val>
+            <c:numRef>
+              <c:f>Sheet1!$C$2:$C$5</c:f>
+              <c:numCache>
+                <c:formatCode>General</c:formatCode>
+                <c:ptCount val="4"/>
+                <c:pt idx="1">
+                  <c:v>1500</c:v>
+                </c:pt>
+              </c:numCache>
+            </c:numRef>
+          </c:val>
+        </c:ser>
+        <c:ser>
+          <c:idx val="2"/>
+          <c:order val="2"/>
+          <c:tx>
+            <c:strRef>
+              <c:f>Sheet1!$D$1</c:f>
+              <c:strCache>
+                <c:ptCount val="1"/>
+                <c:pt idx="0">
+                  <c:v>Non-ESB</c:v>
+                </c:pt>
+              </c:strCache>
+            </c:strRef>
+          </c:tx>
+          <c:spPr>
+            <a:solidFill>
+              <a:schemeClr val="accent2">
+                <a:lumMod val="60000"/>
+                <a:lumOff val="40000"/>
+              </a:schemeClr>
+            </a:solidFill>
+            <a:effectLst>
+              <a:outerShdw blurRad="50800" dist="38100" dir="5400000" algn="t" rotWithShape="0">
+                <a:prstClr val="black">
+                  <a:alpha val="40000"/>
+                </a:prstClr>
+              </a:outerShdw>
+            </a:effectLst>
+          </c:spPr>
+          <c:invertIfNegative val="0"/>
+          <c:dLbls>
+            <c:dLbl>
+              <c:idx val="0"/>
+              <c:spPr/>
+              <c:txPr>
+                <a:bodyPr/>
+                <a:lstStyle/>
+                <a:p>
+                  <a:pPr>
+                    <a:defRPr sz="800">
+                      <a:solidFill>
+                        <a:schemeClr val="bg1">
+                          <a:lumMod val="50000"/>
+                        </a:schemeClr>
+                      </a:solidFill>
+                    </a:defRPr>
+                  </a:pPr>
+                  <a:endParaRPr lang="en-US"/>
+                </a:p>
+              </c:txPr>
+              <c:showLegendKey val="0"/>
+              <c:showVal val="1"/>
+              <c:showCatName val="0"/>
+              <c:showSerName val="0"/>
+              <c:showPercent val="0"/>
+              <c:showBubbleSize val="0"/>
+            </c:dLbl>
+            <c:showLegendKey val="0"/>
+            <c:showVal val="1"/>
+            <c:showCatName val="0"/>
+            <c:showSerName val="0"/>
+            <c:showPercent val="0"/>
+            <c:showBubbleSize val="0"/>
+            <c:showLeaderLines val="0"/>
+          </c:dLbls>
+          <c:cat>
+            <c:strRef>
+              <c:f>Sheet1!$A$2:$A$5</c:f>
+              <c:strCache>
+                <c:ptCount val="4"/>
+                <c:pt idx="0">
+                  <c:v>Non-ESB</c:v>
+                </c:pt>
+                <c:pt idx="1">
+                  <c:v>ESB</c:v>
+                </c:pt>
+                <c:pt idx="2">
+                  <c:v>Enterprise 10K</c:v>
+                </c:pt>
+                <c:pt idx="3">
+                  <c:v>Enterprise 100K</c:v>
+                </c:pt>
+              </c:strCache>
+            </c:strRef>
+          </c:cat>
+          <c:val>
+            <c:numRef>
+              <c:f>Sheet1!$D$2:$D$5</c:f>
+              <c:numCache>
+                <c:formatCode>General</c:formatCode>
+                <c:ptCount val="4"/>
+                <c:pt idx="0">
+                  <c:v>1400</c:v>
+                </c:pt>
+              </c:numCache>
+            </c:numRef>
+          </c:val>
+        </c:ser>
+        <c:dLbls>
+          <c:showLegendKey val="0"/>
+          <c:showVal val="1"/>
+          <c:showCatName val="0"/>
+          <c:showSerName val="0"/>
+          <c:showPercent val="0"/>
+          <c:showBubbleSize val="0"/>
+        </c:dLbls>
+        <c:gapWidth val="90"/>
+        <c:overlap val="100"/>
+        <c:axId val="9719168"/>
+        <c:axId val="9737344"/>
+      </c:barChart>
+      <c:catAx>
+        <c:axId val="9719168"/>
+        <c:scaling>
+          <c:orientation val="minMax"/>
+        </c:scaling>
+        <c:delete val="0"/>
+        <c:axPos val="l"/>
+        <c:numFmt formatCode="General" sourceLinked="1"/>
+        <c:majorTickMark val="none"/>
+        <c:minorTickMark val="none"/>
+        <c:tickLblPos val="nextTo"/>
+        <c:spPr>
+          <a:noFill/>
+          <a:ln w="9525" cap="flat" cmpd="sng" algn="ctr">
+            <a:solidFill>
+              <a:schemeClr val="tx1">
+                <a:lumMod val="15000"/>
+                <a:lumOff val="85000"/>
+              </a:schemeClr>
+            </a:solidFill>
+            <a:round/>
+          </a:ln>
+          <a:effectLst/>
+        </c:spPr>
+        <c:txPr>
+          <a:bodyPr rot="-60000000" spcFirstLastPara="1" vertOverflow="ellipsis" vert="horz" wrap="square" anchor="ctr" anchorCtr="1"/>
+          <a:lstStyle/>
+          <a:p>
+            <a:pPr>
+              <a:defRPr sz="800" b="0" i="0" u="none" strike="noStrike" kern="1200" baseline="0">
+                <a:solidFill>
+                  <a:schemeClr val="tx1">
+                    <a:lumMod val="50000"/>
+                    <a:lumOff val="50000"/>
+                  </a:schemeClr>
+                </a:solidFill>
+                <a:latin typeface="+mn-lt"/>
+                <a:ea typeface="+mn-ea"/>
+                <a:cs typeface="+mn-cs"/>
+              </a:defRPr>
+            </a:pPr>
+            <a:endParaRPr lang="en-US"/>
+          </a:p>
+        </c:txPr>
+        <c:crossAx val="9737344"/>
+        <c:crosses val="autoZero"/>
+        <c:auto val="1"/>
+        <c:lblAlgn val="ctr"/>
+        <c:lblOffset val="100"/>
+        <c:noMultiLvlLbl val="0"/>
+      </c:catAx>
+      <c:valAx>
+        <c:axId val="9737344"/>
+        <c:scaling>
+          <c:orientation val="minMax"/>
+          <c:max val="11000"/>
+          <c:min val="0"/>
+        </c:scaling>
+        <c:delete val="0"/>
+        <c:axPos val="b"/>
+        <c:majorGridlines>
+          <c:spPr>
+            <a:ln w="9525" cap="flat" cmpd="sng" algn="ctr">
+              <a:solidFill>
+                <a:schemeClr val="tx1">
+                  <a:lumMod val="15000"/>
+                  <a:lumOff val="85000"/>
+                </a:schemeClr>
+              </a:solidFill>
+              <a:round/>
+            </a:ln>
+            <a:effectLst/>
+          </c:spPr>
+        </c:majorGridlines>
+        <c:numFmt formatCode="General" sourceLinked="1"/>
+        <c:majorTickMark val="none"/>
+        <c:minorTickMark val="none"/>
+        <c:tickLblPos val="nextTo"/>
+        <c:spPr>
+          <a:noFill/>
+          <a:ln>
+            <a:noFill/>
+          </a:ln>
+          <a:effectLst/>
+        </c:spPr>
+        <c:txPr>
+          <a:bodyPr rot="-60000000" spcFirstLastPara="1" vertOverflow="ellipsis" vert="horz" wrap="square" anchor="ctr" anchorCtr="1"/>
+          <a:lstStyle/>
+          <a:p>
+            <a:pPr>
+              <a:defRPr sz="800" b="0" i="0" u="none" strike="noStrike" kern="1200" baseline="0">
+                <a:solidFill>
+                  <a:schemeClr val="tx1">
+                    <a:lumMod val="50000"/>
+                    <a:lumOff val="50000"/>
+                  </a:schemeClr>
+                </a:solidFill>
+                <a:latin typeface="+mn-lt"/>
+                <a:ea typeface="+mn-ea"/>
+                <a:cs typeface="+mn-cs"/>
+              </a:defRPr>
+            </a:pPr>
+            <a:endParaRPr lang="en-US"/>
+          </a:p>
+        </c:txPr>
+        <c:crossAx val="9719168"/>
+        <c:crosses val="autoZero"/>
+        <c:crossBetween val="between"/>
+        <c:majorUnit val="2000"/>
+        <c:minorUnit val="100"/>
+      </c:valAx>
+      <c:spPr>
+        <a:noFill/>
+        <a:ln>
+          <a:noFill/>
+        </a:ln>
+        <a:effectLst/>
+      </c:spPr>
+    </c:plotArea>
+    <c:legend>
+      <c:legendPos val="b"/>
+      <c:layout/>
+      <c:overlay val="0"/>
+      <c:spPr>
+        <a:noFill/>
+        <a:ln>
+          <a:noFill/>
+        </a:ln>
+        <a:effectLst/>
+      </c:spPr>
+      <c:txPr>
+        <a:bodyPr rot="0" spcFirstLastPara="1" vertOverflow="ellipsis" vert="horz" wrap="square" anchor="ctr" anchorCtr="1"/>
+        <a:lstStyle/>
+        <a:p>
+          <a:pPr>
+            <a:defRPr sz="800" b="0" i="0" u="none" strike="noStrike" kern="1200" baseline="0">
+              <a:solidFill>
+                <a:schemeClr val="tx1">
+                  <a:lumMod val="50000"/>
+                  <a:lumOff val="50000"/>
+                </a:schemeClr>
+              </a:solidFill>
+              <a:latin typeface="+mn-lt"/>
+              <a:ea typeface="+mn-ea"/>
+              <a:cs typeface="+mn-cs"/>
+            </a:defRPr>
+          </a:pPr>
+          <a:endParaRPr lang="en-US"/>
+        </a:p>
+      </c:txPr>
+    </c:legend>
+    <c:plotVisOnly val="1"/>
+    <c:dispBlanksAs val="gap"/>
+    <c:showDLblsOverMax val="0"/>
+  </c:chart>
+  <c:spPr>
+    <a:noFill/>
+    <a:ln>
+      <a:solidFill>
+        <a:schemeClr val="bg1">
+          <a:lumMod val="75000"/>
+        </a:schemeClr>
+      </a:solidFill>
+    </a:ln>
+    <a:effectLst/>
+  </c:spPr>
+  <c:txPr>
+    <a:bodyPr/>
+    <a:lstStyle/>
+    <a:p>
+      <a:pPr>
+        <a:defRPr/>
+      </a:pPr>
+      <a:endParaRPr lang="en-US"/>
+    </a:p>
+  </c:txPr>
+  <c:externalData r:id="rId1">
+    <c:autoUpdate val="0"/>
+  </c:externalData>
+</c:chartSpace>
+</file>
+
+<file path=ppt/charts/chart5.xml><?xml version="1.0" encoding="utf-8"?>
+<c:chartSpace xmlns:c="http://schemas.openxmlformats.org/drawingml/2006/chart" xmlns:a="http://schemas.openxmlformats.org/drawingml/2006/main" xmlns:r="http://schemas.openxmlformats.org/officeDocument/2006/relationships">
+  <c:date1904 val="0"/>
+  <c:lang val="en-US"/>
+  <c:roundedCorners val="0"/>
+  <mc:AlternateContent xmlns:mc="http://schemas.openxmlformats.org/markup-compatibility/2006">
+    <mc:Choice xmlns:c14="http://schemas.microsoft.com/office/drawing/2007/8/2/chart" Requires="c14">
+      <c14:style val="102"/>
+    </mc:Choice>
+    <mc:Fallback>
+      <c:style val="2"/>
+    </mc:Fallback>
+  </mc:AlternateContent>
+  <c:chart>
+    <c:autoTitleDeleted val="1"/>
+    <c:plotArea>
+      <c:layout/>
+      <c:barChart>
+        <c:barDir val="bar"/>
+        <c:grouping val="stacked"/>
+        <c:varyColors val="0"/>
+        <c:ser>
+          <c:idx val="0"/>
+          <c:order val="0"/>
+          <c:tx>
+            <c:strRef>
+              <c:f>Sheet1!$B$1</c:f>
+              <c:strCache>
+                <c:ptCount val="1"/>
+                <c:pt idx="0">
+                  <c:v>Max</c:v>
+                </c:pt>
+              </c:strCache>
+            </c:strRef>
+          </c:tx>
+          <c:spPr>
+            <a:gradFill rotWithShape="1">
+              <a:gsLst>
+                <a:gs pos="0">
+                  <a:schemeClr val="accent1">
+                    <a:lumMod val="110000"/>
+                    <a:satMod val="105000"/>
+                    <a:tint val="67000"/>
+                  </a:schemeClr>
+                </a:gs>
+                <a:gs pos="50000">
+                  <a:schemeClr val="accent1">
+                    <a:lumMod val="105000"/>
+                    <a:satMod val="103000"/>
+                    <a:tint val="73000"/>
+                  </a:schemeClr>
+                </a:gs>
+                <a:gs pos="100000">
+                  <a:schemeClr val="accent1">
+                    <a:lumMod val="105000"/>
+                    <a:satMod val="109000"/>
+                    <a:tint val="81000"/>
+                  </a:schemeClr>
+                </a:gs>
+              </a:gsLst>
+              <a:lin ang="5400000" scaled="0"/>
+            </a:gradFill>
+            <a:ln w="9525" cap="flat" cmpd="sng" algn="ctr">
+              <a:solidFill>
+                <a:schemeClr val="accent1">
+                  <a:shade val="95000"/>
+                </a:schemeClr>
+              </a:solidFill>
+              <a:round/>
+            </a:ln>
+            <a:effectLst>
+              <a:outerShdw blurRad="50800" dist="50800" dir="5400000" algn="ctr" rotWithShape="0">
+                <a:schemeClr val="bg1">
+                  <a:lumMod val="85000"/>
+                </a:schemeClr>
+              </a:outerShdw>
+            </a:effectLst>
+          </c:spPr>
+          <c:invertIfNegative val="0"/>
+          <c:dPt>
+            <c:idx val="2"/>
+            <c:invertIfNegative val="0"/>
+            <c:bubble3D val="0"/>
+            <c:spPr>
+              <a:solidFill>
+                <a:schemeClr val="accent1">
+                  <a:lumMod val="60000"/>
+                  <a:lumOff val="40000"/>
+                </a:schemeClr>
+              </a:solidFill>
+              <a:ln w="9525" cap="flat" cmpd="sng" algn="ctr">
+                <a:solidFill>
+                  <a:schemeClr val="accent1">
+                    <a:shade val="95000"/>
+                  </a:schemeClr>
+                </a:solidFill>
+                <a:round/>
+              </a:ln>
+              <a:effectLst>
+                <a:outerShdw blurRad="50800" dist="50800" dir="5400000" algn="ctr" rotWithShape="0">
+                  <a:schemeClr val="bg1">
+                    <a:lumMod val="85000"/>
+                  </a:schemeClr>
+                </a:outerShdw>
+              </a:effectLst>
+            </c:spPr>
+          </c:dPt>
+          <c:dLbls>
+            <c:spPr>
+              <a:noFill/>
+              <a:ln>
+                <a:noFill/>
+              </a:ln>
+              <a:effectLst/>
+            </c:spPr>
+            <c:txPr>
+              <a:bodyPr rot="0" spcFirstLastPara="1" vertOverflow="ellipsis" vert="horz" wrap="square" lIns="38100" tIns="19050" rIns="38100" bIns="19050" anchor="ctr" anchorCtr="1">
+                <a:spAutoFit/>
+              </a:bodyPr>
+              <a:lstStyle/>
+              <a:p>
+                <a:pPr>
+                  <a:defRPr sz="800" b="0" i="0" u="none" strike="noStrike" kern="1200" baseline="0">
+                    <a:solidFill>
+                      <a:schemeClr val="tx1">
+                        <a:lumMod val="50000"/>
+                        <a:lumOff val="50000"/>
+                      </a:schemeClr>
+                    </a:solidFill>
+                    <a:latin typeface="+mn-lt"/>
+                    <a:ea typeface="+mn-ea"/>
+                    <a:cs typeface="+mn-cs"/>
+                  </a:defRPr>
+                </a:pPr>
+                <a:endParaRPr lang="en-US"/>
+              </a:p>
+            </c:txPr>
+            <c:dLblPos val="inBase"/>
+            <c:showLegendKey val="0"/>
+            <c:showVal val="1"/>
+            <c:showCatName val="0"/>
+            <c:showSerName val="0"/>
+            <c:showPercent val="0"/>
+            <c:showBubbleSize val="0"/>
+            <c:showLeaderLines val="0"/>
+            <c:extLst>
+              <c:ext xmlns:c15="http://schemas.microsoft.com/office/drawing/2012/chart" uri="{CE6537A1-D6FC-4f65-9D91-7224C49458BB}">
+                <c15:layout/>
+                <c15:showLeaderLines val="1"/>
+                <c15:leaderLines>
+                  <c:spPr>
+                    <a:ln w="9525">
+                      <a:solidFill>
+                        <a:schemeClr val="tx1">
+                          <a:lumMod val="35000"/>
+                          <a:lumOff val="65000"/>
+                        </a:schemeClr>
+                      </a:solidFill>
+                    </a:ln>
+                    <a:effectLst/>
+                  </c:spPr>
+                </c15:leaderLines>
+              </c:ext>
+            </c:extLst>
+          </c:dLbls>
+          <c:cat>
+            <c:strRef>
+              <c:f>Sheet1!$A$2:$A$5</c:f>
+              <c:strCache>
+                <c:ptCount val="4"/>
+                <c:pt idx="0">
+                  <c:v>ESB</c:v>
+                </c:pt>
+                <c:pt idx="1">
+                  <c:v>Non-ESB</c:v>
+                </c:pt>
+                <c:pt idx="2">
+                  <c:v>Enterprise 10K</c:v>
+                </c:pt>
+                <c:pt idx="3">
+                  <c:v>Enterprise 100K</c:v>
+                </c:pt>
+              </c:strCache>
+            </c:strRef>
+          </c:cat>
+          <c:val>
+            <c:numRef>
+              <c:f>Sheet1!$B$2:$B$5</c:f>
+              <c:numCache>
+                <c:formatCode>General</c:formatCode>
+                <c:ptCount val="4"/>
+                <c:pt idx="2">
+                  <c:v>7</c:v>
+                </c:pt>
+                <c:pt idx="3">
+                  <c:v>7</c:v>
+                </c:pt>
+              </c:numCache>
+            </c:numRef>
+          </c:val>
+        </c:ser>
+        <c:ser>
+          <c:idx val="1"/>
+          <c:order val="1"/>
+          <c:tx>
+            <c:strRef>
+              <c:f>Sheet1!$C$1</c:f>
+              <c:strCache>
+                <c:ptCount val="1"/>
+                <c:pt idx="0">
+                  <c:v>ESB</c:v>
+                </c:pt>
+              </c:strCache>
+            </c:strRef>
+          </c:tx>
+          <c:spPr>
+            <a:solidFill>
+              <a:schemeClr val="accent2">
+                <a:lumMod val="60000"/>
+                <a:lumOff val="40000"/>
+              </a:schemeClr>
+            </a:solidFill>
+          </c:spPr>
+          <c:invertIfNegative val="0"/>
+          <c:dPt>
+            <c:idx val="0"/>
+            <c:invertIfNegative val="0"/>
+            <c:bubble3D val="0"/>
+            <c:spPr>
+              <a:solidFill>
+                <a:schemeClr val="accent2">
+                  <a:lumMod val="60000"/>
+                  <a:lumOff val="40000"/>
+                </a:schemeClr>
+              </a:solidFill>
+              <a:effectLst>
+                <a:outerShdw blurRad="50800" dist="38100" dir="5400000" algn="t" rotWithShape="0">
+                  <a:prstClr val="black">
+                    <a:alpha val="40000"/>
+                  </a:prstClr>
+                </a:outerShdw>
+              </a:effectLst>
+            </c:spPr>
+          </c:dPt>
+          <c:dLbls>
+            <c:txPr>
+              <a:bodyPr/>
+              <a:lstStyle/>
+              <a:p>
+                <a:pPr>
+                  <a:defRPr sz="800">
+                    <a:solidFill>
+                      <a:schemeClr val="bg1">
+                        <a:lumMod val="50000"/>
+                      </a:schemeClr>
+                    </a:solidFill>
+                  </a:defRPr>
+                </a:pPr>
+                <a:endParaRPr lang="en-US"/>
+              </a:p>
+            </c:txPr>
+            <c:showLegendKey val="0"/>
+            <c:showVal val="1"/>
+            <c:showCatName val="0"/>
+            <c:showSerName val="0"/>
+            <c:showPercent val="0"/>
+            <c:showBubbleSize val="0"/>
+            <c:showLeaderLines val="0"/>
+          </c:dLbls>
+          <c:cat>
+            <c:strRef>
+              <c:f>Sheet1!$A$2:$A$5</c:f>
+              <c:strCache>
+                <c:ptCount val="4"/>
+                <c:pt idx="0">
+                  <c:v>ESB</c:v>
+                </c:pt>
+                <c:pt idx="1">
+                  <c:v>Non-ESB</c:v>
+                </c:pt>
+                <c:pt idx="2">
+                  <c:v>Enterprise 10K</c:v>
+                </c:pt>
+                <c:pt idx="3">
+                  <c:v>Enterprise 100K</c:v>
+                </c:pt>
+              </c:strCache>
+            </c:strRef>
+          </c:cat>
+          <c:val>
+            <c:numRef>
+              <c:f>Sheet1!$C$2:$C$5</c:f>
+              <c:numCache>
+                <c:formatCode>General</c:formatCode>
+                <c:ptCount val="4"/>
+                <c:pt idx="0">
+                  <c:v>3</c:v>
+                </c:pt>
+              </c:numCache>
+            </c:numRef>
+          </c:val>
+        </c:ser>
+        <c:ser>
+          <c:idx val="2"/>
+          <c:order val="2"/>
+          <c:tx>
+            <c:strRef>
+              <c:f>Sheet1!$D$1</c:f>
+              <c:strCache>
+                <c:ptCount val="1"/>
+                <c:pt idx="0">
+                  <c:v>Non-ESB</c:v>
+                </c:pt>
+              </c:strCache>
+            </c:strRef>
+          </c:tx>
+          <c:spPr>
+            <a:solidFill>
+              <a:schemeClr val="accent6">
+                <a:lumMod val="60000"/>
+                <a:lumOff val="40000"/>
+              </a:schemeClr>
+            </a:solidFill>
+            <a:effectLst>
+              <a:outerShdw blurRad="50800" dist="38100" dir="5400000" algn="t" rotWithShape="0">
+                <a:prstClr val="black">
+                  <a:alpha val="40000"/>
+                </a:prstClr>
+              </a:outerShdw>
+            </a:effectLst>
+          </c:spPr>
+          <c:invertIfNegative val="0"/>
+          <c:dLbls>
+            <c:txPr>
+              <a:bodyPr/>
+              <a:lstStyle/>
+              <a:p>
+                <a:pPr>
+                  <a:defRPr sz="800">
+                    <a:solidFill>
+                      <a:schemeClr val="bg1">
+                        <a:lumMod val="50000"/>
+                      </a:schemeClr>
+                    </a:solidFill>
+                  </a:defRPr>
+                </a:pPr>
+                <a:endParaRPr lang="en-US"/>
+              </a:p>
+            </c:txPr>
+            <c:showLegendKey val="0"/>
+            <c:showVal val="1"/>
+            <c:showCatName val="0"/>
+            <c:showSerName val="0"/>
+            <c:showPercent val="0"/>
+            <c:showBubbleSize val="0"/>
+            <c:showLeaderLines val="0"/>
+          </c:dLbls>
+          <c:cat>
+            <c:strRef>
+              <c:f>Sheet1!$A$2:$A$5</c:f>
+              <c:strCache>
+                <c:ptCount val="4"/>
+                <c:pt idx="0">
+                  <c:v>ESB</c:v>
+                </c:pt>
+                <c:pt idx="1">
+                  <c:v>Non-ESB</c:v>
+                </c:pt>
+                <c:pt idx="2">
+                  <c:v>Enterprise 10K</c:v>
+                </c:pt>
+                <c:pt idx="3">
+                  <c:v>Enterprise 100K</c:v>
+                </c:pt>
+              </c:strCache>
+            </c:strRef>
+          </c:cat>
+          <c:val>
+            <c:numRef>
+              <c:f>Sheet1!$D$2:$D$5</c:f>
+              <c:numCache>
+                <c:formatCode>General</c:formatCode>
+                <c:ptCount val="4"/>
+                <c:pt idx="1">
+                  <c:v>3</c:v>
+                </c:pt>
+              </c:numCache>
+            </c:numRef>
+          </c:val>
+        </c:ser>
+        <c:dLbls>
+          <c:showLegendKey val="0"/>
+          <c:showVal val="1"/>
+          <c:showCatName val="0"/>
+          <c:showSerName val="0"/>
+          <c:showPercent val="0"/>
+          <c:showBubbleSize val="0"/>
+        </c:dLbls>
+        <c:gapWidth val="90"/>
+        <c:overlap val="100"/>
+        <c:axId val="10507392"/>
+        <c:axId val="10508928"/>
+      </c:barChart>
+      <c:catAx>
+        <c:axId val="10507392"/>
+        <c:scaling>
+          <c:orientation val="minMax"/>
+        </c:scaling>
+        <c:delete val="0"/>
+        <c:axPos val="l"/>
+        <c:numFmt formatCode="General" sourceLinked="1"/>
+        <c:majorTickMark val="none"/>
+        <c:minorTickMark val="none"/>
+        <c:tickLblPos val="nextTo"/>
+        <c:spPr>
+          <a:noFill/>
+          <a:ln w="9525" cap="flat" cmpd="sng" algn="ctr">
+            <a:solidFill>
+              <a:schemeClr val="tx1">
+                <a:lumMod val="15000"/>
+                <a:lumOff val="85000"/>
+              </a:schemeClr>
+            </a:solidFill>
+            <a:round/>
+          </a:ln>
+          <a:effectLst/>
+        </c:spPr>
+        <c:txPr>
+          <a:bodyPr rot="-60000000" spcFirstLastPara="1" vertOverflow="ellipsis" vert="horz" wrap="square" anchor="ctr" anchorCtr="1"/>
+          <a:lstStyle/>
+          <a:p>
+            <a:pPr>
+              <a:defRPr sz="800" b="0" i="0" u="none" strike="noStrike" kern="1200" baseline="0">
+                <a:solidFill>
+                  <a:schemeClr val="tx1">
+                    <a:lumMod val="50000"/>
+                    <a:lumOff val="50000"/>
+                  </a:schemeClr>
+                </a:solidFill>
+                <a:latin typeface="+mn-lt"/>
+                <a:ea typeface="+mn-ea"/>
+                <a:cs typeface="+mn-cs"/>
+              </a:defRPr>
+            </a:pPr>
+            <a:endParaRPr lang="en-US"/>
+          </a:p>
+        </c:txPr>
+        <c:crossAx val="10508928"/>
+        <c:crosses val="autoZero"/>
+        <c:auto val="1"/>
+        <c:lblAlgn val="ctr"/>
+        <c:lblOffset val="100"/>
+        <c:noMultiLvlLbl val="0"/>
+      </c:catAx>
+      <c:valAx>
+        <c:axId val="10508928"/>
+        <c:scaling>
+          <c:orientation val="minMax"/>
+          <c:max val="15"/>
+          <c:min val="0"/>
+        </c:scaling>
+        <c:delete val="0"/>
+        <c:axPos val="b"/>
+        <c:majorGridlines>
+          <c:spPr>
+            <a:ln w="9525" cap="flat" cmpd="sng" algn="ctr">
+              <a:solidFill>
+                <a:schemeClr val="tx1">
+                  <a:lumMod val="15000"/>
+                  <a:lumOff val="85000"/>
+                </a:schemeClr>
+              </a:solidFill>
+              <a:round/>
+            </a:ln>
+            <a:effectLst/>
+          </c:spPr>
+        </c:majorGridlines>
+        <c:numFmt formatCode="General" sourceLinked="1"/>
+        <c:majorTickMark val="none"/>
+        <c:minorTickMark val="none"/>
+        <c:tickLblPos val="nextTo"/>
+        <c:spPr>
+          <a:noFill/>
+          <a:ln>
+            <a:noFill/>
+          </a:ln>
+          <a:effectLst/>
+        </c:spPr>
+        <c:txPr>
+          <a:bodyPr rot="-60000000" spcFirstLastPara="1" vertOverflow="ellipsis" vert="horz" wrap="square" anchor="ctr" anchorCtr="1"/>
+          <a:lstStyle/>
+          <a:p>
+            <a:pPr>
+              <a:defRPr sz="800" b="0" i="0" u="none" strike="noStrike" kern="1200" baseline="0">
+                <a:solidFill>
+                  <a:schemeClr val="tx1">
+                    <a:lumMod val="50000"/>
+                    <a:lumOff val="50000"/>
+                  </a:schemeClr>
+                </a:solidFill>
+                <a:latin typeface="+mn-lt"/>
+                <a:ea typeface="+mn-ea"/>
+                <a:cs typeface="+mn-cs"/>
+              </a:defRPr>
+            </a:pPr>
+            <a:endParaRPr lang="en-US"/>
+          </a:p>
+        </c:txPr>
+        <c:crossAx val="10507392"/>
+        <c:crosses val="autoZero"/>
+        <c:crossBetween val="between"/>
+        <c:majorUnit val="2"/>
+        <c:minorUnit val="1"/>
+      </c:valAx>
+      <c:spPr>
+        <a:noFill/>
+        <a:ln>
+          <a:noFill/>
+        </a:ln>
+        <a:effectLst/>
+      </c:spPr>
+    </c:plotArea>
+    <c:legend>
+      <c:legendPos val="b"/>
+      <c:layout/>
+      <c:overlay val="0"/>
+      <c:spPr>
+        <a:noFill/>
+        <a:ln>
+          <a:noFill/>
+        </a:ln>
+        <a:effectLst/>
+      </c:spPr>
+      <c:txPr>
+        <a:bodyPr rot="0" spcFirstLastPara="1" vertOverflow="ellipsis" vert="horz" wrap="square" anchor="ctr" anchorCtr="1"/>
+        <a:lstStyle/>
+        <a:p>
+          <a:pPr>
+            <a:defRPr sz="600" b="0" i="0" u="none" strike="noStrike" kern="1200" baseline="0">
+              <a:solidFill>
+                <a:schemeClr val="tx1">
+                  <a:lumMod val="50000"/>
+                  <a:lumOff val="50000"/>
+                </a:schemeClr>
+              </a:solidFill>
+              <a:latin typeface="+mn-lt"/>
+              <a:ea typeface="+mn-ea"/>
+              <a:cs typeface="+mn-cs"/>
+            </a:defRPr>
+          </a:pPr>
+          <a:endParaRPr lang="en-US"/>
+        </a:p>
+      </c:txPr>
+    </c:legend>
+    <c:plotVisOnly val="1"/>
+    <c:dispBlanksAs val="gap"/>
+    <c:showDLblsOverMax val="0"/>
+  </c:chart>
+  <c:spPr>
+    <a:noFill/>
+    <a:ln>
+      <a:solidFill>
+        <a:schemeClr val="bg1">
+          <a:lumMod val="75000"/>
+        </a:schemeClr>
+      </a:solidFill>
+    </a:ln>
+    <a:effectLst/>
+  </c:spPr>
+  <c:txPr>
+    <a:bodyPr/>
+    <a:lstStyle/>
+    <a:p>
+      <a:pPr>
+        <a:defRPr/>
+      </a:pPr>
+      <a:endParaRPr lang="en-US"/>
+    </a:p>
+  </c:txPr>
+  <c:externalData r:id="rId1">
+    <c:autoUpdate val="0"/>
+  </c:externalData>
+</c:chartSpace>
+</file>
+
+<file path=ppt/charts/chart6.xml><?xml version="1.0" encoding="utf-8"?>
 <c:chartSpace xmlns:c="http://schemas.openxmlformats.org/drawingml/2006/chart" xmlns:a="http://schemas.openxmlformats.org/drawingml/2006/main" xmlns:r="http://schemas.openxmlformats.org/officeDocument/2006/relationships">
   <c:date1904 val="0"/>
   <c:lang val="en-US"/>
@@ -2315,11 +3744,11 @@
         </c:dLbls>
         <c:gapWidth val="90"/>
         <c:overlap val="100"/>
-        <c:axId val="-2142809520"/>
-        <c:axId val="-2142800816"/>
+        <c:axId val="12398592"/>
+        <c:axId val="12400128"/>
       </c:barChart>
       <c:catAx>
-        <c:axId val="-2142809520"/>
+        <c:axId val="12398592"/>
         <c:scaling>
           <c:orientation val="minMax"/>
         </c:scaling>
@@ -2362,7 +3791,7 @@
             <a:endParaRPr lang="en-US"/>
           </a:p>
         </c:txPr>
-        <c:crossAx val="-2142800816"/>
+        <c:crossAx val="12400128"/>
         <c:crosses val="autoZero"/>
         <c:auto val="1"/>
         <c:lblAlgn val="ctr"/>
@@ -2370,7 +3799,7 @@
         <c:noMultiLvlLbl val="0"/>
       </c:catAx>
       <c:valAx>
-        <c:axId val="-2142800816"/>
+        <c:axId val="12400128"/>
         <c:scaling>
           <c:orientation val="minMax"/>
           <c:max val="11000"/>
@@ -2423,7 +3852,7 @@
             <a:endParaRPr lang="en-US"/>
           </a:p>
         </c:txPr>
-        <c:crossAx val="-2142809520"/>
+        <c:crossAx val="12398592"/>
         <c:crosses val="autoZero"/>
         <c:crossBetween val="between"/>
         <c:majorUnit val="2000"/>
@@ -2494,13 +3923,13 @@
       <a:endParaRPr lang="en-US"/>
     </a:p>
   </c:txPr>
-  <c:externalData r:id="rId3">
+  <c:externalData r:id="rId1">
     <c:autoUpdate val="0"/>
   </c:externalData>
 </c:chartSpace>
 </file>
 
-<file path=ppt/charts/chart5.xml><?xml version="1.0" encoding="utf-8"?>
+<file path=ppt/charts/chart7.xml><?xml version="1.0" encoding="utf-8"?>
 <c:chartSpace xmlns:c="http://schemas.openxmlformats.org/drawingml/2006/chart" xmlns:a="http://schemas.openxmlformats.org/drawingml/2006/main" xmlns:r="http://schemas.openxmlformats.org/officeDocument/2006/relationships">
   <c:date1904 val="0"/>
   <c:lang val="en-US"/>
@@ -2780,11 +4209,11 @@
         </c:dLbls>
         <c:gapWidth val="90"/>
         <c:overlap val="100"/>
-        <c:axId val="-1970654016"/>
-        <c:axId val="-1970648576"/>
+        <c:axId val="12209152"/>
+        <c:axId val="12219136"/>
       </c:barChart>
       <c:catAx>
-        <c:axId val="-1970654016"/>
+        <c:axId val="12209152"/>
         <c:scaling>
           <c:orientation val="minMax"/>
         </c:scaling>
@@ -2827,7 +4256,7 @@
             <a:endParaRPr lang="en-US"/>
           </a:p>
         </c:txPr>
-        <c:crossAx val="-1970648576"/>
+        <c:crossAx val="12219136"/>
         <c:crosses val="autoZero"/>
         <c:auto val="1"/>
         <c:lblAlgn val="ctr"/>
@@ -2835,7 +4264,7 @@
         <c:noMultiLvlLbl val="0"/>
       </c:catAx>
       <c:valAx>
-        <c:axId val="-1970648576"/>
+        <c:axId val="12219136"/>
         <c:scaling>
           <c:orientation val="minMax"/>
           <c:max val="15"/>
@@ -2888,7 +4317,7 @@
             <a:endParaRPr lang="en-US"/>
           </a:p>
         </c:txPr>
-        <c:crossAx val="-1970654016"/>
+        <c:crossAx val="12209152"/>
         <c:crosses val="autoZero"/>
         <c:crossBetween val="between"/>
         <c:majorUnit val="2"/>
@@ -2959,2835 +4388,867 @@
       <a:endParaRPr lang="en-US"/>
     </a:p>
   </c:txPr>
-  <c:externalData r:id="rId3">
+  <c:externalData r:id="rId1">
     <c:autoUpdate val="0"/>
   </c:externalData>
 </c:chartSpace>
 </file>
 
-<file path=ppt/charts/colors1.xml><?xml version="1.0" encoding="utf-8"?>
-<cs:colorStyle xmlns:cs="http://schemas.microsoft.com/office/drawing/2012/chartStyle" xmlns:a="http://schemas.openxmlformats.org/drawingml/2006/main" meth="cycle" id="10">
-  <a:schemeClr val="accent1"/>
-  <a:schemeClr val="accent2"/>
-  <a:schemeClr val="accent3"/>
-  <a:schemeClr val="accent4"/>
-  <a:schemeClr val="accent5"/>
-  <a:schemeClr val="accent6"/>
-  <cs:variation/>
-  <cs:variation>
-    <a:lumMod val="60000"/>
-  </cs:variation>
-  <cs:variation>
-    <a:lumMod val="80000"/>
-    <a:lumOff val="20000"/>
-  </cs:variation>
-  <cs:variation>
-    <a:lumMod val="80000"/>
-  </cs:variation>
-  <cs:variation>
-    <a:lumMod val="60000"/>
-    <a:lumOff val="40000"/>
-  </cs:variation>
-  <cs:variation>
-    <a:lumMod val="50000"/>
-  </cs:variation>
-  <cs:variation>
-    <a:lumMod val="70000"/>
-    <a:lumOff val="30000"/>
-  </cs:variation>
-  <cs:variation>
-    <a:lumMod val="70000"/>
-  </cs:variation>
-  <cs:variation>
-    <a:lumMod val="50000"/>
-    <a:lumOff val="50000"/>
-  </cs:variation>
-</cs:colorStyle>
+<file path=ppt/charts/chart8.xml><?xml version="1.0" encoding="utf-8"?>
+<c:chartSpace xmlns:c="http://schemas.openxmlformats.org/drawingml/2006/chart" xmlns:a="http://schemas.openxmlformats.org/drawingml/2006/main" xmlns:r="http://schemas.openxmlformats.org/officeDocument/2006/relationships">
+  <c:date1904 val="0"/>
+  <c:lang val="en-US"/>
+  <c:roundedCorners val="0"/>
+  <mc:AlternateContent xmlns:mc="http://schemas.openxmlformats.org/markup-compatibility/2006">
+    <mc:Choice xmlns:c14="http://schemas.microsoft.com/office/drawing/2007/8/2/chart" Requires="c14">
+      <c14:style val="102"/>
+    </mc:Choice>
+    <mc:Fallback>
+      <c:style val="2"/>
+    </mc:Fallback>
+  </mc:AlternateContent>
+  <c:chart>
+    <c:autoTitleDeleted val="1"/>
+    <c:plotArea>
+      <c:layout/>
+      <c:barChart>
+        <c:barDir val="bar"/>
+        <c:grouping val="stacked"/>
+        <c:varyColors val="0"/>
+        <c:ser>
+          <c:idx val="0"/>
+          <c:order val="0"/>
+          <c:tx>
+            <c:strRef>
+              <c:f>Sheet1!$B$1</c:f>
+              <c:strCache>
+                <c:ptCount val="1"/>
+                <c:pt idx="0">
+                  <c:v>Max</c:v>
+                </c:pt>
+              </c:strCache>
+            </c:strRef>
+          </c:tx>
+          <c:spPr>
+            <a:gradFill rotWithShape="1">
+              <a:gsLst>
+                <a:gs pos="0">
+                  <a:schemeClr val="accent1">
+                    <a:lumMod val="110000"/>
+                    <a:satMod val="105000"/>
+                    <a:tint val="67000"/>
+                  </a:schemeClr>
+                </a:gs>
+                <a:gs pos="50000">
+                  <a:schemeClr val="accent1">
+                    <a:lumMod val="105000"/>
+                    <a:satMod val="103000"/>
+                    <a:tint val="73000"/>
+                  </a:schemeClr>
+                </a:gs>
+                <a:gs pos="100000">
+                  <a:schemeClr val="accent1">
+                    <a:lumMod val="105000"/>
+                    <a:satMod val="109000"/>
+                    <a:tint val="81000"/>
+                  </a:schemeClr>
+                </a:gs>
+              </a:gsLst>
+              <a:lin ang="5400000" scaled="0"/>
+            </a:gradFill>
+            <a:ln w="9525" cap="flat" cmpd="sng" algn="ctr">
+              <a:solidFill>
+                <a:schemeClr val="accent1">
+                  <a:shade val="95000"/>
+                </a:schemeClr>
+              </a:solidFill>
+              <a:round/>
+            </a:ln>
+            <a:effectLst>
+              <a:outerShdw blurRad="50800" dist="50800" dir="5400000" algn="ctr" rotWithShape="0">
+                <a:schemeClr val="bg1">
+                  <a:lumMod val="85000"/>
+                </a:schemeClr>
+              </a:outerShdw>
+            </a:effectLst>
+          </c:spPr>
+          <c:invertIfNegative val="0"/>
+          <c:dPt>
+            <c:idx val="2"/>
+            <c:invertIfNegative val="0"/>
+            <c:bubble3D val="0"/>
+            <c:spPr>
+              <a:solidFill>
+                <a:schemeClr val="accent1">
+                  <a:lumMod val="60000"/>
+                  <a:lumOff val="40000"/>
+                </a:schemeClr>
+              </a:solidFill>
+              <a:ln w="9525" cap="flat" cmpd="sng" algn="ctr">
+                <a:solidFill>
+                  <a:schemeClr val="accent1">
+                    <a:shade val="95000"/>
+                  </a:schemeClr>
+                </a:solidFill>
+                <a:round/>
+              </a:ln>
+              <a:effectLst>
+                <a:outerShdw blurRad="50800" dist="50800" dir="5400000" algn="ctr" rotWithShape="0">
+                  <a:schemeClr val="bg1">
+                    <a:lumMod val="85000"/>
+                  </a:schemeClr>
+                </a:outerShdw>
+              </a:effectLst>
+            </c:spPr>
+          </c:dPt>
+          <c:dLbls>
+            <c:spPr>
+              <a:noFill/>
+              <a:ln>
+                <a:noFill/>
+              </a:ln>
+              <a:effectLst/>
+            </c:spPr>
+            <c:txPr>
+              <a:bodyPr rot="0" spcFirstLastPara="1" vertOverflow="ellipsis" vert="horz" wrap="square" lIns="38100" tIns="19050" rIns="38100" bIns="19050" anchor="ctr" anchorCtr="1">
+                <a:spAutoFit/>
+              </a:bodyPr>
+              <a:lstStyle/>
+              <a:p>
+                <a:pPr>
+                  <a:defRPr sz="1197" b="0" i="0" u="none" strike="noStrike" kern="1200" baseline="0">
+                    <a:solidFill>
+                      <a:schemeClr val="tx1">
+                        <a:lumMod val="50000"/>
+                        <a:lumOff val="50000"/>
+                      </a:schemeClr>
+                    </a:solidFill>
+                    <a:latin typeface="+mn-lt"/>
+                    <a:ea typeface="+mn-ea"/>
+                    <a:cs typeface="+mn-cs"/>
+                  </a:defRPr>
+                </a:pPr>
+                <a:endParaRPr lang="en-US"/>
+              </a:p>
+            </c:txPr>
+            <c:dLblPos val="inBase"/>
+            <c:showLegendKey val="0"/>
+            <c:showVal val="1"/>
+            <c:showCatName val="0"/>
+            <c:showSerName val="0"/>
+            <c:showPercent val="0"/>
+            <c:showBubbleSize val="0"/>
+            <c:showLeaderLines val="0"/>
+            <c:extLst>
+              <c:ext xmlns:c15="http://schemas.microsoft.com/office/drawing/2012/chart" uri="{CE6537A1-D6FC-4f65-9D91-7224C49458BB}">
+                <c15:layout/>
+                <c15:showLeaderLines val="1"/>
+                <c15:leaderLines>
+                  <c:spPr>
+                    <a:ln w="9525">
+                      <a:solidFill>
+                        <a:schemeClr val="tx1">
+                          <a:lumMod val="35000"/>
+                          <a:lumOff val="65000"/>
+                        </a:schemeClr>
+                      </a:solidFill>
+                    </a:ln>
+                    <a:effectLst/>
+                  </c:spPr>
+                </c15:leaderLines>
+              </c:ext>
+            </c:extLst>
+          </c:dLbls>
+          <c:cat>
+            <c:strRef>
+              <c:f>Sheet1!$A$2:$A$5</c:f>
+              <c:strCache>
+                <c:ptCount val="4"/>
+                <c:pt idx="0">
+                  <c:v>ESB Cluster 2</c:v>
+                </c:pt>
+                <c:pt idx="1">
+                  <c:v>ESB Cluster 1</c:v>
+                </c:pt>
+                <c:pt idx="2">
+                  <c:v>Enterprise 10K</c:v>
+                </c:pt>
+                <c:pt idx="3">
+                  <c:v>Enterprise 100K</c:v>
+                </c:pt>
+              </c:strCache>
+            </c:strRef>
+          </c:cat>
+          <c:val>
+            <c:numRef>
+              <c:f>Sheet1!$B$2:$B$5</c:f>
+              <c:numCache>
+                <c:formatCode>General</c:formatCode>
+                <c:ptCount val="4"/>
+                <c:pt idx="2">
+                  <c:v>10000</c:v>
+                </c:pt>
+                <c:pt idx="3">
+                  <c:v>100000</c:v>
+                </c:pt>
+              </c:numCache>
+            </c:numRef>
+          </c:val>
+        </c:ser>
+        <c:ser>
+          <c:idx val="1"/>
+          <c:order val="1"/>
+          <c:tx>
+            <c:strRef>
+              <c:f>Sheet1!$C$1</c:f>
+              <c:strCache>
+                <c:ptCount val="1"/>
+                <c:pt idx="0">
+                  <c:v>Service</c:v>
+                </c:pt>
+              </c:strCache>
+            </c:strRef>
+          </c:tx>
+          <c:spPr>
+            <a:solidFill>
+              <a:schemeClr val="accent6">
+                <a:lumMod val="60000"/>
+                <a:lumOff val="40000"/>
+              </a:schemeClr>
+            </a:solidFill>
+            <a:ln w="9525" cap="flat" cmpd="sng" algn="ctr">
+              <a:solidFill>
+                <a:schemeClr val="accent1"/>
+              </a:solidFill>
+              <a:round/>
+            </a:ln>
+            <a:effectLst/>
+          </c:spPr>
+          <c:invertIfNegative val="0"/>
+          <c:dLbls>
+            <c:delete val="1"/>
+          </c:dLbls>
+          <c:cat>
+            <c:strRef>
+              <c:f>Sheet1!$A$2:$A$5</c:f>
+              <c:strCache>
+                <c:ptCount val="4"/>
+                <c:pt idx="0">
+                  <c:v>ESB Cluster 2</c:v>
+                </c:pt>
+                <c:pt idx="1">
+                  <c:v>ESB Cluster 1</c:v>
+                </c:pt>
+                <c:pt idx="2">
+                  <c:v>Enterprise 10K</c:v>
+                </c:pt>
+                <c:pt idx="3">
+                  <c:v>Enterprise 100K</c:v>
+                </c:pt>
+              </c:strCache>
+            </c:strRef>
+          </c:cat>
+          <c:val>
+            <c:numRef>
+              <c:f>Sheet1!$C$2:$C$5</c:f>
+              <c:numCache>
+                <c:formatCode>General</c:formatCode>
+                <c:ptCount val="4"/>
+                <c:pt idx="0">
+                  <c:v>1000</c:v>
+                </c:pt>
+                <c:pt idx="1">
+                  <c:v>1000</c:v>
+                </c:pt>
+              </c:numCache>
+            </c:numRef>
+          </c:val>
+        </c:ser>
+        <c:ser>
+          <c:idx val="2"/>
+          <c:order val="2"/>
+          <c:tx>
+            <c:strRef>
+              <c:f>Sheet1!$D$1</c:f>
+              <c:strCache>
+                <c:ptCount val="1"/>
+                <c:pt idx="0">
+                  <c:v>Logging</c:v>
+                </c:pt>
+              </c:strCache>
+            </c:strRef>
+          </c:tx>
+          <c:spPr>
+            <a:solidFill>
+              <a:schemeClr val="accent4"/>
+            </a:solidFill>
+            <a:ln w="9525" cap="flat" cmpd="sng" algn="ctr">
+              <a:solidFill>
+                <a:schemeClr val="accent1"/>
+              </a:solidFill>
+              <a:round/>
+            </a:ln>
+            <a:effectLst/>
+          </c:spPr>
+          <c:invertIfNegative val="0"/>
+          <c:dLbls>
+            <c:delete val="1"/>
+          </c:dLbls>
+          <c:cat>
+            <c:strRef>
+              <c:f>Sheet1!$A$2:$A$5</c:f>
+              <c:strCache>
+                <c:ptCount val="4"/>
+                <c:pt idx="0">
+                  <c:v>ESB Cluster 2</c:v>
+                </c:pt>
+                <c:pt idx="1">
+                  <c:v>ESB Cluster 1</c:v>
+                </c:pt>
+                <c:pt idx="2">
+                  <c:v>Enterprise 10K</c:v>
+                </c:pt>
+                <c:pt idx="3">
+                  <c:v>Enterprise 100K</c:v>
+                </c:pt>
+              </c:strCache>
+            </c:strRef>
+          </c:cat>
+          <c:val>
+            <c:numRef>
+              <c:f>Sheet1!$D$2:$D$5</c:f>
+              <c:numCache>
+                <c:formatCode>General</c:formatCode>
+                <c:ptCount val="4"/>
+                <c:pt idx="0">
+                  <c:v>200</c:v>
+                </c:pt>
+                <c:pt idx="1">
+                  <c:v>200</c:v>
+                </c:pt>
+              </c:numCache>
+            </c:numRef>
+          </c:val>
+        </c:ser>
+        <c:ser>
+          <c:idx val="3"/>
+          <c:order val="3"/>
+          <c:tx>
+            <c:strRef>
+              <c:f>Sheet1!$E$1</c:f>
+              <c:strCache>
+                <c:ptCount val="1"/>
+                <c:pt idx="0">
+                  <c:v>External</c:v>
+                </c:pt>
+              </c:strCache>
+            </c:strRef>
+          </c:tx>
+          <c:spPr>
+            <a:solidFill>
+              <a:srgbClr val="CC6600"/>
+            </a:solidFill>
+            <a:ln w="9525" cap="flat" cmpd="sng" algn="ctr">
+              <a:solidFill>
+                <a:schemeClr val="accent1"/>
+              </a:solidFill>
+              <a:round/>
+            </a:ln>
+            <a:effectLst/>
+          </c:spPr>
+          <c:invertIfNegative val="0"/>
+          <c:dLbls>
+            <c:delete val="1"/>
+          </c:dLbls>
+          <c:cat>
+            <c:strRef>
+              <c:f>Sheet1!$A$2:$A$5</c:f>
+              <c:strCache>
+                <c:ptCount val="4"/>
+                <c:pt idx="0">
+                  <c:v>ESB Cluster 2</c:v>
+                </c:pt>
+                <c:pt idx="1">
+                  <c:v>ESB Cluster 1</c:v>
+                </c:pt>
+                <c:pt idx="2">
+                  <c:v>Enterprise 10K</c:v>
+                </c:pt>
+                <c:pt idx="3">
+                  <c:v>Enterprise 100K</c:v>
+                </c:pt>
+              </c:strCache>
+            </c:strRef>
+          </c:cat>
+          <c:val>
+            <c:numRef>
+              <c:f>Sheet1!$E$2:$E$5</c:f>
+              <c:numCache>
+                <c:formatCode>General</c:formatCode>
+                <c:ptCount val="4"/>
+                <c:pt idx="0">
+                  <c:v>500</c:v>
+                </c:pt>
+                <c:pt idx="1">
+                  <c:v>500</c:v>
+                </c:pt>
+              </c:numCache>
+            </c:numRef>
+          </c:val>
+        </c:ser>
+        <c:dLbls>
+          <c:showLegendKey val="0"/>
+          <c:showVal val="1"/>
+          <c:showCatName val="0"/>
+          <c:showSerName val="0"/>
+          <c:showPercent val="0"/>
+          <c:showBubbleSize val="0"/>
+        </c:dLbls>
+        <c:gapWidth val="90"/>
+        <c:overlap val="100"/>
+        <c:axId val="48939392"/>
+        <c:axId val="10265728"/>
+      </c:barChart>
+      <c:catAx>
+        <c:axId val="48939392"/>
+        <c:scaling>
+          <c:orientation val="minMax"/>
+        </c:scaling>
+        <c:delete val="0"/>
+        <c:axPos val="l"/>
+        <c:numFmt formatCode="General" sourceLinked="1"/>
+        <c:majorTickMark val="none"/>
+        <c:minorTickMark val="none"/>
+        <c:tickLblPos val="nextTo"/>
+        <c:spPr>
+          <a:noFill/>
+          <a:ln w="9525" cap="flat" cmpd="sng" algn="ctr">
+            <a:solidFill>
+              <a:schemeClr val="tx1">
+                <a:lumMod val="15000"/>
+                <a:lumOff val="85000"/>
+              </a:schemeClr>
+            </a:solidFill>
+            <a:round/>
+          </a:ln>
+          <a:effectLst/>
+        </c:spPr>
+        <c:txPr>
+          <a:bodyPr rot="-60000000" spcFirstLastPara="1" vertOverflow="ellipsis" vert="horz" wrap="square" anchor="ctr" anchorCtr="1"/>
+          <a:lstStyle/>
+          <a:p>
+            <a:pPr>
+              <a:defRPr sz="1197" b="0" i="0" u="none" strike="noStrike" kern="1200" baseline="0">
+                <a:solidFill>
+                  <a:schemeClr val="tx1">
+                    <a:lumMod val="50000"/>
+                    <a:lumOff val="50000"/>
+                  </a:schemeClr>
+                </a:solidFill>
+                <a:latin typeface="+mn-lt"/>
+                <a:ea typeface="+mn-ea"/>
+                <a:cs typeface="+mn-cs"/>
+              </a:defRPr>
+            </a:pPr>
+            <a:endParaRPr lang="en-US"/>
+          </a:p>
+        </c:txPr>
+        <c:crossAx val="10265728"/>
+        <c:crosses val="autoZero"/>
+        <c:auto val="1"/>
+        <c:lblAlgn val="ctr"/>
+        <c:lblOffset val="100"/>
+        <c:noMultiLvlLbl val="0"/>
+      </c:catAx>
+      <c:valAx>
+        <c:axId val="10265728"/>
+        <c:scaling>
+          <c:orientation val="minMax"/>
+          <c:max val="11000"/>
+          <c:min val="0"/>
+        </c:scaling>
+        <c:delete val="0"/>
+        <c:axPos val="b"/>
+        <c:majorGridlines>
+          <c:spPr>
+            <a:ln w="9525" cap="flat" cmpd="sng" algn="ctr">
+              <a:solidFill>
+                <a:schemeClr val="tx1">
+                  <a:lumMod val="15000"/>
+                  <a:lumOff val="85000"/>
+                </a:schemeClr>
+              </a:solidFill>
+              <a:round/>
+            </a:ln>
+            <a:effectLst/>
+          </c:spPr>
+        </c:majorGridlines>
+        <c:numFmt formatCode="General" sourceLinked="1"/>
+        <c:majorTickMark val="none"/>
+        <c:minorTickMark val="none"/>
+        <c:tickLblPos val="nextTo"/>
+        <c:spPr>
+          <a:noFill/>
+          <a:ln>
+            <a:noFill/>
+          </a:ln>
+          <a:effectLst/>
+        </c:spPr>
+        <c:txPr>
+          <a:bodyPr rot="-60000000" spcFirstLastPara="1" vertOverflow="ellipsis" vert="horz" wrap="square" anchor="ctr" anchorCtr="1"/>
+          <a:lstStyle/>
+          <a:p>
+            <a:pPr>
+              <a:defRPr sz="1197" b="0" i="0" u="none" strike="noStrike" kern="1200" baseline="0">
+                <a:solidFill>
+                  <a:schemeClr val="tx1">
+                    <a:lumMod val="50000"/>
+                    <a:lumOff val="50000"/>
+                  </a:schemeClr>
+                </a:solidFill>
+                <a:latin typeface="+mn-lt"/>
+                <a:ea typeface="+mn-ea"/>
+                <a:cs typeface="+mn-cs"/>
+              </a:defRPr>
+            </a:pPr>
+            <a:endParaRPr lang="en-US"/>
+          </a:p>
+        </c:txPr>
+        <c:crossAx val="48939392"/>
+        <c:crosses val="autoZero"/>
+        <c:crossBetween val="between"/>
+        <c:majorUnit val="2000"/>
+        <c:minorUnit val="100"/>
+      </c:valAx>
+      <c:spPr>
+        <a:noFill/>
+        <a:ln>
+          <a:noFill/>
+        </a:ln>
+        <a:effectLst/>
+      </c:spPr>
+    </c:plotArea>
+    <c:legend>
+      <c:legendPos val="b"/>
+      <c:layout/>
+      <c:overlay val="0"/>
+      <c:spPr>
+        <a:noFill/>
+        <a:ln>
+          <a:noFill/>
+        </a:ln>
+        <a:effectLst/>
+      </c:spPr>
+      <c:txPr>
+        <a:bodyPr rot="0" spcFirstLastPara="1" vertOverflow="ellipsis" vert="horz" wrap="square" anchor="ctr" anchorCtr="1"/>
+        <a:lstStyle/>
+        <a:p>
+          <a:pPr>
+            <a:defRPr sz="1197" b="0" i="0" u="none" strike="noStrike" kern="1200" baseline="0">
+              <a:solidFill>
+                <a:schemeClr val="tx1">
+                  <a:lumMod val="50000"/>
+                  <a:lumOff val="50000"/>
+                </a:schemeClr>
+              </a:solidFill>
+              <a:latin typeface="+mn-lt"/>
+              <a:ea typeface="+mn-ea"/>
+              <a:cs typeface="+mn-cs"/>
+            </a:defRPr>
+          </a:pPr>
+          <a:endParaRPr lang="en-US"/>
+        </a:p>
+      </c:txPr>
+    </c:legend>
+    <c:plotVisOnly val="1"/>
+    <c:dispBlanksAs val="gap"/>
+    <c:showDLblsOverMax val="0"/>
+  </c:chart>
+  <c:spPr>
+    <a:noFill/>
+    <a:ln>
+      <a:solidFill>
+        <a:schemeClr val="bg1">
+          <a:lumMod val="75000"/>
+        </a:schemeClr>
+      </a:solidFill>
+    </a:ln>
+    <a:effectLst/>
+  </c:spPr>
+  <c:txPr>
+    <a:bodyPr/>
+    <a:lstStyle/>
+    <a:p>
+      <a:pPr>
+        <a:defRPr/>
+      </a:pPr>
+      <a:endParaRPr lang="en-US"/>
+    </a:p>
+  </c:txPr>
+  <c:externalData r:id="rId1">
+    <c:autoUpdate val="0"/>
+  </c:externalData>
+</c:chartSpace>
 </file>
 
-<file path=ppt/charts/colors2.xml><?xml version="1.0" encoding="utf-8"?>
-<cs:colorStyle xmlns:cs="http://schemas.microsoft.com/office/drawing/2012/chartStyle" xmlns:a="http://schemas.openxmlformats.org/drawingml/2006/main" meth="cycle" id="10">
-  <a:schemeClr val="accent1"/>
-  <a:schemeClr val="accent2"/>
-  <a:schemeClr val="accent3"/>
-  <a:schemeClr val="accent4"/>
-  <a:schemeClr val="accent5"/>
-  <a:schemeClr val="accent6"/>
-  <cs:variation/>
-  <cs:variation>
-    <a:lumMod val="60000"/>
-  </cs:variation>
-  <cs:variation>
-    <a:lumMod val="80000"/>
-    <a:lumOff val="20000"/>
-  </cs:variation>
-  <cs:variation>
-    <a:lumMod val="80000"/>
-  </cs:variation>
-  <cs:variation>
-    <a:lumMod val="60000"/>
-    <a:lumOff val="40000"/>
-  </cs:variation>
-  <cs:variation>
-    <a:lumMod val="50000"/>
-  </cs:variation>
-  <cs:variation>
-    <a:lumMod val="70000"/>
-    <a:lumOff val="30000"/>
-  </cs:variation>
-  <cs:variation>
-    <a:lumMod val="70000"/>
-  </cs:variation>
-  <cs:variation>
-    <a:lumMod val="50000"/>
-    <a:lumOff val="50000"/>
-  </cs:variation>
-</cs:colorStyle>
-</file>
-
-<file path=ppt/charts/colors3.xml><?xml version="1.0" encoding="utf-8"?>
-<cs:colorStyle xmlns:cs="http://schemas.microsoft.com/office/drawing/2012/chartStyle" xmlns:a="http://schemas.openxmlformats.org/drawingml/2006/main" meth="cycle" id="10">
-  <a:schemeClr val="accent1"/>
-  <a:schemeClr val="accent2"/>
-  <a:schemeClr val="accent3"/>
-  <a:schemeClr val="accent4"/>
-  <a:schemeClr val="accent5"/>
-  <a:schemeClr val="accent6"/>
-  <cs:variation/>
-  <cs:variation>
-    <a:lumMod val="60000"/>
-  </cs:variation>
-  <cs:variation>
-    <a:lumMod val="80000"/>
-    <a:lumOff val="20000"/>
-  </cs:variation>
-  <cs:variation>
-    <a:lumMod val="80000"/>
-  </cs:variation>
-  <cs:variation>
-    <a:lumMod val="60000"/>
-    <a:lumOff val="40000"/>
-  </cs:variation>
-  <cs:variation>
-    <a:lumMod val="50000"/>
-  </cs:variation>
-  <cs:variation>
-    <a:lumMod val="70000"/>
-    <a:lumOff val="30000"/>
-  </cs:variation>
-  <cs:variation>
-    <a:lumMod val="70000"/>
-  </cs:variation>
-  <cs:variation>
-    <a:lumMod val="50000"/>
-    <a:lumOff val="50000"/>
-  </cs:variation>
-</cs:colorStyle>
-</file>
-
-<file path=ppt/charts/colors4.xml><?xml version="1.0" encoding="utf-8"?>
-<cs:colorStyle xmlns:cs="http://schemas.microsoft.com/office/drawing/2012/chartStyle" xmlns:a="http://schemas.openxmlformats.org/drawingml/2006/main" meth="cycle" id="10">
-  <a:schemeClr val="accent1"/>
-  <a:schemeClr val="accent2"/>
-  <a:schemeClr val="accent3"/>
-  <a:schemeClr val="accent4"/>
-  <a:schemeClr val="accent5"/>
-  <a:schemeClr val="accent6"/>
-  <cs:variation/>
-  <cs:variation>
-    <a:lumMod val="60000"/>
-  </cs:variation>
-  <cs:variation>
-    <a:lumMod val="80000"/>
-    <a:lumOff val="20000"/>
-  </cs:variation>
-  <cs:variation>
-    <a:lumMod val="80000"/>
-  </cs:variation>
-  <cs:variation>
-    <a:lumMod val="60000"/>
-    <a:lumOff val="40000"/>
-  </cs:variation>
-  <cs:variation>
-    <a:lumMod val="50000"/>
-  </cs:variation>
-  <cs:variation>
-    <a:lumMod val="70000"/>
-    <a:lumOff val="30000"/>
-  </cs:variation>
-  <cs:variation>
-    <a:lumMod val="70000"/>
-  </cs:variation>
-  <cs:variation>
-    <a:lumMod val="50000"/>
-    <a:lumOff val="50000"/>
-  </cs:variation>
-</cs:colorStyle>
-</file>
-
-<file path=ppt/charts/colors5.xml><?xml version="1.0" encoding="utf-8"?>
-<cs:colorStyle xmlns:cs="http://schemas.microsoft.com/office/drawing/2012/chartStyle" xmlns:a="http://schemas.openxmlformats.org/drawingml/2006/main" meth="cycle" id="10">
-  <a:schemeClr val="accent1"/>
-  <a:schemeClr val="accent2"/>
-  <a:schemeClr val="accent3"/>
-  <a:schemeClr val="accent4"/>
-  <a:schemeClr val="accent5"/>
-  <a:schemeClr val="accent6"/>
-  <cs:variation/>
-  <cs:variation>
-    <a:lumMod val="60000"/>
-  </cs:variation>
-  <cs:variation>
-    <a:lumMod val="80000"/>
-    <a:lumOff val="20000"/>
-  </cs:variation>
-  <cs:variation>
-    <a:lumMod val="80000"/>
-  </cs:variation>
-  <cs:variation>
-    <a:lumMod val="60000"/>
-    <a:lumOff val="40000"/>
-  </cs:variation>
-  <cs:variation>
-    <a:lumMod val="50000"/>
-  </cs:variation>
-  <cs:variation>
-    <a:lumMod val="70000"/>
-    <a:lumOff val="30000"/>
-  </cs:variation>
-  <cs:variation>
-    <a:lumMod val="70000"/>
-  </cs:variation>
-  <cs:variation>
-    <a:lumMod val="50000"/>
-    <a:lumOff val="50000"/>
-  </cs:variation>
-</cs:colorStyle>
-</file>
-
-<file path=ppt/charts/style1.xml><?xml version="1.0" encoding="utf-8"?>
-<cs:chartStyle xmlns:cs="http://schemas.microsoft.com/office/drawing/2012/chartStyle" xmlns:a="http://schemas.openxmlformats.org/drawingml/2006/main" id="219">
-  <cs:axisTitle>
-    <cs:lnRef idx="0"/>
-    <cs:fillRef idx="0"/>
-    <cs:effectRef idx="0"/>
-    <cs:fontRef idx="minor">
-      <a:schemeClr val="tx1">
-        <a:lumMod val="50000"/>
-        <a:lumOff val="50000"/>
-      </a:schemeClr>
-    </cs:fontRef>
-    <cs:defRPr sz="1197" kern="1200" cap="all"/>
-  </cs:axisTitle>
-  <cs:categoryAxis>
-    <cs:lnRef idx="0"/>
-    <cs:fillRef idx="0"/>
-    <cs:effectRef idx="0"/>
-    <cs:fontRef idx="minor">
-      <a:schemeClr val="tx1">
-        <a:lumMod val="50000"/>
-        <a:lumOff val="50000"/>
-      </a:schemeClr>
-    </cs:fontRef>
-    <cs:spPr>
-      <a:ln w="9525" cap="flat" cmpd="sng" algn="ctr">
-        <a:solidFill>
-          <a:schemeClr val="tx1">
-            <a:lumMod val="15000"/>
-            <a:lumOff val="85000"/>
-          </a:schemeClr>
-        </a:solidFill>
-        <a:round/>
-      </a:ln>
-    </cs:spPr>
-    <cs:defRPr sz="1197" kern="1200"/>
-  </cs:categoryAxis>
-  <cs:chartArea mods="allowNoFillOverride allowNoLineOverride">
-    <cs:lnRef idx="0"/>
-    <cs:fillRef idx="0"/>
-    <cs:effectRef idx="0"/>
-    <cs:fontRef idx="minor">
-      <a:schemeClr val="dk1"/>
-    </cs:fontRef>
-    <cs:spPr>
+<file path=ppt/charts/chart9.xml><?xml version="1.0" encoding="utf-8"?>
+<c:chartSpace xmlns:c="http://schemas.openxmlformats.org/drawingml/2006/chart" xmlns:a="http://schemas.openxmlformats.org/drawingml/2006/main" xmlns:r="http://schemas.openxmlformats.org/officeDocument/2006/relationships">
+  <c:date1904 val="0"/>
+  <c:lang val="en-US"/>
+  <c:roundedCorners val="0"/>
+  <mc:AlternateContent xmlns:mc="http://schemas.openxmlformats.org/markup-compatibility/2006">
+    <mc:Choice xmlns:c14="http://schemas.microsoft.com/office/drawing/2007/8/2/chart" Requires="c14">
+      <c14:style val="102"/>
+    </mc:Choice>
+    <mc:Fallback>
+      <c:style val="2"/>
+    </mc:Fallback>
+  </mc:AlternateContent>
+  <c:chart>
+    <c:autoTitleDeleted val="1"/>
+    <c:plotArea>
+      <c:layout/>
+      <c:pieChart>
+        <c:varyColors val="1"/>
+        <c:ser>
+          <c:idx val="0"/>
+          <c:order val="0"/>
+          <c:tx>
+            <c:strRef>
+              <c:f>Sheet1!$B$1</c:f>
+              <c:strCache>
+                <c:ptCount val="1"/>
+                <c:pt idx="0">
+                  <c:v>Size</c:v>
+                </c:pt>
+              </c:strCache>
+            </c:strRef>
+          </c:tx>
+          <c:spPr>
+            <a:ln w="9525">
+              <a:solidFill>
+                <a:schemeClr val="bg1">
+                  <a:lumMod val="50000"/>
+                </a:schemeClr>
+              </a:solidFill>
+            </a:ln>
+            <a:effectLst>
+              <a:outerShdw blurRad="50800" dist="38100" dir="5400000" algn="t" rotWithShape="0">
+                <a:prstClr val="black">
+                  <a:alpha val="40000"/>
+                </a:prstClr>
+              </a:outerShdw>
+            </a:effectLst>
+          </c:spPr>
+          <c:dPt>
+            <c:idx val="1"/>
+            <c:bubble3D val="0"/>
+            <c:spPr>
+              <a:solidFill>
+                <a:schemeClr val="accent1"/>
+              </a:solidFill>
+              <a:ln w="9525">
+                <a:solidFill>
+                  <a:schemeClr val="bg1">
+                    <a:lumMod val="50000"/>
+                  </a:schemeClr>
+                </a:solidFill>
+              </a:ln>
+              <a:effectLst>
+                <a:outerShdw blurRad="50800" dist="38100" dir="5400000" algn="t" rotWithShape="0">
+                  <a:prstClr val="black">
+                    <a:alpha val="40000"/>
+                  </a:prstClr>
+                </a:outerShdw>
+              </a:effectLst>
+            </c:spPr>
+          </c:dPt>
+          <c:dPt>
+            <c:idx val="2"/>
+            <c:bubble3D val="0"/>
+            <c:spPr>
+              <a:solidFill>
+                <a:schemeClr val="accent2">
+                  <a:lumMod val="60000"/>
+                  <a:lumOff val="40000"/>
+                </a:schemeClr>
+              </a:solidFill>
+              <a:ln w="9525">
+                <a:solidFill>
+                  <a:schemeClr val="bg1">
+                    <a:lumMod val="50000"/>
+                  </a:schemeClr>
+                </a:solidFill>
+              </a:ln>
+              <a:effectLst>
+                <a:outerShdw blurRad="50800" dist="38100" dir="5400000" algn="t" rotWithShape="0">
+                  <a:prstClr val="black">
+                    <a:alpha val="40000"/>
+                  </a:prstClr>
+                </a:outerShdw>
+              </a:effectLst>
+            </c:spPr>
+          </c:dPt>
+          <c:dPt>
+            <c:idx val="3"/>
+            <c:bubble3D val="0"/>
+            <c:spPr>
+              <a:solidFill>
+                <a:schemeClr val="bg1">
+                  <a:lumMod val="95000"/>
+                </a:schemeClr>
+              </a:solidFill>
+              <a:ln w="9525">
+                <a:solidFill>
+                  <a:schemeClr val="bg1">
+                    <a:lumMod val="50000"/>
+                  </a:schemeClr>
+                </a:solidFill>
+              </a:ln>
+              <a:effectLst>
+                <a:outerShdw blurRad="50800" dist="38100" dir="5400000" algn="t" rotWithShape="0">
+                  <a:prstClr val="black">
+                    <a:alpha val="40000"/>
+                  </a:prstClr>
+                </a:outerShdw>
+              </a:effectLst>
+            </c:spPr>
+          </c:dPt>
+          <c:dLbls>
+            <c:txPr>
+              <a:bodyPr/>
+              <a:lstStyle/>
+              <a:p>
+                <a:pPr>
+                  <a:defRPr sz="800">
+                    <a:solidFill>
+                      <a:schemeClr val="tx1">
+                        <a:lumMod val="65000"/>
+                        <a:lumOff val="35000"/>
+                      </a:schemeClr>
+                    </a:solidFill>
+                  </a:defRPr>
+                </a:pPr>
+                <a:endParaRPr lang="en-US"/>
+              </a:p>
+            </c:txPr>
+            <c:showLegendKey val="0"/>
+            <c:showVal val="0"/>
+            <c:showCatName val="0"/>
+            <c:showSerName val="0"/>
+            <c:showPercent val="1"/>
+            <c:showBubbleSize val="0"/>
+            <c:showLeaderLines val="1"/>
+          </c:dLbls>
+          <c:cat>
+            <c:strRef>
+              <c:f>Sheet1!$A$2:$A$5</c:f>
+              <c:strCache>
+                <c:ptCount val="4"/>
+                <c:pt idx="0">
+                  <c:v>Large</c:v>
+                </c:pt>
+                <c:pt idx="1">
+                  <c:v>Large</c:v>
+                </c:pt>
+                <c:pt idx="2">
+                  <c:v>Regular</c:v>
+                </c:pt>
+                <c:pt idx="3">
+                  <c:v>Buffer</c:v>
+                </c:pt>
+              </c:strCache>
+            </c:strRef>
+          </c:cat>
+          <c:val>
+            <c:numRef>
+              <c:f>Sheet1!$B$2:$B$5</c:f>
+              <c:numCache>
+                <c:formatCode>General</c:formatCode>
+                <c:ptCount val="4"/>
+                <c:pt idx="0">
+                  <c:v>3000</c:v>
+                </c:pt>
+                <c:pt idx="1">
+                  <c:v>3000</c:v>
+                </c:pt>
+                <c:pt idx="2">
+                  <c:v>2000</c:v>
+                </c:pt>
+                <c:pt idx="3">
+                  <c:v>2000</c:v>
+                </c:pt>
+              </c:numCache>
+            </c:numRef>
+          </c:val>
+        </c:ser>
+        <c:dLbls>
+          <c:showLegendKey val="0"/>
+          <c:showVal val="0"/>
+          <c:showCatName val="0"/>
+          <c:showSerName val="0"/>
+          <c:showPercent val="0"/>
+          <c:showBubbleSize val="0"/>
+          <c:showLeaderLines val="1"/>
+        </c:dLbls>
+        <c:firstSliceAng val="0"/>
+      </c:pieChart>
+    </c:plotArea>
+    <c:legend>
+      <c:legendPos val="r"/>
+      <c:legendEntry>
+        <c:idx val="1"/>
+        <c:delete val="1"/>
+      </c:legendEntry>
+      <c:layout>
+        <c:manualLayout>
+          <c:xMode val="edge"/>
+          <c:yMode val="edge"/>
+          <c:x val="0.66291909599086374"/>
+          <c:y val="0.30587542839527682"/>
+          <c:w val="0.22190379768763394"/>
+          <c:h val="0.40499969468549213"/>
+        </c:manualLayout>
+      </c:layout>
+      <c:overlay val="0"/>
+      <c:txPr>
+        <a:bodyPr/>
+        <a:lstStyle/>
+        <a:p>
+          <a:pPr>
+            <a:defRPr sz="800"/>
+          </a:pPr>
+          <a:endParaRPr lang="en-US"/>
+        </a:p>
+      </c:txPr>
+    </c:legend>
+    <c:plotVisOnly val="1"/>
+    <c:dispBlanksAs val="gap"/>
+    <c:showDLblsOverMax val="0"/>
+  </c:chart>
+  <c:spPr>
+    <a:ln>
       <a:solidFill>
-        <a:schemeClr val="bg1"/>
-      </a:solidFill>
-      <a:ln w="9525" cap="flat" cmpd="sng" algn="ctr">
-        <a:solidFill>
-          <a:schemeClr val="tx1">
-            <a:lumMod val="15000"/>
-            <a:lumOff val="85000"/>
-          </a:schemeClr>
-        </a:solidFill>
-        <a:round/>
-      </a:ln>
-    </cs:spPr>
-    <cs:defRPr sz="1197" kern="1200"/>
-  </cs:chartArea>
-  <cs:dataLabel>
-    <cs:lnRef idx="0"/>
-    <cs:fillRef idx="0"/>
-    <cs:effectRef idx="0"/>
-    <cs:fontRef idx="minor">
-      <a:schemeClr val="tx1">
-        <a:lumMod val="50000"/>
-        <a:lumOff val="50000"/>
-      </a:schemeClr>
-    </cs:fontRef>
-    <cs:defRPr sz="1197" kern="1200"/>
-  </cs:dataLabel>
-  <cs:dataLabelCallout>
-    <cs:lnRef idx="0"/>
-    <cs:fillRef idx="0"/>
-    <cs:effectRef idx="0"/>
-    <cs:fontRef idx="minor">
-      <a:schemeClr val="dk1">
-        <a:lumMod val="65000"/>
-        <a:lumOff val="35000"/>
-      </a:schemeClr>
-    </cs:fontRef>
-    <cs:spPr>
-      <a:solidFill>
-        <a:schemeClr val="lt1"/>
-      </a:solidFill>
-      <a:ln>
-        <a:solidFill>
-          <a:schemeClr val="dk1">
-            <a:lumMod val="25000"/>
-            <a:lumOff val="75000"/>
-          </a:schemeClr>
-        </a:solidFill>
-      </a:ln>
-    </cs:spPr>
-    <cs:defRPr sz="1197" kern="1200"/>
-    <cs:bodyPr rot="0" spcFirstLastPara="1" vertOverflow="clip" horzOverflow="clip" vert="horz" wrap="square" lIns="36576" tIns="18288" rIns="36576" bIns="18288" anchor="ctr" anchorCtr="1">
-      <a:spAutoFit/>
-    </cs:bodyPr>
-  </cs:dataLabelCallout>
-  <cs:dataPoint>
-    <cs:lnRef idx="0">
-      <cs:styleClr val="auto"/>
-    </cs:lnRef>
-    <cs:fillRef idx="2">
-      <cs:styleClr val="auto"/>
-    </cs:fillRef>
-    <cs:effectRef idx="1"/>
-    <cs:fontRef idx="minor">
-      <a:schemeClr val="dk1"/>
-    </cs:fontRef>
-    <cs:spPr>
-      <a:ln w="9525" cap="flat" cmpd="sng" algn="ctr">
-        <a:solidFill>
-          <a:schemeClr val="phClr">
-            <a:shade val="95000"/>
-          </a:schemeClr>
-        </a:solidFill>
-        <a:round/>
-      </a:ln>
-    </cs:spPr>
-  </cs:dataPoint>
-  <cs:dataPoint3D>
-    <cs:lnRef idx="0">
-      <cs:styleClr val="auto"/>
-    </cs:lnRef>
-    <cs:fillRef idx="2">
-      <cs:styleClr val="auto"/>
-    </cs:fillRef>
-    <cs:effectRef idx="1"/>
-    <cs:fontRef idx="minor">
-      <a:schemeClr val="dk1"/>
-    </cs:fontRef>
-    <cs:spPr>
-      <a:ln w="9525" cap="flat" cmpd="sng" algn="ctr">
-        <a:solidFill>
-          <a:schemeClr val="phClr">
-            <a:shade val="95000"/>
-          </a:schemeClr>
-        </a:solidFill>
-        <a:round/>
-      </a:ln>
-    </cs:spPr>
-  </cs:dataPoint3D>
-  <cs:dataPointLine>
-    <cs:lnRef idx="0">
-      <cs:styleClr val="auto"/>
-    </cs:lnRef>
-    <cs:fillRef idx="2">
-      <cs:styleClr val="auto"/>
-    </cs:fillRef>
-    <cs:effectRef idx="1"/>
-    <cs:fontRef idx="minor">
-      <a:schemeClr val="dk1"/>
-    </cs:fontRef>
-    <cs:spPr>
-      <a:ln w="15875" cap="rnd">
-        <a:solidFill>
-          <a:schemeClr val="phClr"/>
-        </a:solidFill>
-        <a:round/>
-      </a:ln>
-    </cs:spPr>
-  </cs:dataPointLine>
-  <cs:dataPointMarker>
-    <cs:lnRef idx="0">
-      <cs:styleClr val="auto"/>
-    </cs:lnRef>
-    <cs:fillRef idx="2">
-      <cs:styleClr val="auto"/>
-    </cs:fillRef>
-    <cs:effectRef idx="1"/>
-    <cs:fontRef idx="minor">
-      <a:schemeClr val="dk1"/>
-    </cs:fontRef>
-    <cs:spPr>
-      <a:ln w="9525" cap="flat" cmpd="sng" algn="ctr">
-        <a:solidFill>
-          <a:schemeClr val="phClr">
-            <a:shade val="95000"/>
-          </a:schemeClr>
-        </a:solidFill>
-        <a:round/>
-      </a:ln>
-    </cs:spPr>
-  </cs:dataPointMarker>
-  <cs:dataPointMarkerLayout symbol="circle" size="4"/>
-  <cs:dataPointWireframe>
-    <cs:lnRef idx="0">
-      <cs:styleClr val="auto"/>
-    </cs:lnRef>
-    <cs:fillRef idx="2"/>
-    <cs:effectRef idx="0"/>
-    <cs:fontRef idx="minor">
-      <a:schemeClr val="dk1"/>
-    </cs:fontRef>
-    <cs:spPr>
-      <a:ln w="9525" cap="rnd">
-        <a:solidFill>
-          <a:schemeClr val="phClr"/>
-        </a:solidFill>
-        <a:round/>
-      </a:ln>
-    </cs:spPr>
-  </cs:dataPointWireframe>
-  <cs:dataTable>
-    <cs:lnRef idx="0"/>
-    <cs:fillRef idx="0"/>
-    <cs:effectRef idx="0"/>
-    <cs:fontRef idx="minor">
-      <a:schemeClr val="tx1">
-        <a:lumMod val="50000"/>
-        <a:lumOff val="50000"/>
-      </a:schemeClr>
-    </cs:fontRef>
-    <cs:spPr>
-      <a:ln w="9525">
-        <a:solidFill>
-          <a:schemeClr val="tx1">
-            <a:lumMod val="15000"/>
-            <a:lumOff val="85000"/>
-          </a:schemeClr>
-        </a:solidFill>
-      </a:ln>
-    </cs:spPr>
-    <cs:defRPr sz="1197" kern="1200"/>
-  </cs:dataTable>
-  <cs:downBar>
-    <cs:lnRef idx="0"/>
-    <cs:fillRef idx="0"/>
-    <cs:effectRef idx="0"/>
-    <cs:fontRef idx="minor">
-      <a:schemeClr val="dk1"/>
-    </cs:fontRef>
-    <cs:spPr>
-      <a:solidFill>
-        <a:schemeClr val="dk1">
-          <a:lumMod val="75000"/>
-          <a:lumOff val="25000"/>
+        <a:schemeClr val="bg1">
+          <a:lumMod val="65000"/>
         </a:schemeClr>
       </a:solidFill>
-      <a:ln w="9525">
-        <a:solidFill>
-          <a:schemeClr val="tx1">
-            <a:lumMod val="50000"/>
-            <a:lumOff val="50000"/>
-          </a:schemeClr>
-        </a:solidFill>
-      </a:ln>
-    </cs:spPr>
-  </cs:downBar>
-  <cs:dropLine>
-    <cs:lnRef idx="0"/>
-    <cs:fillRef idx="0"/>
-    <cs:effectRef idx="0"/>
-    <cs:fontRef idx="minor">
-      <a:schemeClr val="dk1"/>
-    </cs:fontRef>
-    <cs:spPr>
-      <a:ln w="9525">
-        <a:solidFill>
-          <a:schemeClr val="tx1">
-            <a:lumMod val="35000"/>
-            <a:lumOff val="65000"/>
-          </a:schemeClr>
-        </a:solidFill>
-        <a:prstDash val="dash"/>
-      </a:ln>
-    </cs:spPr>
-  </cs:dropLine>
-  <cs:errorBar>
-    <cs:lnRef idx="0"/>
-    <cs:fillRef idx="0"/>
-    <cs:effectRef idx="0"/>
-    <cs:fontRef idx="minor">
-      <a:schemeClr val="dk1"/>
-    </cs:fontRef>
-    <cs:spPr>
-      <a:ln w="9525">
-        <a:solidFill>
-          <a:schemeClr val="tx1">
-            <a:lumMod val="50000"/>
-            <a:lumOff val="50000"/>
-          </a:schemeClr>
-        </a:solidFill>
-      </a:ln>
-    </cs:spPr>
-  </cs:errorBar>
-  <cs:floor>
-    <cs:lnRef idx="0"/>
-    <cs:fillRef idx="0"/>
-    <cs:effectRef idx="0"/>
-    <cs:fontRef idx="minor">
-      <a:schemeClr val="dk1"/>
-    </cs:fontRef>
-  </cs:floor>
-  <cs:gridlineMajor>
-    <cs:lnRef idx="0"/>
-    <cs:fillRef idx="0"/>
-    <cs:effectRef idx="0"/>
-    <cs:fontRef idx="minor">
-      <a:schemeClr val="dk1"/>
-    </cs:fontRef>
-    <cs:spPr>
-      <a:ln w="9525" cap="flat" cmpd="sng" algn="ctr">
-        <a:solidFill>
-          <a:schemeClr val="tx1">
-            <a:lumMod val="15000"/>
-            <a:lumOff val="85000"/>
-          </a:schemeClr>
-        </a:solidFill>
-        <a:round/>
-      </a:ln>
-    </cs:spPr>
-  </cs:gridlineMajor>
-  <cs:gridlineMinor>
-    <cs:lnRef idx="0"/>
-    <cs:fillRef idx="0"/>
-    <cs:effectRef idx="0"/>
-    <cs:fontRef idx="minor">
-      <a:schemeClr val="dk1"/>
-    </cs:fontRef>
-    <cs:spPr>
-      <a:ln>
-        <a:solidFill>
-          <a:schemeClr val="tx1">
-            <a:lumMod val="5000"/>
-            <a:lumOff val="95000"/>
-          </a:schemeClr>
-        </a:solidFill>
-      </a:ln>
-    </cs:spPr>
-  </cs:gridlineMinor>
-  <cs:hiLoLine>
-    <cs:lnRef idx="0"/>
-    <cs:fillRef idx="0"/>
-    <cs:effectRef idx="0"/>
-    <cs:fontRef idx="minor">
-      <a:schemeClr val="dk1"/>
-    </cs:fontRef>
-    <cs:spPr>
-      <a:ln w="9525">
-        <a:solidFill>
-          <a:schemeClr val="tx1">
-            <a:lumMod val="50000"/>
-            <a:lumOff val="50000"/>
-          </a:schemeClr>
-        </a:solidFill>
-        <a:prstDash val="dash"/>
-      </a:ln>
-    </cs:spPr>
-  </cs:hiLoLine>
-  <cs:leaderLine>
-    <cs:lnRef idx="0"/>
-    <cs:fillRef idx="0"/>
-    <cs:effectRef idx="0"/>
-    <cs:fontRef idx="minor">
-      <a:schemeClr val="dk1"/>
-    </cs:fontRef>
-    <cs:spPr>
-      <a:ln w="9525">
-        <a:solidFill>
-          <a:schemeClr val="tx1">
-            <a:lumMod val="35000"/>
-            <a:lumOff val="65000"/>
-          </a:schemeClr>
-        </a:solidFill>
-      </a:ln>
-    </cs:spPr>
-  </cs:leaderLine>
-  <cs:legend>
-    <cs:lnRef idx="0"/>
-    <cs:fillRef idx="0"/>
-    <cs:effectRef idx="0"/>
-    <cs:fontRef idx="minor">
-      <a:schemeClr val="tx1">
-        <a:lumMod val="50000"/>
-        <a:lumOff val="50000"/>
-      </a:schemeClr>
-    </cs:fontRef>
-    <cs:defRPr sz="1197" kern="1200"/>
-  </cs:legend>
-  <cs:plotArea mods="allowNoFillOverride allowNoLineOverride">
-    <cs:lnRef idx="0"/>
-    <cs:fillRef idx="0"/>
-    <cs:effectRef idx="0"/>
-    <cs:fontRef idx="minor">
-      <a:schemeClr val="dk1"/>
-    </cs:fontRef>
-  </cs:plotArea>
-  <cs:plotArea3D mods="allowNoFillOverride allowNoLineOverride">
-    <cs:lnRef idx="0"/>
-    <cs:fillRef idx="0"/>
-    <cs:effectRef idx="0"/>
-    <cs:fontRef idx="minor">
-      <a:schemeClr val="dk1"/>
-    </cs:fontRef>
-  </cs:plotArea3D>
-  <cs:seriesAxis>
-    <cs:lnRef idx="0"/>
-    <cs:fillRef idx="0"/>
-    <cs:effectRef idx="0"/>
-    <cs:fontRef idx="minor">
-      <a:schemeClr val="tx1">
-        <a:lumMod val="50000"/>
-        <a:lumOff val="50000"/>
-      </a:schemeClr>
-    </cs:fontRef>
-    <cs:spPr>
-      <a:ln w="9525" cap="flat" cmpd="sng" algn="ctr">
-        <a:solidFill>
-          <a:schemeClr val="tx1">
-            <a:lumMod val="15000"/>
-            <a:lumOff val="85000"/>
-          </a:schemeClr>
-        </a:solidFill>
-        <a:round/>
-      </a:ln>
-    </cs:spPr>
-    <cs:defRPr sz="1197" kern="1200"/>
-  </cs:seriesAxis>
-  <cs:seriesLine>
-    <cs:lnRef idx="0"/>
-    <cs:fillRef idx="0"/>
-    <cs:effectRef idx="0"/>
-    <cs:fontRef idx="minor">
-      <a:schemeClr val="dk1"/>
-    </cs:fontRef>
-    <cs:spPr>
-      <a:ln w="9525">
-        <a:solidFill>
-          <a:schemeClr val="tx1">
-            <a:lumMod val="35000"/>
-            <a:lumOff val="65000"/>
-          </a:schemeClr>
-        </a:solidFill>
-        <a:prstDash val="dash"/>
-      </a:ln>
-    </cs:spPr>
-  </cs:seriesLine>
-  <cs:title>
-    <cs:lnRef idx="0"/>
-    <cs:fillRef idx="0"/>
-    <cs:effectRef idx="0"/>
-    <cs:fontRef idx="minor">
-      <a:schemeClr val="tx1">
-        <a:lumMod val="50000"/>
-        <a:lumOff val="50000"/>
-      </a:schemeClr>
-    </cs:fontRef>
-    <cs:defRPr sz="1862" kern="1200" cap="none" spc="20" baseline="0"/>
-  </cs:title>
-  <cs:trendline>
-    <cs:lnRef idx="0">
-      <cs:styleClr val="auto"/>
-    </cs:lnRef>
-    <cs:fillRef idx="2"/>
-    <cs:effectRef idx="0"/>
-    <cs:fontRef idx="minor">
-      <a:schemeClr val="dk1"/>
-    </cs:fontRef>
-    <cs:spPr>
-      <a:ln w="9525" cap="rnd">
-        <a:solidFill>
-          <a:schemeClr val="phClr"/>
-        </a:solidFill>
-      </a:ln>
-    </cs:spPr>
-  </cs:trendline>
-  <cs:trendlineLabel>
-    <cs:lnRef idx="0"/>
-    <cs:fillRef idx="0"/>
-    <cs:effectRef idx="0"/>
-    <cs:fontRef idx="minor">
-      <a:schemeClr val="tx1">
-        <a:lumMod val="50000"/>
-        <a:lumOff val="50000"/>
-      </a:schemeClr>
-    </cs:fontRef>
-    <cs:defRPr sz="1197" kern="1200"/>
-  </cs:trendlineLabel>
-  <cs:upBar>
-    <cs:lnRef idx="0"/>
-    <cs:fillRef idx="0"/>
-    <cs:effectRef idx="0"/>
-    <cs:fontRef idx="minor">
-      <a:schemeClr val="dk1"/>
-    </cs:fontRef>
-    <cs:spPr>
-      <a:solidFill>
-        <a:schemeClr val="lt1"/>
-      </a:solidFill>
-      <a:ln w="9525">
-        <a:solidFill>
-          <a:schemeClr val="tx1">
-            <a:lumMod val="50000"/>
-            <a:lumOff val="50000"/>
-          </a:schemeClr>
-        </a:solidFill>
-      </a:ln>
-    </cs:spPr>
-  </cs:upBar>
-  <cs:valueAxis>
-    <cs:lnRef idx="0"/>
-    <cs:fillRef idx="0"/>
-    <cs:effectRef idx="0"/>
-    <cs:fontRef idx="minor">
-      <a:schemeClr val="tx1">
-        <a:lumMod val="50000"/>
-        <a:lumOff val="50000"/>
-      </a:schemeClr>
-    </cs:fontRef>
-    <cs:defRPr sz="1197" kern="1200"/>
-  </cs:valueAxis>
-  <cs:wall>
-    <cs:lnRef idx="0"/>
-    <cs:fillRef idx="0"/>
-    <cs:effectRef idx="0"/>
-    <cs:fontRef idx="minor">
-      <a:schemeClr val="dk1"/>
-    </cs:fontRef>
-  </cs:wall>
-</cs:chartStyle>
-</file>
-
-<file path=ppt/charts/style2.xml><?xml version="1.0" encoding="utf-8"?>
-<cs:chartStyle xmlns:cs="http://schemas.microsoft.com/office/drawing/2012/chartStyle" xmlns:a="http://schemas.openxmlformats.org/drawingml/2006/main" id="219">
-  <cs:axisTitle>
-    <cs:lnRef idx="0"/>
-    <cs:fillRef idx="0"/>
-    <cs:effectRef idx="0"/>
-    <cs:fontRef idx="minor">
-      <a:schemeClr val="tx1">
-        <a:lumMod val="50000"/>
-        <a:lumOff val="50000"/>
-      </a:schemeClr>
-    </cs:fontRef>
-    <cs:defRPr sz="1197" kern="1200" cap="all"/>
-  </cs:axisTitle>
-  <cs:categoryAxis>
-    <cs:lnRef idx="0"/>
-    <cs:fillRef idx="0"/>
-    <cs:effectRef idx="0"/>
-    <cs:fontRef idx="minor">
-      <a:schemeClr val="tx1">
-        <a:lumMod val="50000"/>
-        <a:lumOff val="50000"/>
-      </a:schemeClr>
-    </cs:fontRef>
-    <cs:spPr>
-      <a:ln w="9525" cap="flat" cmpd="sng" algn="ctr">
-        <a:solidFill>
-          <a:schemeClr val="tx1">
-            <a:lumMod val="15000"/>
-            <a:lumOff val="85000"/>
-          </a:schemeClr>
-        </a:solidFill>
-        <a:round/>
-      </a:ln>
-    </cs:spPr>
-    <cs:defRPr sz="1197" kern="1200"/>
-  </cs:categoryAxis>
-  <cs:chartArea mods="allowNoFillOverride allowNoLineOverride">
-    <cs:lnRef idx="0"/>
-    <cs:fillRef idx="0"/>
-    <cs:effectRef idx="0"/>
-    <cs:fontRef idx="minor">
-      <a:schemeClr val="dk1"/>
-    </cs:fontRef>
-    <cs:spPr>
-      <a:solidFill>
-        <a:schemeClr val="bg1"/>
-      </a:solidFill>
-      <a:ln w="9525" cap="flat" cmpd="sng" algn="ctr">
-        <a:solidFill>
-          <a:schemeClr val="tx1">
-            <a:lumMod val="15000"/>
-            <a:lumOff val="85000"/>
-          </a:schemeClr>
-        </a:solidFill>
-        <a:round/>
-      </a:ln>
-    </cs:spPr>
-    <cs:defRPr sz="1197" kern="1200"/>
-  </cs:chartArea>
-  <cs:dataLabel>
-    <cs:lnRef idx="0"/>
-    <cs:fillRef idx="0"/>
-    <cs:effectRef idx="0"/>
-    <cs:fontRef idx="minor">
-      <a:schemeClr val="tx1">
-        <a:lumMod val="50000"/>
-        <a:lumOff val="50000"/>
-      </a:schemeClr>
-    </cs:fontRef>
-    <cs:defRPr sz="1197" kern="1200"/>
-  </cs:dataLabel>
-  <cs:dataLabelCallout>
-    <cs:lnRef idx="0"/>
-    <cs:fillRef idx="0"/>
-    <cs:effectRef idx="0"/>
-    <cs:fontRef idx="minor">
-      <a:schemeClr val="dk1">
-        <a:lumMod val="65000"/>
-        <a:lumOff val="35000"/>
-      </a:schemeClr>
-    </cs:fontRef>
-    <cs:spPr>
-      <a:solidFill>
-        <a:schemeClr val="lt1"/>
-      </a:solidFill>
-      <a:ln>
-        <a:solidFill>
-          <a:schemeClr val="dk1">
-            <a:lumMod val="25000"/>
-            <a:lumOff val="75000"/>
-          </a:schemeClr>
-        </a:solidFill>
-      </a:ln>
-    </cs:spPr>
-    <cs:defRPr sz="1197" kern="1200"/>
-    <cs:bodyPr rot="0" spcFirstLastPara="1" vertOverflow="clip" horzOverflow="clip" vert="horz" wrap="square" lIns="36576" tIns="18288" rIns="36576" bIns="18288" anchor="ctr" anchorCtr="1">
-      <a:spAutoFit/>
-    </cs:bodyPr>
-  </cs:dataLabelCallout>
-  <cs:dataPoint>
-    <cs:lnRef idx="0">
-      <cs:styleClr val="auto"/>
-    </cs:lnRef>
-    <cs:fillRef idx="2">
-      <cs:styleClr val="auto"/>
-    </cs:fillRef>
-    <cs:effectRef idx="1"/>
-    <cs:fontRef idx="minor">
-      <a:schemeClr val="dk1"/>
-    </cs:fontRef>
-    <cs:spPr>
-      <a:ln w="9525" cap="flat" cmpd="sng" algn="ctr">
-        <a:solidFill>
-          <a:schemeClr val="phClr">
-            <a:shade val="95000"/>
-          </a:schemeClr>
-        </a:solidFill>
-        <a:round/>
-      </a:ln>
-    </cs:spPr>
-  </cs:dataPoint>
-  <cs:dataPoint3D>
-    <cs:lnRef idx="0">
-      <cs:styleClr val="auto"/>
-    </cs:lnRef>
-    <cs:fillRef idx="2">
-      <cs:styleClr val="auto"/>
-    </cs:fillRef>
-    <cs:effectRef idx="1"/>
-    <cs:fontRef idx="minor">
-      <a:schemeClr val="dk1"/>
-    </cs:fontRef>
-    <cs:spPr>
-      <a:ln w="9525" cap="flat" cmpd="sng" algn="ctr">
-        <a:solidFill>
-          <a:schemeClr val="phClr">
-            <a:shade val="95000"/>
-          </a:schemeClr>
-        </a:solidFill>
-        <a:round/>
-      </a:ln>
-    </cs:spPr>
-  </cs:dataPoint3D>
-  <cs:dataPointLine>
-    <cs:lnRef idx="0">
-      <cs:styleClr val="auto"/>
-    </cs:lnRef>
-    <cs:fillRef idx="2">
-      <cs:styleClr val="auto"/>
-    </cs:fillRef>
-    <cs:effectRef idx="1"/>
-    <cs:fontRef idx="minor">
-      <a:schemeClr val="dk1"/>
-    </cs:fontRef>
-    <cs:spPr>
-      <a:ln w="15875" cap="rnd">
-        <a:solidFill>
-          <a:schemeClr val="phClr"/>
-        </a:solidFill>
-        <a:round/>
-      </a:ln>
-    </cs:spPr>
-  </cs:dataPointLine>
-  <cs:dataPointMarker>
-    <cs:lnRef idx="0">
-      <cs:styleClr val="auto"/>
-    </cs:lnRef>
-    <cs:fillRef idx="2">
-      <cs:styleClr val="auto"/>
-    </cs:fillRef>
-    <cs:effectRef idx="1"/>
-    <cs:fontRef idx="minor">
-      <a:schemeClr val="dk1"/>
-    </cs:fontRef>
-    <cs:spPr>
-      <a:ln w="9525" cap="flat" cmpd="sng" algn="ctr">
-        <a:solidFill>
-          <a:schemeClr val="phClr">
-            <a:shade val="95000"/>
-          </a:schemeClr>
-        </a:solidFill>
-        <a:round/>
-      </a:ln>
-    </cs:spPr>
-  </cs:dataPointMarker>
-  <cs:dataPointMarkerLayout symbol="circle" size="4"/>
-  <cs:dataPointWireframe>
-    <cs:lnRef idx="0">
-      <cs:styleClr val="auto"/>
-    </cs:lnRef>
-    <cs:fillRef idx="2"/>
-    <cs:effectRef idx="0"/>
-    <cs:fontRef idx="minor">
-      <a:schemeClr val="dk1"/>
-    </cs:fontRef>
-    <cs:spPr>
-      <a:ln w="9525" cap="rnd">
-        <a:solidFill>
-          <a:schemeClr val="phClr"/>
-        </a:solidFill>
-        <a:round/>
-      </a:ln>
-    </cs:spPr>
-  </cs:dataPointWireframe>
-  <cs:dataTable>
-    <cs:lnRef idx="0"/>
-    <cs:fillRef idx="0"/>
-    <cs:effectRef idx="0"/>
-    <cs:fontRef idx="minor">
-      <a:schemeClr val="tx1">
-        <a:lumMod val="50000"/>
-        <a:lumOff val="50000"/>
-      </a:schemeClr>
-    </cs:fontRef>
-    <cs:spPr>
-      <a:ln w="9525">
-        <a:solidFill>
-          <a:schemeClr val="tx1">
-            <a:lumMod val="15000"/>
-            <a:lumOff val="85000"/>
-          </a:schemeClr>
-        </a:solidFill>
-      </a:ln>
-    </cs:spPr>
-    <cs:defRPr sz="1197" kern="1200"/>
-  </cs:dataTable>
-  <cs:downBar>
-    <cs:lnRef idx="0"/>
-    <cs:fillRef idx="0"/>
-    <cs:effectRef idx="0"/>
-    <cs:fontRef idx="minor">
-      <a:schemeClr val="dk1"/>
-    </cs:fontRef>
-    <cs:spPr>
-      <a:solidFill>
-        <a:schemeClr val="dk1">
-          <a:lumMod val="75000"/>
-          <a:lumOff val="25000"/>
-        </a:schemeClr>
-      </a:solidFill>
-      <a:ln w="9525">
-        <a:solidFill>
-          <a:schemeClr val="tx1">
-            <a:lumMod val="50000"/>
-            <a:lumOff val="50000"/>
-          </a:schemeClr>
-        </a:solidFill>
-      </a:ln>
-    </cs:spPr>
-  </cs:downBar>
-  <cs:dropLine>
-    <cs:lnRef idx="0"/>
-    <cs:fillRef idx="0"/>
-    <cs:effectRef idx="0"/>
-    <cs:fontRef idx="minor">
-      <a:schemeClr val="dk1"/>
-    </cs:fontRef>
-    <cs:spPr>
-      <a:ln w="9525">
-        <a:solidFill>
-          <a:schemeClr val="tx1">
-            <a:lumMod val="35000"/>
-            <a:lumOff val="65000"/>
-          </a:schemeClr>
-        </a:solidFill>
-        <a:prstDash val="dash"/>
-      </a:ln>
-    </cs:spPr>
-  </cs:dropLine>
-  <cs:errorBar>
-    <cs:lnRef idx="0"/>
-    <cs:fillRef idx="0"/>
-    <cs:effectRef idx="0"/>
-    <cs:fontRef idx="minor">
-      <a:schemeClr val="dk1"/>
-    </cs:fontRef>
-    <cs:spPr>
-      <a:ln w="9525">
-        <a:solidFill>
-          <a:schemeClr val="tx1">
-            <a:lumMod val="50000"/>
-            <a:lumOff val="50000"/>
-          </a:schemeClr>
-        </a:solidFill>
-      </a:ln>
-    </cs:spPr>
-  </cs:errorBar>
-  <cs:floor>
-    <cs:lnRef idx="0"/>
-    <cs:fillRef idx="0"/>
-    <cs:effectRef idx="0"/>
-    <cs:fontRef idx="minor">
-      <a:schemeClr val="dk1"/>
-    </cs:fontRef>
-  </cs:floor>
-  <cs:gridlineMajor>
-    <cs:lnRef idx="0"/>
-    <cs:fillRef idx="0"/>
-    <cs:effectRef idx="0"/>
-    <cs:fontRef idx="minor">
-      <a:schemeClr val="dk1"/>
-    </cs:fontRef>
-    <cs:spPr>
-      <a:ln w="9525" cap="flat" cmpd="sng" algn="ctr">
-        <a:solidFill>
-          <a:schemeClr val="tx1">
-            <a:lumMod val="15000"/>
-            <a:lumOff val="85000"/>
-          </a:schemeClr>
-        </a:solidFill>
-        <a:round/>
-      </a:ln>
-    </cs:spPr>
-  </cs:gridlineMajor>
-  <cs:gridlineMinor>
-    <cs:lnRef idx="0"/>
-    <cs:fillRef idx="0"/>
-    <cs:effectRef idx="0"/>
-    <cs:fontRef idx="minor">
-      <a:schemeClr val="dk1"/>
-    </cs:fontRef>
-    <cs:spPr>
-      <a:ln>
-        <a:solidFill>
-          <a:schemeClr val="tx1">
-            <a:lumMod val="5000"/>
-            <a:lumOff val="95000"/>
-          </a:schemeClr>
-        </a:solidFill>
-      </a:ln>
-    </cs:spPr>
-  </cs:gridlineMinor>
-  <cs:hiLoLine>
-    <cs:lnRef idx="0"/>
-    <cs:fillRef idx="0"/>
-    <cs:effectRef idx="0"/>
-    <cs:fontRef idx="minor">
-      <a:schemeClr val="dk1"/>
-    </cs:fontRef>
-    <cs:spPr>
-      <a:ln w="9525">
-        <a:solidFill>
-          <a:schemeClr val="tx1">
-            <a:lumMod val="50000"/>
-            <a:lumOff val="50000"/>
-          </a:schemeClr>
-        </a:solidFill>
-        <a:prstDash val="dash"/>
-      </a:ln>
-    </cs:spPr>
-  </cs:hiLoLine>
-  <cs:leaderLine>
-    <cs:lnRef idx="0"/>
-    <cs:fillRef idx="0"/>
-    <cs:effectRef idx="0"/>
-    <cs:fontRef idx="minor">
-      <a:schemeClr val="dk1"/>
-    </cs:fontRef>
-    <cs:spPr>
-      <a:ln w="9525">
-        <a:solidFill>
-          <a:schemeClr val="tx1">
-            <a:lumMod val="35000"/>
-            <a:lumOff val="65000"/>
-          </a:schemeClr>
-        </a:solidFill>
-      </a:ln>
-    </cs:spPr>
-  </cs:leaderLine>
-  <cs:legend>
-    <cs:lnRef idx="0"/>
-    <cs:fillRef idx="0"/>
-    <cs:effectRef idx="0"/>
-    <cs:fontRef idx="minor">
-      <a:schemeClr val="tx1">
-        <a:lumMod val="50000"/>
-        <a:lumOff val="50000"/>
-      </a:schemeClr>
-    </cs:fontRef>
-    <cs:defRPr sz="1197" kern="1200"/>
-  </cs:legend>
-  <cs:plotArea mods="allowNoFillOverride allowNoLineOverride">
-    <cs:lnRef idx="0"/>
-    <cs:fillRef idx="0"/>
-    <cs:effectRef idx="0"/>
-    <cs:fontRef idx="minor">
-      <a:schemeClr val="dk1"/>
-    </cs:fontRef>
-  </cs:plotArea>
-  <cs:plotArea3D mods="allowNoFillOverride allowNoLineOverride">
-    <cs:lnRef idx="0"/>
-    <cs:fillRef idx="0"/>
-    <cs:effectRef idx="0"/>
-    <cs:fontRef idx="minor">
-      <a:schemeClr val="dk1"/>
-    </cs:fontRef>
-  </cs:plotArea3D>
-  <cs:seriesAxis>
-    <cs:lnRef idx="0"/>
-    <cs:fillRef idx="0"/>
-    <cs:effectRef idx="0"/>
-    <cs:fontRef idx="minor">
-      <a:schemeClr val="tx1">
-        <a:lumMod val="50000"/>
-        <a:lumOff val="50000"/>
-      </a:schemeClr>
-    </cs:fontRef>
-    <cs:spPr>
-      <a:ln w="9525" cap="flat" cmpd="sng" algn="ctr">
-        <a:solidFill>
-          <a:schemeClr val="tx1">
-            <a:lumMod val="15000"/>
-            <a:lumOff val="85000"/>
-          </a:schemeClr>
-        </a:solidFill>
-        <a:round/>
-      </a:ln>
-    </cs:spPr>
-    <cs:defRPr sz="1197" kern="1200"/>
-  </cs:seriesAxis>
-  <cs:seriesLine>
-    <cs:lnRef idx="0"/>
-    <cs:fillRef idx="0"/>
-    <cs:effectRef idx="0"/>
-    <cs:fontRef idx="minor">
-      <a:schemeClr val="dk1"/>
-    </cs:fontRef>
-    <cs:spPr>
-      <a:ln w="9525">
-        <a:solidFill>
-          <a:schemeClr val="tx1">
-            <a:lumMod val="35000"/>
-            <a:lumOff val="65000"/>
-          </a:schemeClr>
-        </a:solidFill>
-        <a:prstDash val="dash"/>
-      </a:ln>
-    </cs:spPr>
-  </cs:seriesLine>
-  <cs:title>
-    <cs:lnRef idx="0"/>
-    <cs:fillRef idx="0"/>
-    <cs:effectRef idx="0"/>
-    <cs:fontRef idx="minor">
-      <a:schemeClr val="tx1">
-        <a:lumMod val="50000"/>
-        <a:lumOff val="50000"/>
-      </a:schemeClr>
-    </cs:fontRef>
-    <cs:defRPr sz="1862" kern="1200" cap="none" spc="20" baseline="0"/>
-  </cs:title>
-  <cs:trendline>
-    <cs:lnRef idx="0">
-      <cs:styleClr val="auto"/>
-    </cs:lnRef>
-    <cs:fillRef idx="2"/>
-    <cs:effectRef idx="0"/>
-    <cs:fontRef idx="minor">
-      <a:schemeClr val="dk1"/>
-    </cs:fontRef>
-    <cs:spPr>
-      <a:ln w="9525" cap="rnd">
-        <a:solidFill>
-          <a:schemeClr val="phClr"/>
-        </a:solidFill>
-      </a:ln>
-    </cs:spPr>
-  </cs:trendline>
-  <cs:trendlineLabel>
-    <cs:lnRef idx="0"/>
-    <cs:fillRef idx="0"/>
-    <cs:effectRef idx="0"/>
-    <cs:fontRef idx="minor">
-      <a:schemeClr val="tx1">
-        <a:lumMod val="50000"/>
-        <a:lumOff val="50000"/>
-      </a:schemeClr>
-    </cs:fontRef>
-    <cs:defRPr sz="1197" kern="1200"/>
-  </cs:trendlineLabel>
-  <cs:upBar>
-    <cs:lnRef idx="0"/>
-    <cs:fillRef idx="0"/>
-    <cs:effectRef idx="0"/>
-    <cs:fontRef idx="minor">
-      <a:schemeClr val="dk1"/>
-    </cs:fontRef>
-    <cs:spPr>
-      <a:solidFill>
-        <a:schemeClr val="lt1"/>
-      </a:solidFill>
-      <a:ln w="9525">
-        <a:solidFill>
-          <a:schemeClr val="tx1">
-            <a:lumMod val="50000"/>
-            <a:lumOff val="50000"/>
-          </a:schemeClr>
-        </a:solidFill>
-      </a:ln>
-    </cs:spPr>
-  </cs:upBar>
-  <cs:valueAxis>
-    <cs:lnRef idx="0"/>
-    <cs:fillRef idx="0"/>
-    <cs:effectRef idx="0"/>
-    <cs:fontRef idx="minor">
-      <a:schemeClr val="tx1">
-        <a:lumMod val="50000"/>
-        <a:lumOff val="50000"/>
-      </a:schemeClr>
-    </cs:fontRef>
-    <cs:defRPr sz="1197" kern="1200"/>
-  </cs:valueAxis>
-  <cs:wall>
-    <cs:lnRef idx="0"/>
-    <cs:fillRef idx="0"/>
-    <cs:effectRef idx="0"/>
-    <cs:fontRef idx="minor">
-      <a:schemeClr val="dk1"/>
-    </cs:fontRef>
-  </cs:wall>
-</cs:chartStyle>
-</file>
-
-<file path=ppt/charts/style3.xml><?xml version="1.0" encoding="utf-8"?>
-<cs:chartStyle xmlns:cs="http://schemas.microsoft.com/office/drawing/2012/chartStyle" xmlns:a="http://schemas.openxmlformats.org/drawingml/2006/main" id="219">
-  <cs:axisTitle>
-    <cs:lnRef idx="0"/>
-    <cs:fillRef idx="0"/>
-    <cs:effectRef idx="0"/>
-    <cs:fontRef idx="minor">
-      <a:schemeClr val="tx1">
-        <a:lumMod val="50000"/>
-        <a:lumOff val="50000"/>
-      </a:schemeClr>
-    </cs:fontRef>
-    <cs:defRPr sz="1197" kern="1200" cap="all"/>
-  </cs:axisTitle>
-  <cs:categoryAxis>
-    <cs:lnRef idx="0"/>
-    <cs:fillRef idx="0"/>
-    <cs:effectRef idx="0"/>
-    <cs:fontRef idx="minor">
-      <a:schemeClr val="tx1">
-        <a:lumMod val="50000"/>
-        <a:lumOff val="50000"/>
-      </a:schemeClr>
-    </cs:fontRef>
-    <cs:spPr>
-      <a:ln w="9525" cap="flat" cmpd="sng" algn="ctr">
-        <a:solidFill>
-          <a:schemeClr val="tx1">
-            <a:lumMod val="15000"/>
-            <a:lumOff val="85000"/>
-          </a:schemeClr>
-        </a:solidFill>
-        <a:round/>
-      </a:ln>
-    </cs:spPr>
-    <cs:defRPr sz="1197" kern="1200"/>
-  </cs:categoryAxis>
-  <cs:chartArea mods="allowNoFillOverride allowNoLineOverride">
-    <cs:lnRef idx="0"/>
-    <cs:fillRef idx="0"/>
-    <cs:effectRef idx="0"/>
-    <cs:fontRef idx="minor">
-      <a:schemeClr val="dk1"/>
-    </cs:fontRef>
-    <cs:spPr>
-      <a:solidFill>
-        <a:schemeClr val="bg1"/>
-      </a:solidFill>
-      <a:ln w="9525" cap="flat" cmpd="sng" algn="ctr">
-        <a:solidFill>
-          <a:schemeClr val="tx1">
-            <a:lumMod val="15000"/>
-            <a:lumOff val="85000"/>
-          </a:schemeClr>
-        </a:solidFill>
-        <a:round/>
-      </a:ln>
-    </cs:spPr>
-    <cs:defRPr sz="1197" kern="1200"/>
-  </cs:chartArea>
-  <cs:dataLabel>
-    <cs:lnRef idx="0"/>
-    <cs:fillRef idx="0"/>
-    <cs:effectRef idx="0"/>
-    <cs:fontRef idx="minor">
-      <a:schemeClr val="tx1">
-        <a:lumMod val="50000"/>
-        <a:lumOff val="50000"/>
-      </a:schemeClr>
-    </cs:fontRef>
-    <cs:defRPr sz="1197" kern="1200"/>
-  </cs:dataLabel>
-  <cs:dataLabelCallout>
-    <cs:lnRef idx="0"/>
-    <cs:fillRef idx="0"/>
-    <cs:effectRef idx="0"/>
-    <cs:fontRef idx="minor">
-      <a:schemeClr val="dk1">
-        <a:lumMod val="65000"/>
-        <a:lumOff val="35000"/>
-      </a:schemeClr>
-    </cs:fontRef>
-    <cs:spPr>
-      <a:solidFill>
-        <a:schemeClr val="lt1"/>
-      </a:solidFill>
-      <a:ln>
-        <a:solidFill>
-          <a:schemeClr val="dk1">
-            <a:lumMod val="25000"/>
-            <a:lumOff val="75000"/>
-          </a:schemeClr>
-        </a:solidFill>
-      </a:ln>
-    </cs:spPr>
-    <cs:defRPr sz="1197" kern="1200"/>
-    <cs:bodyPr rot="0" spcFirstLastPara="1" vertOverflow="clip" horzOverflow="clip" vert="horz" wrap="square" lIns="36576" tIns="18288" rIns="36576" bIns="18288" anchor="ctr" anchorCtr="1">
-      <a:spAutoFit/>
-    </cs:bodyPr>
-  </cs:dataLabelCallout>
-  <cs:dataPoint>
-    <cs:lnRef idx="0">
-      <cs:styleClr val="auto"/>
-    </cs:lnRef>
-    <cs:fillRef idx="2">
-      <cs:styleClr val="auto"/>
-    </cs:fillRef>
-    <cs:effectRef idx="1"/>
-    <cs:fontRef idx="minor">
-      <a:schemeClr val="dk1"/>
-    </cs:fontRef>
-    <cs:spPr>
-      <a:ln w="9525" cap="flat" cmpd="sng" algn="ctr">
-        <a:solidFill>
-          <a:schemeClr val="phClr">
-            <a:shade val="95000"/>
-          </a:schemeClr>
-        </a:solidFill>
-        <a:round/>
-      </a:ln>
-    </cs:spPr>
-  </cs:dataPoint>
-  <cs:dataPoint3D>
-    <cs:lnRef idx="0">
-      <cs:styleClr val="auto"/>
-    </cs:lnRef>
-    <cs:fillRef idx="2">
-      <cs:styleClr val="auto"/>
-    </cs:fillRef>
-    <cs:effectRef idx="1"/>
-    <cs:fontRef idx="minor">
-      <a:schemeClr val="dk1"/>
-    </cs:fontRef>
-    <cs:spPr>
-      <a:ln w="9525" cap="flat" cmpd="sng" algn="ctr">
-        <a:solidFill>
-          <a:schemeClr val="phClr">
-            <a:shade val="95000"/>
-          </a:schemeClr>
-        </a:solidFill>
-        <a:round/>
-      </a:ln>
-    </cs:spPr>
-  </cs:dataPoint3D>
-  <cs:dataPointLine>
-    <cs:lnRef idx="0">
-      <cs:styleClr val="auto"/>
-    </cs:lnRef>
-    <cs:fillRef idx="2">
-      <cs:styleClr val="auto"/>
-    </cs:fillRef>
-    <cs:effectRef idx="1"/>
-    <cs:fontRef idx="minor">
-      <a:schemeClr val="dk1"/>
-    </cs:fontRef>
-    <cs:spPr>
-      <a:ln w="15875" cap="rnd">
-        <a:solidFill>
-          <a:schemeClr val="phClr"/>
-        </a:solidFill>
-        <a:round/>
-      </a:ln>
-    </cs:spPr>
-  </cs:dataPointLine>
-  <cs:dataPointMarker>
-    <cs:lnRef idx="0">
-      <cs:styleClr val="auto"/>
-    </cs:lnRef>
-    <cs:fillRef idx="2">
-      <cs:styleClr val="auto"/>
-    </cs:fillRef>
-    <cs:effectRef idx="1"/>
-    <cs:fontRef idx="minor">
-      <a:schemeClr val="dk1"/>
-    </cs:fontRef>
-    <cs:spPr>
-      <a:ln w="9525" cap="flat" cmpd="sng" algn="ctr">
-        <a:solidFill>
-          <a:schemeClr val="phClr">
-            <a:shade val="95000"/>
-          </a:schemeClr>
-        </a:solidFill>
-        <a:round/>
-      </a:ln>
-    </cs:spPr>
-  </cs:dataPointMarker>
-  <cs:dataPointMarkerLayout symbol="circle" size="4"/>
-  <cs:dataPointWireframe>
-    <cs:lnRef idx="0">
-      <cs:styleClr val="auto"/>
-    </cs:lnRef>
-    <cs:fillRef idx="2"/>
-    <cs:effectRef idx="0"/>
-    <cs:fontRef idx="minor">
-      <a:schemeClr val="dk1"/>
-    </cs:fontRef>
-    <cs:spPr>
-      <a:ln w="9525" cap="rnd">
-        <a:solidFill>
-          <a:schemeClr val="phClr"/>
-        </a:solidFill>
-        <a:round/>
-      </a:ln>
-    </cs:spPr>
-  </cs:dataPointWireframe>
-  <cs:dataTable>
-    <cs:lnRef idx="0"/>
-    <cs:fillRef idx="0"/>
-    <cs:effectRef idx="0"/>
-    <cs:fontRef idx="minor">
-      <a:schemeClr val="tx1">
-        <a:lumMod val="50000"/>
-        <a:lumOff val="50000"/>
-      </a:schemeClr>
-    </cs:fontRef>
-    <cs:spPr>
-      <a:ln w="9525">
-        <a:solidFill>
-          <a:schemeClr val="tx1">
-            <a:lumMod val="15000"/>
-            <a:lumOff val="85000"/>
-          </a:schemeClr>
-        </a:solidFill>
-      </a:ln>
-    </cs:spPr>
-    <cs:defRPr sz="1197" kern="1200"/>
-  </cs:dataTable>
-  <cs:downBar>
-    <cs:lnRef idx="0"/>
-    <cs:fillRef idx="0"/>
-    <cs:effectRef idx="0"/>
-    <cs:fontRef idx="minor">
-      <a:schemeClr val="dk1"/>
-    </cs:fontRef>
-    <cs:spPr>
-      <a:solidFill>
-        <a:schemeClr val="dk1">
-          <a:lumMod val="75000"/>
-          <a:lumOff val="25000"/>
-        </a:schemeClr>
-      </a:solidFill>
-      <a:ln w="9525">
-        <a:solidFill>
-          <a:schemeClr val="tx1">
-            <a:lumMod val="50000"/>
-            <a:lumOff val="50000"/>
-          </a:schemeClr>
-        </a:solidFill>
-      </a:ln>
-    </cs:spPr>
-  </cs:downBar>
-  <cs:dropLine>
-    <cs:lnRef idx="0"/>
-    <cs:fillRef idx="0"/>
-    <cs:effectRef idx="0"/>
-    <cs:fontRef idx="minor">
-      <a:schemeClr val="dk1"/>
-    </cs:fontRef>
-    <cs:spPr>
-      <a:ln w="9525">
-        <a:solidFill>
-          <a:schemeClr val="tx1">
-            <a:lumMod val="35000"/>
-            <a:lumOff val="65000"/>
-          </a:schemeClr>
-        </a:solidFill>
-        <a:prstDash val="dash"/>
-      </a:ln>
-    </cs:spPr>
-  </cs:dropLine>
-  <cs:errorBar>
-    <cs:lnRef idx="0"/>
-    <cs:fillRef idx="0"/>
-    <cs:effectRef idx="0"/>
-    <cs:fontRef idx="minor">
-      <a:schemeClr val="dk1"/>
-    </cs:fontRef>
-    <cs:spPr>
-      <a:ln w="9525">
-        <a:solidFill>
-          <a:schemeClr val="tx1">
-            <a:lumMod val="50000"/>
-            <a:lumOff val="50000"/>
-          </a:schemeClr>
-        </a:solidFill>
-      </a:ln>
-    </cs:spPr>
-  </cs:errorBar>
-  <cs:floor>
-    <cs:lnRef idx="0"/>
-    <cs:fillRef idx="0"/>
-    <cs:effectRef idx="0"/>
-    <cs:fontRef idx="minor">
-      <a:schemeClr val="dk1"/>
-    </cs:fontRef>
-  </cs:floor>
-  <cs:gridlineMajor>
-    <cs:lnRef idx="0"/>
-    <cs:fillRef idx="0"/>
-    <cs:effectRef idx="0"/>
-    <cs:fontRef idx="minor">
-      <a:schemeClr val="dk1"/>
-    </cs:fontRef>
-    <cs:spPr>
-      <a:ln w="9525" cap="flat" cmpd="sng" algn="ctr">
-        <a:solidFill>
-          <a:schemeClr val="tx1">
-            <a:lumMod val="15000"/>
-            <a:lumOff val="85000"/>
-          </a:schemeClr>
-        </a:solidFill>
-        <a:round/>
-      </a:ln>
-    </cs:spPr>
-  </cs:gridlineMajor>
-  <cs:gridlineMinor>
-    <cs:lnRef idx="0"/>
-    <cs:fillRef idx="0"/>
-    <cs:effectRef idx="0"/>
-    <cs:fontRef idx="minor">
-      <a:schemeClr val="dk1"/>
-    </cs:fontRef>
-    <cs:spPr>
-      <a:ln>
-        <a:solidFill>
-          <a:schemeClr val="tx1">
-            <a:lumMod val="5000"/>
-            <a:lumOff val="95000"/>
-          </a:schemeClr>
-        </a:solidFill>
-      </a:ln>
-    </cs:spPr>
-  </cs:gridlineMinor>
-  <cs:hiLoLine>
-    <cs:lnRef idx="0"/>
-    <cs:fillRef idx="0"/>
-    <cs:effectRef idx="0"/>
-    <cs:fontRef idx="minor">
-      <a:schemeClr val="dk1"/>
-    </cs:fontRef>
-    <cs:spPr>
-      <a:ln w="9525">
-        <a:solidFill>
-          <a:schemeClr val="tx1">
-            <a:lumMod val="50000"/>
-            <a:lumOff val="50000"/>
-          </a:schemeClr>
-        </a:solidFill>
-        <a:prstDash val="dash"/>
-      </a:ln>
-    </cs:spPr>
-  </cs:hiLoLine>
-  <cs:leaderLine>
-    <cs:lnRef idx="0"/>
-    <cs:fillRef idx="0"/>
-    <cs:effectRef idx="0"/>
-    <cs:fontRef idx="minor">
-      <a:schemeClr val="dk1"/>
-    </cs:fontRef>
-    <cs:spPr>
-      <a:ln w="9525">
-        <a:solidFill>
-          <a:schemeClr val="tx1">
-            <a:lumMod val="35000"/>
-            <a:lumOff val="65000"/>
-          </a:schemeClr>
-        </a:solidFill>
-      </a:ln>
-    </cs:spPr>
-  </cs:leaderLine>
-  <cs:legend>
-    <cs:lnRef idx="0"/>
-    <cs:fillRef idx="0"/>
-    <cs:effectRef idx="0"/>
-    <cs:fontRef idx="minor">
-      <a:schemeClr val="tx1">
-        <a:lumMod val="50000"/>
-        <a:lumOff val="50000"/>
-      </a:schemeClr>
-    </cs:fontRef>
-    <cs:defRPr sz="1197" kern="1200"/>
-  </cs:legend>
-  <cs:plotArea mods="allowNoFillOverride allowNoLineOverride">
-    <cs:lnRef idx="0"/>
-    <cs:fillRef idx="0"/>
-    <cs:effectRef idx="0"/>
-    <cs:fontRef idx="minor">
-      <a:schemeClr val="dk1"/>
-    </cs:fontRef>
-  </cs:plotArea>
-  <cs:plotArea3D mods="allowNoFillOverride allowNoLineOverride">
-    <cs:lnRef idx="0"/>
-    <cs:fillRef idx="0"/>
-    <cs:effectRef idx="0"/>
-    <cs:fontRef idx="minor">
-      <a:schemeClr val="dk1"/>
-    </cs:fontRef>
-  </cs:plotArea3D>
-  <cs:seriesAxis>
-    <cs:lnRef idx="0"/>
-    <cs:fillRef idx="0"/>
-    <cs:effectRef idx="0"/>
-    <cs:fontRef idx="minor">
-      <a:schemeClr val="tx1">
-        <a:lumMod val="50000"/>
-        <a:lumOff val="50000"/>
-      </a:schemeClr>
-    </cs:fontRef>
-    <cs:spPr>
-      <a:ln w="9525" cap="flat" cmpd="sng" algn="ctr">
-        <a:solidFill>
-          <a:schemeClr val="tx1">
-            <a:lumMod val="15000"/>
-            <a:lumOff val="85000"/>
-          </a:schemeClr>
-        </a:solidFill>
-        <a:round/>
-      </a:ln>
-    </cs:spPr>
-    <cs:defRPr sz="1197" kern="1200"/>
-  </cs:seriesAxis>
-  <cs:seriesLine>
-    <cs:lnRef idx="0"/>
-    <cs:fillRef idx="0"/>
-    <cs:effectRef idx="0"/>
-    <cs:fontRef idx="minor">
-      <a:schemeClr val="dk1"/>
-    </cs:fontRef>
-    <cs:spPr>
-      <a:ln w="9525">
-        <a:solidFill>
-          <a:schemeClr val="tx1">
-            <a:lumMod val="35000"/>
-            <a:lumOff val="65000"/>
-          </a:schemeClr>
-        </a:solidFill>
-        <a:prstDash val="dash"/>
-      </a:ln>
-    </cs:spPr>
-  </cs:seriesLine>
-  <cs:title>
-    <cs:lnRef idx="0"/>
-    <cs:fillRef idx="0"/>
-    <cs:effectRef idx="0"/>
-    <cs:fontRef idx="minor">
-      <a:schemeClr val="tx1">
-        <a:lumMod val="50000"/>
-        <a:lumOff val="50000"/>
-      </a:schemeClr>
-    </cs:fontRef>
-    <cs:defRPr sz="1862" kern="1200" cap="none" spc="20" baseline="0"/>
-  </cs:title>
-  <cs:trendline>
-    <cs:lnRef idx="0">
-      <cs:styleClr val="auto"/>
-    </cs:lnRef>
-    <cs:fillRef idx="2"/>
-    <cs:effectRef idx="0"/>
-    <cs:fontRef idx="minor">
-      <a:schemeClr val="dk1"/>
-    </cs:fontRef>
-    <cs:spPr>
-      <a:ln w="9525" cap="rnd">
-        <a:solidFill>
-          <a:schemeClr val="phClr"/>
-        </a:solidFill>
-      </a:ln>
-    </cs:spPr>
-  </cs:trendline>
-  <cs:trendlineLabel>
-    <cs:lnRef idx="0"/>
-    <cs:fillRef idx="0"/>
-    <cs:effectRef idx="0"/>
-    <cs:fontRef idx="minor">
-      <a:schemeClr val="tx1">
-        <a:lumMod val="50000"/>
-        <a:lumOff val="50000"/>
-      </a:schemeClr>
-    </cs:fontRef>
-    <cs:defRPr sz="1197" kern="1200"/>
-  </cs:trendlineLabel>
-  <cs:upBar>
-    <cs:lnRef idx="0"/>
-    <cs:fillRef idx="0"/>
-    <cs:effectRef idx="0"/>
-    <cs:fontRef idx="minor">
-      <a:schemeClr val="dk1"/>
-    </cs:fontRef>
-    <cs:spPr>
-      <a:solidFill>
-        <a:schemeClr val="lt1"/>
-      </a:solidFill>
-      <a:ln w="9525">
-        <a:solidFill>
-          <a:schemeClr val="tx1">
-            <a:lumMod val="50000"/>
-            <a:lumOff val="50000"/>
-          </a:schemeClr>
-        </a:solidFill>
-      </a:ln>
-    </cs:spPr>
-  </cs:upBar>
-  <cs:valueAxis>
-    <cs:lnRef idx="0"/>
-    <cs:fillRef idx="0"/>
-    <cs:effectRef idx="0"/>
-    <cs:fontRef idx="minor">
-      <a:schemeClr val="tx1">
-        <a:lumMod val="50000"/>
-        <a:lumOff val="50000"/>
-      </a:schemeClr>
-    </cs:fontRef>
-    <cs:defRPr sz="1197" kern="1200"/>
-  </cs:valueAxis>
-  <cs:wall>
-    <cs:lnRef idx="0"/>
-    <cs:fillRef idx="0"/>
-    <cs:effectRef idx="0"/>
-    <cs:fontRef idx="minor">
-      <a:schemeClr val="dk1"/>
-    </cs:fontRef>
-  </cs:wall>
-</cs:chartStyle>
-</file>
-
-<file path=ppt/charts/style4.xml><?xml version="1.0" encoding="utf-8"?>
-<cs:chartStyle xmlns:cs="http://schemas.microsoft.com/office/drawing/2012/chartStyle" xmlns:a="http://schemas.openxmlformats.org/drawingml/2006/main" id="219">
-  <cs:axisTitle>
-    <cs:lnRef idx="0"/>
-    <cs:fillRef idx="0"/>
-    <cs:effectRef idx="0"/>
-    <cs:fontRef idx="minor">
-      <a:schemeClr val="tx1">
-        <a:lumMod val="50000"/>
-        <a:lumOff val="50000"/>
-      </a:schemeClr>
-    </cs:fontRef>
-    <cs:defRPr sz="1197" kern="1200" cap="all"/>
-  </cs:axisTitle>
-  <cs:categoryAxis>
-    <cs:lnRef idx="0"/>
-    <cs:fillRef idx="0"/>
-    <cs:effectRef idx="0"/>
-    <cs:fontRef idx="minor">
-      <a:schemeClr val="tx1">
-        <a:lumMod val="50000"/>
-        <a:lumOff val="50000"/>
-      </a:schemeClr>
-    </cs:fontRef>
-    <cs:spPr>
-      <a:ln w="9525" cap="flat" cmpd="sng" algn="ctr">
-        <a:solidFill>
-          <a:schemeClr val="tx1">
-            <a:lumMod val="15000"/>
-            <a:lumOff val="85000"/>
-          </a:schemeClr>
-        </a:solidFill>
-        <a:round/>
-      </a:ln>
-    </cs:spPr>
-    <cs:defRPr sz="1197" kern="1200"/>
-  </cs:categoryAxis>
-  <cs:chartArea mods="allowNoFillOverride allowNoLineOverride">
-    <cs:lnRef idx="0"/>
-    <cs:fillRef idx="0"/>
-    <cs:effectRef idx="0"/>
-    <cs:fontRef idx="minor">
-      <a:schemeClr val="dk1"/>
-    </cs:fontRef>
-    <cs:spPr>
-      <a:solidFill>
-        <a:schemeClr val="bg1"/>
-      </a:solidFill>
-      <a:ln w="9525" cap="flat" cmpd="sng" algn="ctr">
-        <a:solidFill>
-          <a:schemeClr val="tx1">
-            <a:lumMod val="15000"/>
-            <a:lumOff val="85000"/>
-          </a:schemeClr>
-        </a:solidFill>
-        <a:round/>
-      </a:ln>
-    </cs:spPr>
-    <cs:defRPr sz="1197" kern="1200"/>
-  </cs:chartArea>
-  <cs:dataLabel>
-    <cs:lnRef idx="0"/>
-    <cs:fillRef idx="0"/>
-    <cs:effectRef idx="0"/>
-    <cs:fontRef idx="minor">
-      <a:schemeClr val="tx1">
-        <a:lumMod val="50000"/>
-        <a:lumOff val="50000"/>
-      </a:schemeClr>
-    </cs:fontRef>
-    <cs:defRPr sz="1197" kern="1200"/>
-  </cs:dataLabel>
-  <cs:dataLabelCallout>
-    <cs:lnRef idx="0"/>
-    <cs:fillRef idx="0"/>
-    <cs:effectRef idx="0"/>
-    <cs:fontRef idx="minor">
-      <a:schemeClr val="dk1">
-        <a:lumMod val="65000"/>
-        <a:lumOff val="35000"/>
-      </a:schemeClr>
-    </cs:fontRef>
-    <cs:spPr>
-      <a:solidFill>
-        <a:schemeClr val="lt1"/>
-      </a:solidFill>
-      <a:ln>
-        <a:solidFill>
-          <a:schemeClr val="dk1">
-            <a:lumMod val="25000"/>
-            <a:lumOff val="75000"/>
-          </a:schemeClr>
-        </a:solidFill>
-      </a:ln>
-    </cs:spPr>
-    <cs:defRPr sz="1197" kern="1200"/>
-    <cs:bodyPr rot="0" spcFirstLastPara="1" vertOverflow="clip" horzOverflow="clip" vert="horz" wrap="square" lIns="36576" tIns="18288" rIns="36576" bIns="18288" anchor="ctr" anchorCtr="1">
-      <a:spAutoFit/>
-    </cs:bodyPr>
-  </cs:dataLabelCallout>
-  <cs:dataPoint>
-    <cs:lnRef idx="0">
-      <cs:styleClr val="auto"/>
-    </cs:lnRef>
-    <cs:fillRef idx="2">
-      <cs:styleClr val="auto"/>
-    </cs:fillRef>
-    <cs:effectRef idx="1"/>
-    <cs:fontRef idx="minor">
-      <a:schemeClr val="dk1"/>
-    </cs:fontRef>
-    <cs:spPr>
-      <a:ln w="9525" cap="flat" cmpd="sng" algn="ctr">
-        <a:solidFill>
-          <a:schemeClr val="phClr">
-            <a:shade val="95000"/>
-          </a:schemeClr>
-        </a:solidFill>
-        <a:round/>
-      </a:ln>
-    </cs:spPr>
-  </cs:dataPoint>
-  <cs:dataPoint3D>
-    <cs:lnRef idx="0">
-      <cs:styleClr val="auto"/>
-    </cs:lnRef>
-    <cs:fillRef idx="2">
-      <cs:styleClr val="auto"/>
-    </cs:fillRef>
-    <cs:effectRef idx="1"/>
-    <cs:fontRef idx="minor">
-      <a:schemeClr val="dk1"/>
-    </cs:fontRef>
-    <cs:spPr>
-      <a:ln w="9525" cap="flat" cmpd="sng" algn="ctr">
-        <a:solidFill>
-          <a:schemeClr val="phClr">
-            <a:shade val="95000"/>
-          </a:schemeClr>
-        </a:solidFill>
-        <a:round/>
-      </a:ln>
-    </cs:spPr>
-  </cs:dataPoint3D>
-  <cs:dataPointLine>
-    <cs:lnRef idx="0">
-      <cs:styleClr val="auto"/>
-    </cs:lnRef>
-    <cs:fillRef idx="2">
-      <cs:styleClr val="auto"/>
-    </cs:fillRef>
-    <cs:effectRef idx="1"/>
-    <cs:fontRef idx="minor">
-      <a:schemeClr val="dk1"/>
-    </cs:fontRef>
-    <cs:spPr>
-      <a:ln w="15875" cap="rnd">
-        <a:solidFill>
-          <a:schemeClr val="phClr"/>
-        </a:solidFill>
-        <a:round/>
-      </a:ln>
-    </cs:spPr>
-  </cs:dataPointLine>
-  <cs:dataPointMarker>
-    <cs:lnRef idx="0">
-      <cs:styleClr val="auto"/>
-    </cs:lnRef>
-    <cs:fillRef idx="2">
-      <cs:styleClr val="auto"/>
-    </cs:fillRef>
-    <cs:effectRef idx="1"/>
-    <cs:fontRef idx="minor">
-      <a:schemeClr val="dk1"/>
-    </cs:fontRef>
-    <cs:spPr>
-      <a:ln w="9525" cap="flat" cmpd="sng" algn="ctr">
-        <a:solidFill>
-          <a:schemeClr val="phClr">
-            <a:shade val="95000"/>
-          </a:schemeClr>
-        </a:solidFill>
-        <a:round/>
-      </a:ln>
-    </cs:spPr>
-  </cs:dataPointMarker>
-  <cs:dataPointMarkerLayout symbol="circle" size="4"/>
-  <cs:dataPointWireframe>
-    <cs:lnRef idx="0">
-      <cs:styleClr val="auto"/>
-    </cs:lnRef>
-    <cs:fillRef idx="2"/>
-    <cs:effectRef idx="0"/>
-    <cs:fontRef idx="minor">
-      <a:schemeClr val="dk1"/>
-    </cs:fontRef>
-    <cs:spPr>
-      <a:ln w="9525" cap="rnd">
-        <a:solidFill>
-          <a:schemeClr val="phClr"/>
-        </a:solidFill>
-        <a:round/>
-      </a:ln>
-    </cs:spPr>
-  </cs:dataPointWireframe>
-  <cs:dataTable>
-    <cs:lnRef idx="0"/>
-    <cs:fillRef idx="0"/>
-    <cs:effectRef idx="0"/>
-    <cs:fontRef idx="minor">
-      <a:schemeClr val="tx1">
-        <a:lumMod val="50000"/>
-        <a:lumOff val="50000"/>
-      </a:schemeClr>
-    </cs:fontRef>
-    <cs:spPr>
-      <a:ln w="9525">
-        <a:solidFill>
-          <a:schemeClr val="tx1">
-            <a:lumMod val="15000"/>
-            <a:lumOff val="85000"/>
-          </a:schemeClr>
-        </a:solidFill>
-      </a:ln>
-    </cs:spPr>
-    <cs:defRPr sz="1197" kern="1200"/>
-  </cs:dataTable>
-  <cs:downBar>
-    <cs:lnRef idx="0"/>
-    <cs:fillRef idx="0"/>
-    <cs:effectRef idx="0"/>
-    <cs:fontRef idx="minor">
-      <a:schemeClr val="dk1"/>
-    </cs:fontRef>
-    <cs:spPr>
-      <a:solidFill>
-        <a:schemeClr val="dk1">
-          <a:lumMod val="75000"/>
-          <a:lumOff val="25000"/>
-        </a:schemeClr>
-      </a:solidFill>
-      <a:ln w="9525">
-        <a:solidFill>
-          <a:schemeClr val="tx1">
-            <a:lumMod val="50000"/>
-            <a:lumOff val="50000"/>
-          </a:schemeClr>
-        </a:solidFill>
-      </a:ln>
-    </cs:spPr>
-  </cs:downBar>
-  <cs:dropLine>
-    <cs:lnRef idx="0"/>
-    <cs:fillRef idx="0"/>
-    <cs:effectRef idx="0"/>
-    <cs:fontRef idx="minor">
-      <a:schemeClr val="dk1"/>
-    </cs:fontRef>
-    <cs:spPr>
-      <a:ln w="9525">
-        <a:solidFill>
-          <a:schemeClr val="tx1">
-            <a:lumMod val="35000"/>
-            <a:lumOff val="65000"/>
-          </a:schemeClr>
-        </a:solidFill>
-        <a:prstDash val="dash"/>
-      </a:ln>
-    </cs:spPr>
-  </cs:dropLine>
-  <cs:errorBar>
-    <cs:lnRef idx="0"/>
-    <cs:fillRef idx="0"/>
-    <cs:effectRef idx="0"/>
-    <cs:fontRef idx="minor">
-      <a:schemeClr val="dk1"/>
-    </cs:fontRef>
-    <cs:spPr>
-      <a:ln w="9525">
-        <a:solidFill>
-          <a:schemeClr val="tx1">
-            <a:lumMod val="50000"/>
-            <a:lumOff val="50000"/>
-          </a:schemeClr>
-        </a:solidFill>
-      </a:ln>
-    </cs:spPr>
-  </cs:errorBar>
-  <cs:floor>
-    <cs:lnRef idx="0"/>
-    <cs:fillRef idx="0"/>
-    <cs:effectRef idx="0"/>
-    <cs:fontRef idx="minor">
-      <a:schemeClr val="dk1"/>
-    </cs:fontRef>
-  </cs:floor>
-  <cs:gridlineMajor>
-    <cs:lnRef idx="0"/>
-    <cs:fillRef idx="0"/>
-    <cs:effectRef idx="0"/>
-    <cs:fontRef idx="minor">
-      <a:schemeClr val="dk1"/>
-    </cs:fontRef>
-    <cs:spPr>
-      <a:ln w="9525" cap="flat" cmpd="sng" algn="ctr">
-        <a:solidFill>
-          <a:schemeClr val="tx1">
-            <a:lumMod val="15000"/>
-            <a:lumOff val="85000"/>
-          </a:schemeClr>
-        </a:solidFill>
-        <a:round/>
-      </a:ln>
-    </cs:spPr>
-  </cs:gridlineMajor>
-  <cs:gridlineMinor>
-    <cs:lnRef idx="0"/>
-    <cs:fillRef idx="0"/>
-    <cs:effectRef idx="0"/>
-    <cs:fontRef idx="minor">
-      <a:schemeClr val="dk1"/>
-    </cs:fontRef>
-    <cs:spPr>
-      <a:ln>
-        <a:solidFill>
-          <a:schemeClr val="tx1">
-            <a:lumMod val="5000"/>
-            <a:lumOff val="95000"/>
-          </a:schemeClr>
-        </a:solidFill>
-      </a:ln>
-    </cs:spPr>
-  </cs:gridlineMinor>
-  <cs:hiLoLine>
-    <cs:lnRef idx="0"/>
-    <cs:fillRef idx="0"/>
-    <cs:effectRef idx="0"/>
-    <cs:fontRef idx="minor">
-      <a:schemeClr val="dk1"/>
-    </cs:fontRef>
-    <cs:spPr>
-      <a:ln w="9525">
-        <a:solidFill>
-          <a:schemeClr val="tx1">
-            <a:lumMod val="50000"/>
-            <a:lumOff val="50000"/>
-          </a:schemeClr>
-        </a:solidFill>
-        <a:prstDash val="dash"/>
-      </a:ln>
-    </cs:spPr>
-  </cs:hiLoLine>
-  <cs:leaderLine>
-    <cs:lnRef idx="0"/>
-    <cs:fillRef idx="0"/>
-    <cs:effectRef idx="0"/>
-    <cs:fontRef idx="minor">
-      <a:schemeClr val="dk1"/>
-    </cs:fontRef>
-    <cs:spPr>
-      <a:ln w="9525">
-        <a:solidFill>
-          <a:schemeClr val="tx1">
-            <a:lumMod val="35000"/>
-            <a:lumOff val="65000"/>
-          </a:schemeClr>
-        </a:solidFill>
-      </a:ln>
-    </cs:spPr>
-  </cs:leaderLine>
-  <cs:legend>
-    <cs:lnRef idx="0"/>
-    <cs:fillRef idx="0"/>
-    <cs:effectRef idx="0"/>
-    <cs:fontRef idx="minor">
-      <a:schemeClr val="tx1">
-        <a:lumMod val="50000"/>
-        <a:lumOff val="50000"/>
-      </a:schemeClr>
-    </cs:fontRef>
-    <cs:defRPr sz="1197" kern="1200"/>
-  </cs:legend>
-  <cs:plotArea mods="allowNoFillOverride allowNoLineOverride">
-    <cs:lnRef idx="0"/>
-    <cs:fillRef idx="0"/>
-    <cs:effectRef idx="0"/>
-    <cs:fontRef idx="minor">
-      <a:schemeClr val="dk1"/>
-    </cs:fontRef>
-  </cs:plotArea>
-  <cs:plotArea3D mods="allowNoFillOverride allowNoLineOverride">
-    <cs:lnRef idx="0"/>
-    <cs:fillRef idx="0"/>
-    <cs:effectRef idx="0"/>
-    <cs:fontRef idx="minor">
-      <a:schemeClr val="dk1"/>
-    </cs:fontRef>
-  </cs:plotArea3D>
-  <cs:seriesAxis>
-    <cs:lnRef idx="0"/>
-    <cs:fillRef idx="0"/>
-    <cs:effectRef idx="0"/>
-    <cs:fontRef idx="minor">
-      <a:schemeClr val="tx1">
-        <a:lumMod val="50000"/>
-        <a:lumOff val="50000"/>
-      </a:schemeClr>
-    </cs:fontRef>
-    <cs:spPr>
-      <a:ln w="9525" cap="flat" cmpd="sng" algn="ctr">
-        <a:solidFill>
-          <a:schemeClr val="tx1">
-            <a:lumMod val="15000"/>
-            <a:lumOff val="85000"/>
-          </a:schemeClr>
-        </a:solidFill>
-        <a:round/>
-      </a:ln>
-    </cs:spPr>
-    <cs:defRPr sz="1197" kern="1200"/>
-  </cs:seriesAxis>
-  <cs:seriesLine>
-    <cs:lnRef idx="0"/>
-    <cs:fillRef idx="0"/>
-    <cs:effectRef idx="0"/>
-    <cs:fontRef idx="minor">
-      <a:schemeClr val="dk1"/>
-    </cs:fontRef>
-    <cs:spPr>
-      <a:ln w="9525">
-        <a:solidFill>
-          <a:schemeClr val="tx1">
-            <a:lumMod val="35000"/>
-            <a:lumOff val="65000"/>
-          </a:schemeClr>
-        </a:solidFill>
-        <a:prstDash val="dash"/>
-      </a:ln>
-    </cs:spPr>
-  </cs:seriesLine>
-  <cs:title>
-    <cs:lnRef idx="0"/>
-    <cs:fillRef idx="0"/>
-    <cs:effectRef idx="0"/>
-    <cs:fontRef idx="minor">
-      <a:schemeClr val="tx1">
-        <a:lumMod val="50000"/>
-        <a:lumOff val="50000"/>
-      </a:schemeClr>
-    </cs:fontRef>
-    <cs:defRPr sz="1862" kern="1200" cap="none" spc="20" baseline="0"/>
-  </cs:title>
-  <cs:trendline>
-    <cs:lnRef idx="0">
-      <cs:styleClr val="auto"/>
-    </cs:lnRef>
-    <cs:fillRef idx="2"/>
-    <cs:effectRef idx="0"/>
-    <cs:fontRef idx="minor">
-      <a:schemeClr val="dk1"/>
-    </cs:fontRef>
-    <cs:spPr>
-      <a:ln w="9525" cap="rnd">
-        <a:solidFill>
-          <a:schemeClr val="phClr"/>
-        </a:solidFill>
-      </a:ln>
-    </cs:spPr>
-  </cs:trendline>
-  <cs:trendlineLabel>
-    <cs:lnRef idx="0"/>
-    <cs:fillRef idx="0"/>
-    <cs:effectRef idx="0"/>
-    <cs:fontRef idx="minor">
-      <a:schemeClr val="tx1">
-        <a:lumMod val="50000"/>
-        <a:lumOff val="50000"/>
-      </a:schemeClr>
-    </cs:fontRef>
-    <cs:defRPr sz="1197" kern="1200"/>
-  </cs:trendlineLabel>
-  <cs:upBar>
-    <cs:lnRef idx="0"/>
-    <cs:fillRef idx="0"/>
-    <cs:effectRef idx="0"/>
-    <cs:fontRef idx="minor">
-      <a:schemeClr val="dk1"/>
-    </cs:fontRef>
-    <cs:spPr>
-      <a:solidFill>
-        <a:schemeClr val="lt1"/>
-      </a:solidFill>
-      <a:ln w="9525">
-        <a:solidFill>
-          <a:schemeClr val="tx1">
-            <a:lumMod val="50000"/>
-            <a:lumOff val="50000"/>
-          </a:schemeClr>
-        </a:solidFill>
-      </a:ln>
-    </cs:spPr>
-  </cs:upBar>
-  <cs:valueAxis>
-    <cs:lnRef idx="0"/>
-    <cs:fillRef idx="0"/>
-    <cs:effectRef idx="0"/>
-    <cs:fontRef idx="minor">
-      <a:schemeClr val="tx1">
-        <a:lumMod val="50000"/>
-        <a:lumOff val="50000"/>
-      </a:schemeClr>
-    </cs:fontRef>
-    <cs:defRPr sz="1197" kern="1200"/>
-  </cs:valueAxis>
-  <cs:wall>
-    <cs:lnRef idx="0"/>
-    <cs:fillRef idx="0"/>
-    <cs:effectRef idx="0"/>
-    <cs:fontRef idx="minor">
-      <a:schemeClr val="dk1"/>
-    </cs:fontRef>
-  </cs:wall>
-</cs:chartStyle>
-</file>
-
-<file path=ppt/charts/style5.xml><?xml version="1.0" encoding="utf-8"?>
-<cs:chartStyle xmlns:cs="http://schemas.microsoft.com/office/drawing/2012/chartStyle" xmlns:a="http://schemas.openxmlformats.org/drawingml/2006/main" id="219">
-  <cs:axisTitle>
-    <cs:lnRef idx="0"/>
-    <cs:fillRef idx="0"/>
-    <cs:effectRef idx="0"/>
-    <cs:fontRef idx="minor">
-      <a:schemeClr val="tx1">
-        <a:lumMod val="50000"/>
-        <a:lumOff val="50000"/>
-      </a:schemeClr>
-    </cs:fontRef>
-    <cs:defRPr sz="1197" kern="1200" cap="all"/>
-  </cs:axisTitle>
-  <cs:categoryAxis>
-    <cs:lnRef idx="0"/>
-    <cs:fillRef idx="0"/>
-    <cs:effectRef idx="0"/>
-    <cs:fontRef idx="minor">
-      <a:schemeClr val="tx1">
-        <a:lumMod val="50000"/>
-        <a:lumOff val="50000"/>
-      </a:schemeClr>
-    </cs:fontRef>
-    <cs:spPr>
-      <a:ln w="9525" cap="flat" cmpd="sng" algn="ctr">
-        <a:solidFill>
-          <a:schemeClr val="tx1">
-            <a:lumMod val="15000"/>
-            <a:lumOff val="85000"/>
-          </a:schemeClr>
-        </a:solidFill>
-        <a:round/>
-      </a:ln>
-    </cs:spPr>
-    <cs:defRPr sz="1197" kern="1200"/>
-  </cs:categoryAxis>
-  <cs:chartArea mods="allowNoFillOverride allowNoLineOverride">
-    <cs:lnRef idx="0"/>
-    <cs:fillRef idx="0"/>
-    <cs:effectRef idx="0"/>
-    <cs:fontRef idx="minor">
-      <a:schemeClr val="dk1"/>
-    </cs:fontRef>
-    <cs:spPr>
-      <a:solidFill>
-        <a:schemeClr val="bg1"/>
-      </a:solidFill>
-      <a:ln w="9525" cap="flat" cmpd="sng" algn="ctr">
-        <a:solidFill>
-          <a:schemeClr val="tx1">
-            <a:lumMod val="15000"/>
-            <a:lumOff val="85000"/>
-          </a:schemeClr>
-        </a:solidFill>
-        <a:round/>
-      </a:ln>
-    </cs:spPr>
-    <cs:defRPr sz="1197" kern="1200"/>
-  </cs:chartArea>
-  <cs:dataLabel>
-    <cs:lnRef idx="0"/>
-    <cs:fillRef idx="0"/>
-    <cs:effectRef idx="0"/>
-    <cs:fontRef idx="minor">
-      <a:schemeClr val="tx1">
-        <a:lumMod val="50000"/>
-        <a:lumOff val="50000"/>
-      </a:schemeClr>
-    </cs:fontRef>
-    <cs:defRPr sz="1197" kern="1200"/>
-  </cs:dataLabel>
-  <cs:dataLabelCallout>
-    <cs:lnRef idx="0"/>
-    <cs:fillRef idx="0"/>
-    <cs:effectRef idx="0"/>
-    <cs:fontRef idx="minor">
-      <a:schemeClr val="dk1">
-        <a:lumMod val="65000"/>
-        <a:lumOff val="35000"/>
-      </a:schemeClr>
-    </cs:fontRef>
-    <cs:spPr>
-      <a:solidFill>
-        <a:schemeClr val="lt1"/>
-      </a:solidFill>
-      <a:ln>
-        <a:solidFill>
-          <a:schemeClr val="dk1">
-            <a:lumMod val="25000"/>
-            <a:lumOff val="75000"/>
-          </a:schemeClr>
-        </a:solidFill>
-      </a:ln>
-    </cs:spPr>
-    <cs:defRPr sz="1197" kern="1200"/>
-    <cs:bodyPr rot="0" spcFirstLastPara="1" vertOverflow="clip" horzOverflow="clip" vert="horz" wrap="square" lIns="36576" tIns="18288" rIns="36576" bIns="18288" anchor="ctr" anchorCtr="1">
-      <a:spAutoFit/>
-    </cs:bodyPr>
-  </cs:dataLabelCallout>
-  <cs:dataPoint>
-    <cs:lnRef idx="0">
-      <cs:styleClr val="auto"/>
-    </cs:lnRef>
-    <cs:fillRef idx="2">
-      <cs:styleClr val="auto"/>
-    </cs:fillRef>
-    <cs:effectRef idx="1"/>
-    <cs:fontRef idx="minor">
-      <a:schemeClr val="dk1"/>
-    </cs:fontRef>
-    <cs:spPr>
-      <a:ln w="9525" cap="flat" cmpd="sng" algn="ctr">
-        <a:solidFill>
-          <a:schemeClr val="phClr">
-            <a:shade val="95000"/>
-          </a:schemeClr>
-        </a:solidFill>
-        <a:round/>
-      </a:ln>
-    </cs:spPr>
-  </cs:dataPoint>
-  <cs:dataPoint3D>
-    <cs:lnRef idx="0">
-      <cs:styleClr val="auto"/>
-    </cs:lnRef>
-    <cs:fillRef idx="2">
-      <cs:styleClr val="auto"/>
-    </cs:fillRef>
-    <cs:effectRef idx="1"/>
-    <cs:fontRef idx="minor">
-      <a:schemeClr val="dk1"/>
-    </cs:fontRef>
-    <cs:spPr>
-      <a:ln w="9525" cap="flat" cmpd="sng" algn="ctr">
-        <a:solidFill>
-          <a:schemeClr val="phClr">
-            <a:shade val="95000"/>
-          </a:schemeClr>
-        </a:solidFill>
-        <a:round/>
-      </a:ln>
-    </cs:spPr>
-  </cs:dataPoint3D>
-  <cs:dataPointLine>
-    <cs:lnRef idx="0">
-      <cs:styleClr val="auto"/>
-    </cs:lnRef>
-    <cs:fillRef idx="2">
-      <cs:styleClr val="auto"/>
-    </cs:fillRef>
-    <cs:effectRef idx="1"/>
-    <cs:fontRef idx="minor">
-      <a:schemeClr val="dk1"/>
-    </cs:fontRef>
-    <cs:spPr>
-      <a:ln w="15875" cap="rnd">
-        <a:solidFill>
-          <a:schemeClr val="phClr"/>
-        </a:solidFill>
-        <a:round/>
-      </a:ln>
-    </cs:spPr>
-  </cs:dataPointLine>
-  <cs:dataPointMarker>
-    <cs:lnRef idx="0">
-      <cs:styleClr val="auto"/>
-    </cs:lnRef>
-    <cs:fillRef idx="2">
-      <cs:styleClr val="auto"/>
-    </cs:fillRef>
-    <cs:effectRef idx="1"/>
-    <cs:fontRef idx="minor">
-      <a:schemeClr val="dk1"/>
-    </cs:fontRef>
-    <cs:spPr>
-      <a:ln w="9525" cap="flat" cmpd="sng" algn="ctr">
-        <a:solidFill>
-          <a:schemeClr val="phClr">
-            <a:shade val="95000"/>
-          </a:schemeClr>
-        </a:solidFill>
-        <a:round/>
-      </a:ln>
-    </cs:spPr>
-  </cs:dataPointMarker>
-  <cs:dataPointMarkerLayout symbol="circle" size="4"/>
-  <cs:dataPointWireframe>
-    <cs:lnRef idx="0">
-      <cs:styleClr val="auto"/>
-    </cs:lnRef>
-    <cs:fillRef idx="2"/>
-    <cs:effectRef idx="0"/>
-    <cs:fontRef idx="minor">
-      <a:schemeClr val="dk1"/>
-    </cs:fontRef>
-    <cs:spPr>
-      <a:ln w="9525" cap="rnd">
-        <a:solidFill>
-          <a:schemeClr val="phClr"/>
-        </a:solidFill>
-        <a:round/>
-      </a:ln>
-    </cs:spPr>
-  </cs:dataPointWireframe>
-  <cs:dataTable>
-    <cs:lnRef idx="0"/>
-    <cs:fillRef idx="0"/>
-    <cs:effectRef idx="0"/>
-    <cs:fontRef idx="minor">
-      <a:schemeClr val="tx1">
-        <a:lumMod val="50000"/>
-        <a:lumOff val="50000"/>
-      </a:schemeClr>
-    </cs:fontRef>
-    <cs:spPr>
-      <a:ln w="9525">
-        <a:solidFill>
-          <a:schemeClr val="tx1">
-            <a:lumMod val="15000"/>
-            <a:lumOff val="85000"/>
-          </a:schemeClr>
-        </a:solidFill>
-      </a:ln>
-    </cs:spPr>
-    <cs:defRPr sz="1197" kern="1200"/>
-  </cs:dataTable>
-  <cs:downBar>
-    <cs:lnRef idx="0"/>
-    <cs:fillRef idx="0"/>
-    <cs:effectRef idx="0"/>
-    <cs:fontRef idx="minor">
-      <a:schemeClr val="dk1"/>
-    </cs:fontRef>
-    <cs:spPr>
-      <a:solidFill>
-        <a:schemeClr val="dk1">
-          <a:lumMod val="75000"/>
-          <a:lumOff val="25000"/>
-        </a:schemeClr>
-      </a:solidFill>
-      <a:ln w="9525">
-        <a:solidFill>
-          <a:schemeClr val="tx1">
-            <a:lumMod val="50000"/>
-            <a:lumOff val="50000"/>
-          </a:schemeClr>
-        </a:solidFill>
-      </a:ln>
-    </cs:spPr>
-  </cs:downBar>
-  <cs:dropLine>
-    <cs:lnRef idx="0"/>
-    <cs:fillRef idx="0"/>
-    <cs:effectRef idx="0"/>
-    <cs:fontRef idx="minor">
-      <a:schemeClr val="dk1"/>
-    </cs:fontRef>
-    <cs:spPr>
-      <a:ln w="9525">
-        <a:solidFill>
-          <a:schemeClr val="tx1">
-            <a:lumMod val="35000"/>
-            <a:lumOff val="65000"/>
-          </a:schemeClr>
-        </a:solidFill>
-        <a:prstDash val="dash"/>
-      </a:ln>
-    </cs:spPr>
-  </cs:dropLine>
-  <cs:errorBar>
-    <cs:lnRef idx="0"/>
-    <cs:fillRef idx="0"/>
-    <cs:effectRef idx="0"/>
-    <cs:fontRef idx="minor">
-      <a:schemeClr val="dk1"/>
-    </cs:fontRef>
-    <cs:spPr>
-      <a:ln w="9525">
-        <a:solidFill>
-          <a:schemeClr val="tx1">
-            <a:lumMod val="50000"/>
-            <a:lumOff val="50000"/>
-          </a:schemeClr>
-        </a:solidFill>
-      </a:ln>
-    </cs:spPr>
-  </cs:errorBar>
-  <cs:floor>
-    <cs:lnRef idx="0"/>
-    <cs:fillRef idx="0"/>
-    <cs:effectRef idx="0"/>
-    <cs:fontRef idx="minor">
-      <a:schemeClr val="dk1"/>
-    </cs:fontRef>
-  </cs:floor>
-  <cs:gridlineMajor>
-    <cs:lnRef idx="0"/>
-    <cs:fillRef idx="0"/>
-    <cs:effectRef idx="0"/>
-    <cs:fontRef idx="minor">
-      <a:schemeClr val="dk1"/>
-    </cs:fontRef>
-    <cs:spPr>
-      <a:ln w="9525" cap="flat" cmpd="sng" algn="ctr">
-        <a:solidFill>
-          <a:schemeClr val="tx1">
-            <a:lumMod val="15000"/>
-            <a:lumOff val="85000"/>
-          </a:schemeClr>
-        </a:solidFill>
-        <a:round/>
-      </a:ln>
-    </cs:spPr>
-  </cs:gridlineMajor>
-  <cs:gridlineMinor>
-    <cs:lnRef idx="0"/>
-    <cs:fillRef idx="0"/>
-    <cs:effectRef idx="0"/>
-    <cs:fontRef idx="minor">
-      <a:schemeClr val="dk1"/>
-    </cs:fontRef>
-    <cs:spPr>
-      <a:ln>
-        <a:solidFill>
-          <a:schemeClr val="tx1">
-            <a:lumMod val="5000"/>
-            <a:lumOff val="95000"/>
-          </a:schemeClr>
-        </a:solidFill>
-      </a:ln>
-    </cs:spPr>
-  </cs:gridlineMinor>
-  <cs:hiLoLine>
-    <cs:lnRef idx="0"/>
-    <cs:fillRef idx="0"/>
-    <cs:effectRef idx="0"/>
-    <cs:fontRef idx="minor">
-      <a:schemeClr val="dk1"/>
-    </cs:fontRef>
-    <cs:spPr>
-      <a:ln w="9525">
-        <a:solidFill>
-          <a:schemeClr val="tx1">
-            <a:lumMod val="50000"/>
-            <a:lumOff val="50000"/>
-          </a:schemeClr>
-        </a:solidFill>
-        <a:prstDash val="dash"/>
-      </a:ln>
-    </cs:spPr>
-  </cs:hiLoLine>
-  <cs:leaderLine>
-    <cs:lnRef idx="0"/>
-    <cs:fillRef idx="0"/>
-    <cs:effectRef idx="0"/>
-    <cs:fontRef idx="minor">
-      <a:schemeClr val="dk1"/>
-    </cs:fontRef>
-    <cs:spPr>
-      <a:ln w="9525">
-        <a:solidFill>
-          <a:schemeClr val="tx1">
-            <a:lumMod val="35000"/>
-            <a:lumOff val="65000"/>
-          </a:schemeClr>
-        </a:solidFill>
-      </a:ln>
-    </cs:spPr>
-  </cs:leaderLine>
-  <cs:legend>
-    <cs:lnRef idx="0"/>
-    <cs:fillRef idx="0"/>
-    <cs:effectRef idx="0"/>
-    <cs:fontRef idx="minor">
-      <a:schemeClr val="tx1">
-        <a:lumMod val="50000"/>
-        <a:lumOff val="50000"/>
-      </a:schemeClr>
-    </cs:fontRef>
-    <cs:defRPr sz="1197" kern="1200"/>
-  </cs:legend>
-  <cs:plotArea mods="allowNoFillOverride allowNoLineOverride">
-    <cs:lnRef idx="0"/>
-    <cs:fillRef idx="0"/>
-    <cs:effectRef idx="0"/>
-    <cs:fontRef idx="minor">
-      <a:schemeClr val="dk1"/>
-    </cs:fontRef>
-  </cs:plotArea>
-  <cs:plotArea3D mods="allowNoFillOverride allowNoLineOverride">
-    <cs:lnRef idx="0"/>
-    <cs:fillRef idx="0"/>
-    <cs:effectRef idx="0"/>
-    <cs:fontRef idx="minor">
-      <a:schemeClr val="dk1"/>
-    </cs:fontRef>
-  </cs:plotArea3D>
-  <cs:seriesAxis>
-    <cs:lnRef idx="0"/>
-    <cs:fillRef idx="0"/>
-    <cs:effectRef idx="0"/>
-    <cs:fontRef idx="minor">
-      <a:schemeClr val="tx1">
-        <a:lumMod val="50000"/>
-        <a:lumOff val="50000"/>
-      </a:schemeClr>
-    </cs:fontRef>
-    <cs:spPr>
-      <a:ln w="9525" cap="flat" cmpd="sng" algn="ctr">
-        <a:solidFill>
-          <a:schemeClr val="tx1">
-            <a:lumMod val="15000"/>
-            <a:lumOff val="85000"/>
-          </a:schemeClr>
-        </a:solidFill>
-        <a:round/>
-      </a:ln>
-    </cs:spPr>
-    <cs:defRPr sz="1197" kern="1200"/>
-  </cs:seriesAxis>
-  <cs:seriesLine>
-    <cs:lnRef idx="0"/>
-    <cs:fillRef idx="0"/>
-    <cs:effectRef idx="0"/>
-    <cs:fontRef idx="minor">
-      <a:schemeClr val="dk1"/>
-    </cs:fontRef>
-    <cs:spPr>
-      <a:ln w="9525">
-        <a:solidFill>
-          <a:schemeClr val="tx1">
-            <a:lumMod val="35000"/>
-            <a:lumOff val="65000"/>
-          </a:schemeClr>
-        </a:solidFill>
-        <a:prstDash val="dash"/>
-      </a:ln>
-    </cs:spPr>
-  </cs:seriesLine>
-  <cs:title>
-    <cs:lnRef idx="0"/>
-    <cs:fillRef idx="0"/>
-    <cs:effectRef idx="0"/>
-    <cs:fontRef idx="minor">
-      <a:schemeClr val="tx1">
-        <a:lumMod val="50000"/>
-        <a:lumOff val="50000"/>
-      </a:schemeClr>
-    </cs:fontRef>
-    <cs:defRPr sz="1862" kern="1200" cap="none" spc="20" baseline="0"/>
-  </cs:title>
-  <cs:trendline>
-    <cs:lnRef idx="0">
-      <cs:styleClr val="auto"/>
-    </cs:lnRef>
-    <cs:fillRef idx="2"/>
-    <cs:effectRef idx="0"/>
-    <cs:fontRef idx="minor">
-      <a:schemeClr val="dk1"/>
-    </cs:fontRef>
-    <cs:spPr>
-      <a:ln w="9525" cap="rnd">
-        <a:solidFill>
-          <a:schemeClr val="phClr"/>
-        </a:solidFill>
-      </a:ln>
-    </cs:spPr>
-  </cs:trendline>
-  <cs:trendlineLabel>
-    <cs:lnRef idx="0"/>
-    <cs:fillRef idx="0"/>
-    <cs:effectRef idx="0"/>
-    <cs:fontRef idx="minor">
-      <a:schemeClr val="tx1">
-        <a:lumMod val="50000"/>
-        <a:lumOff val="50000"/>
-      </a:schemeClr>
-    </cs:fontRef>
-    <cs:defRPr sz="1197" kern="1200"/>
-  </cs:trendlineLabel>
-  <cs:upBar>
-    <cs:lnRef idx="0"/>
-    <cs:fillRef idx="0"/>
-    <cs:effectRef idx="0"/>
-    <cs:fontRef idx="minor">
-      <a:schemeClr val="dk1"/>
-    </cs:fontRef>
-    <cs:spPr>
-      <a:solidFill>
-        <a:schemeClr val="lt1"/>
-      </a:solidFill>
-      <a:ln w="9525">
-        <a:solidFill>
-          <a:schemeClr val="tx1">
-            <a:lumMod val="50000"/>
-            <a:lumOff val="50000"/>
-          </a:schemeClr>
-        </a:solidFill>
-      </a:ln>
-    </cs:spPr>
-  </cs:upBar>
-  <cs:valueAxis>
-    <cs:lnRef idx="0"/>
-    <cs:fillRef idx="0"/>
-    <cs:effectRef idx="0"/>
-    <cs:fontRef idx="minor">
-      <a:schemeClr val="tx1">
-        <a:lumMod val="50000"/>
-        <a:lumOff val="50000"/>
-      </a:schemeClr>
-    </cs:fontRef>
-    <cs:defRPr sz="1197" kern="1200"/>
-  </cs:valueAxis>
-  <cs:wall>
-    <cs:lnRef idx="0"/>
-    <cs:fillRef idx="0"/>
-    <cs:effectRef idx="0"/>
-    <cs:fontRef idx="minor">
-      <a:schemeClr val="dk1"/>
-    </cs:fontRef>
-  </cs:wall>
-</cs:chartStyle>
+    </a:ln>
+  </c:spPr>
+  <c:txPr>
+    <a:bodyPr/>
+    <a:lstStyle/>
+    <a:p>
+      <a:pPr>
+        <a:defRPr sz="1800"/>
+      </a:pPr>
+      <a:endParaRPr lang="en-US"/>
+    </a:p>
+  </c:txPr>
+  <c:externalData r:id="rId1">
+    <c:autoUpdate val="0"/>
+  </c:externalData>
+</c:chartSpace>
 </file>
 
 <file path=ppt/slideLayouts/slideLayout1.xml><?xml version="1.0" encoding="utf-8"?>
@@ -5921,7 +5382,7 @@
           <a:p>
             <a:fld id="{75034B27-EAF2-43D8-A6B4-737EDC5857FA}" type="datetimeFigureOut">
               <a:rPr lang="en-US" smtClean="0"/>
-              <a:t>3/4/2018</a:t>
+              <a:t>3/5/2018</a:t>
             </a:fld>
             <a:endParaRPr lang="en-US"/>
           </a:p>
@@ -6091,7 +5552,7 @@
           <a:p>
             <a:fld id="{75034B27-EAF2-43D8-A6B4-737EDC5857FA}" type="datetimeFigureOut">
               <a:rPr lang="en-US" smtClean="0"/>
-              <a:t>3/4/2018</a:t>
+              <a:t>3/5/2018</a:t>
             </a:fld>
             <a:endParaRPr lang="en-US"/>
           </a:p>
@@ -6271,7 +5732,7 @@
           <a:p>
             <a:fld id="{75034B27-EAF2-43D8-A6B4-737EDC5857FA}" type="datetimeFigureOut">
               <a:rPr lang="en-US" smtClean="0"/>
-              <a:t>3/4/2018</a:t>
+              <a:t>3/5/2018</a:t>
             </a:fld>
             <a:endParaRPr lang="en-US"/>
           </a:p>
@@ -6441,7 +5902,7 @@
           <a:p>
             <a:fld id="{75034B27-EAF2-43D8-A6B4-737EDC5857FA}" type="datetimeFigureOut">
               <a:rPr lang="en-US" smtClean="0"/>
-              <a:t>3/4/2018</a:t>
+              <a:t>3/5/2018</a:t>
             </a:fld>
             <a:endParaRPr lang="en-US"/>
           </a:p>
@@ -6687,7 +6148,7 @@
           <a:p>
             <a:fld id="{75034B27-EAF2-43D8-A6B4-737EDC5857FA}" type="datetimeFigureOut">
               <a:rPr lang="en-US" smtClean="0"/>
-              <a:t>3/4/2018</a:t>
+              <a:t>3/5/2018</a:t>
             </a:fld>
             <a:endParaRPr lang="en-US"/>
           </a:p>
@@ -6919,7 +6380,7 @@
           <a:p>
             <a:fld id="{75034B27-EAF2-43D8-A6B4-737EDC5857FA}" type="datetimeFigureOut">
               <a:rPr lang="en-US" smtClean="0"/>
-              <a:t>3/4/2018</a:t>
+              <a:t>3/5/2018</a:t>
             </a:fld>
             <a:endParaRPr lang="en-US"/>
           </a:p>
@@ -7286,7 +6747,7 @@
           <a:p>
             <a:fld id="{75034B27-EAF2-43D8-A6B4-737EDC5857FA}" type="datetimeFigureOut">
               <a:rPr lang="en-US" smtClean="0"/>
-              <a:t>3/4/2018</a:t>
+              <a:t>3/5/2018</a:t>
             </a:fld>
             <a:endParaRPr lang="en-US"/>
           </a:p>
@@ -7404,7 +6865,7 @@
           <a:p>
             <a:fld id="{75034B27-EAF2-43D8-A6B4-737EDC5857FA}" type="datetimeFigureOut">
               <a:rPr lang="en-US" smtClean="0"/>
-              <a:t>3/4/2018</a:t>
+              <a:t>3/5/2018</a:t>
             </a:fld>
             <a:endParaRPr lang="en-US"/>
           </a:p>
@@ -7499,7 +6960,7 @@
           <a:p>
             <a:fld id="{75034B27-EAF2-43D8-A6B4-737EDC5857FA}" type="datetimeFigureOut">
               <a:rPr lang="en-US" smtClean="0"/>
-              <a:t>3/4/2018</a:t>
+              <a:t>3/5/2018</a:t>
             </a:fld>
             <a:endParaRPr lang="en-US"/>
           </a:p>
@@ -7776,7 +7237,7 @@
           <a:p>
             <a:fld id="{75034B27-EAF2-43D8-A6B4-737EDC5857FA}" type="datetimeFigureOut">
               <a:rPr lang="en-US" smtClean="0"/>
-              <a:t>3/4/2018</a:t>
+              <a:t>3/5/2018</a:t>
             </a:fld>
             <a:endParaRPr lang="en-US"/>
           </a:p>
@@ -8029,7 +7490,7 @@
           <a:p>
             <a:fld id="{75034B27-EAF2-43D8-A6B4-737EDC5857FA}" type="datetimeFigureOut">
               <a:rPr lang="en-US" smtClean="0"/>
-              <a:t>3/4/2018</a:t>
+              <a:t>3/5/2018</a:t>
             </a:fld>
             <a:endParaRPr lang="en-US"/>
           </a:p>
@@ -8242,7 +7703,7 @@
           <a:p>
             <a:fld id="{75034B27-EAF2-43D8-A6B4-737EDC5857FA}" type="datetimeFigureOut">
               <a:rPr lang="en-US" smtClean="0"/>
-              <a:t>3/4/2018</a:t>
+              <a:t>3/5/2018</a:t>
             </a:fld>
             <a:endParaRPr lang="en-US"/>
           </a:p>
@@ -8633,14 +8094,6 @@
 <file path=ppt/slides/slide1.xml><?xml version="1.0" encoding="utf-8"?>
 <p:sld xmlns:a="http://schemas.openxmlformats.org/drawingml/2006/main" xmlns:r="http://schemas.openxmlformats.org/officeDocument/2006/relationships" xmlns:p="http://schemas.openxmlformats.org/presentationml/2006/main">
   <p:cSld>
-    <p:bg>
-      <p:bgPr>
-        <a:solidFill>
-          <a:schemeClr val="bg1"/>
-        </a:solidFill>
-        <a:effectLst/>
-      </p:bgPr>
-    </p:bg>
     <p:spTree>
       <p:nvGrpSpPr>
         <p:cNvPr id="1" name=""/>
@@ -8663,7 +8116,7 @@
         </p:nvGrpSpPr>
         <p:grpSpPr>
           <a:xfrm>
-            <a:off x="292100" y="3788225"/>
+            <a:off x="292100" y="3877125"/>
             <a:ext cx="11747499" cy="2717800"/>
             <a:chOff x="292100" y="838200"/>
             <a:chExt cx="11272226" cy="2458254"/>
@@ -8690,7 +8143,7 @@
               <p:nvPr>
                 <p:extLst>
                   <p:ext uri="{D42A27DB-BD31-4B8C-83A1-F6EECF244321}">
-                    <p14:modId xmlns:p14="http://schemas.microsoft.com/office/powerpoint/2010/main" val="2470853100"/>
+                    <p14:modId xmlns:p14="http://schemas.microsoft.com/office/powerpoint/2010/main" val="2935612355"/>
                   </p:ext>
                 </p:extLst>
               </p:nvPr>
@@ -8743,7 +8196,7 @@
                 <a:pPr algn="ctr"/>
                 <a:r>
                   <a:rPr lang="en-US" sz="1400" dirty="0" smtClean="0"/>
-                  <a:t>Connections</a:t>
+                  <a:t>Queues/Topics</a:t>
                 </a:r>
                 <a:endParaRPr lang="en-US" sz="1400" dirty="0"/>
               </a:p>
@@ -8771,7 +8224,7 @@
               <p:nvPr>
                 <p:extLst>
                   <p:ext uri="{D42A27DB-BD31-4B8C-83A1-F6EECF244321}">
-                    <p14:modId xmlns:p14="http://schemas.microsoft.com/office/powerpoint/2010/main" val="4081163335"/>
+                    <p14:modId xmlns:p14="http://schemas.microsoft.com/office/powerpoint/2010/main" val="507362343"/>
                   </p:ext>
                 </p:extLst>
               </p:nvPr>
@@ -8852,7 +8305,7 @@
               <p:nvPr>
                 <p:extLst>
                   <p:ext uri="{D42A27DB-BD31-4B8C-83A1-F6EECF244321}">
-                    <p14:modId xmlns:p14="http://schemas.microsoft.com/office/powerpoint/2010/main" val="1202891274"/>
+                    <p14:modId xmlns:p14="http://schemas.microsoft.com/office/powerpoint/2010/main" val="1572540304"/>
                   </p:ext>
                 </p:extLst>
               </p:nvPr>
@@ -8921,7 +8374,7 @@
         </p:nvGrpSpPr>
         <p:grpSpPr>
           <a:xfrm>
-            <a:off x="8120889" y="1041397"/>
+            <a:off x="8120889" y="1130297"/>
             <a:ext cx="3916984" cy="2717800"/>
             <a:chOff x="291238" y="442686"/>
             <a:chExt cx="3916984" cy="2717800"/>
@@ -8934,7 +8387,7 @@
             <p:nvPr>
               <p:extLst>
                 <p:ext uri="{D42A27DB-BD31-4B8C-83A1-F6EECF244321}">
-                  <p14:modId xmlns:p14="http://schemas.microsoft.com/office/powerpoint/2010/main" val="3047201998"/>
+                  <p14:modId xmlns:p14="http://schemas.microsoft.com/office/powerpoint/2010/main" val="4237426806"/>
                 </p:ext>
               </p:extLst>
             </p:nvPr>
@@ -8987,7 +8440,7 @@
               <a:pPr algn="ctr"/>
               <a:r>
                 <a:rPr lang="en-US" sz="1400" dirty="0" smtClean="0"/>
-                <a:t>No of Queues/Topics</a:t>
+                <a:t>Connections</a:t>
               </a:r>
               <a:endParaRPr lang="en-US" sz="1400" dirty="0"/>
             </a:p>
@@ -9003,13 +8456,13 @@
           <p:nvPr>
             <p:extLst>
               <p:ext uri="{D42A27DB-BD31-4B8C-83A1-F6EECF244321}">
-                <p14:modId xmlns:p14="http://schemas.microsoft.com/office/powerpoint/2010/main" val="127908"/>
+                <p14:modId xmlns:p14="http://schemas.microsoft.com/office/powerpoint/2010/main" val="1061161496"/>
               </p:ext>
             </p:extLst>
           </p:nvPr>
         </p:nvGraphicFramePr>
         <p:xfrm>
-          <a:off x="355422" y="1520276"/>
+          <a:off x="355422" y="1609176"/>
           <a:ext cx="3786888" cy="1016000"/>
         </p:xfrm>
         <a:graphic>
@@ -9418,7 +8871,7 @@
         </p:nvSpPr>
         <p:spPr>
           <a:xfrm>
-            <a:off x="291237" y="1041397"/>
+            <a:off x="291237" y="1130297"/>
             <a:ext cx="3915258" cy="242931"/>
           </a:xfrm>
           <a:prstGeom prst="rect">
@@ -9462,7 +8915,7 @@
         </p:nvGrpSpPr>
         <p:grpSpPr>
           <a:xfrm>
-            <a:off x="4206495" y="1041397"/>
+            <a:off x="4206495" y="1130297"/>
             <a:ext cx="3916984" cy="2717800"/>
             <a:chOff x="291238" y="442686"/>
             <a:chExt cx="3916984" cy="2717800"/>
@@ -9475,7 +8928,7 @@
             <p:nvPr>
               <p:extLst>
                 <p:ext uri="{D42A27DB-BD31-4B8C-83A1-F6EECF244321}">
-                  <p14:modId xmlns:p14="http://schemas.microsoft.com/office/powerpoint/2010/main" val="4092283289"/>
+                  <p14:modId xmlns:p14="http://schemas.microsoft.com/office/powerpoint/2010/main" val="4070616811"/>
                 </p:ext>
               </p:extLst>
             </p:nvPr>
@@ -9535,10 +8988,59 @@
           </p:txBody>
         </p:sp>
       </p:grpSp>
+      <p:sp>
+        <p:nvSpPr>
+          <p:cNvPr id="2" name="Rectangle 1"/>
+          <p:cNvSpPr/>
+          <p:nvPr/>
+        </p:nvSpPr>
+        <p:spPr>
+          <a:xfrm>
+            <a:off x="0" y="0"/>
+            <a:ext cx="12192000" cy="736600"/>
+          </a:xfrm>
+          <a:prstGeom prst="rect">
+            <a:avLst/>
+          </a:prstGeom>
+          <a:solidFill>
+            <a:schemeClr val="accent1">
+              <a:lumMod val="75000"/>
+            </a:schemeClr>
+          </a:solidFill>
+        </p:spPr>
+        <p:style>
+          <a:lnRef idx="2">
+            <a:schemeClr val="accent1">
+              <a:shade val="50000"/>
+            </a:schemeClr>
+          </a:lnRef>
+          <a:fillRef idx="1">
+            <a:schemeClr val="accent1"/>
+          </a:fillRef>
+          <a:effectRef idx="0">
+            <a:schemeClr val="accent1"/>
+          </a:effectRef>
+          <a:fontRef idx="minor">
+            <a:schemeClr val="lt1"/>
+          </a:fontRef>
+        </p:style>
+        <p:txBody>
+          <a:bodyPr rtlCol="0" anchor="ctr"/>
+          <a:lstStyle/>
+          <a:p>
+            <a:pPr algn="ctr"/>
+            <a:r>
+              <a:rPr lang="en-US" sz="2800" b="1" dirty="0" smtClean="0"/>
+              <a:t>VMR SPECIFICATIONS AND LIMITS</a:t>
+            </a:r>
+            <a:endParaRPr lang="en-US" sz="2800" b="1" dirty="0"/>
+          </a:p>
+        </p:txBody>
+      </p:sp>
     </p:spTree>
     <p:extLst>
       <p:ext uri="{BB962C8B-B14F-4D97-AF65-F5344CB8AC3E}">
-        <p14:creationId xmlns:p14="http://schemas.microsoft.com/office/powerpoint/2010/main" val="2156081122"/>
+        <p14:creationId xmlns:p14="http://schemas.microsoft.com/office/powerpoint/2010/main" val="1396810669"/>
       </p:ext>
     </p:extLst>
   </p:cSld>
@@ -9552,6 +9054,3653 @@
       </p:par>
     </p:tnLst>
   </p:timing>
+</p:sld>
+</file>
+
+<file path=ppt/slides/slide2.xml><?xml version="1.0" encoding="utf-8"?>
+<p:sld xmlns:a="http://schemas.openxmlformats.org/drawingml/2006/main" xmlns:r="http://schemas.openxmlformats.org/officeDocument/2006/relationships" xmlns:p="http://schemas.openxmlformats.org/presentationml/2006/main">
+  <p:cSld>
+    <p:spTree>
+      <p:nvGrpSpPr>
+        <p:cNvPr id="1" name=""/>
+        <p:cNvGrpSpPr/>
+        <p:nvPr/>
+      </p:nvGrpSpPr>
+      <p:grpSpPr>
+        <a:xfrm>
+          <a:off x="0" y="0"/>
+          <a:ext cx="0" cy="0"/>
+          <a:chOff x="0" y="0"/>
+          <a:chExt cx="0" cy="0"/>
+        </a:xfrm>
+      </p:grpSpPr>
+      <p:grpSp>
+        <p:nvGrpSpPr>
+          <p:cNvPr id="47" name="Group 46"/>
+          <p:cNvGrpSpPr/>
+          <p:nvPr/>
+        </p:nvGrpSpPr>
+        <p:grpSpPr>
+          <a:xfrm>
+            <a:off x="4156558" y="1917697"/>
+            <a:ext cx="3916984" cy="2717800"/>
+            <a:chOff x="291238" y="442686"/>
+            <a:chExt cx="3916984" cy="2717800"/>
+          </a:xfrm>
+        </p:grpSpPr>
+        <p:graphicFrame>
+          <p:nvGraphicFramePr>
+            <p:cNvPr id="45" name="Chart 44"/>
+            <p:cNvGraphicFramePr/>
+            <p:nvPr>
+              <p:extLst>
+                <p:ext uri="{D42A27DB-BD31-4B8C-83A1-F6EECF244321}">
+                  <p14:modId xmlns:p14="http://schemas.microsoft.com/office/powerpoint/2010/main" val="1356420643"/>
+                </p:ext>
+              </p:extLst>
+            </p:nvPr>
+          </p:nvGraphicFramePr>
+          <p:xfrm>
+            <a:off x="291508" y="688901"/>
+            <a:ext cx="3916714" cy="2471585"/>
+          </p:xfrm>
+          <a:graphic>
+            <a:graphicData uri="http://schemas.openxmlformats.org/drawingml/2006/chart">
+              <c:chart xmlns:c="http://schemas.openxmlformats.org/drawingml/2006/chart" xmlns:r="http://schemas.openxmlformats.org/officeDocument/2006/relationships" r:id="rId2"/>
+            </a:graphicData>
+          </a:graphic>
+        </p:graphicFrame>
+        <p:sp>
+          <p:nvSpPr>
+            <p:cNvPr id="46" name="Rectangle 45"/>
+            <p:cNvSpPr/>
+            <p:nvPr/>
+          </p:nvSpPr>
+          <p:spPr>
+            <a:xfrm>
+              <a:off x="291238" y="442686"/>
+              <a:ext cx="3915258" cy="242931"/>
+            </a:xfrm>
+            <a:prstGeom prst="rect">
+              <a:avLst/>
+            </a:prstGeom>
+          </p:spPr>
+          <p:style>
+            <a:lnRef idx="2">
+              <a:schemeClr val="accent1">
+                <a:shade val="50000"/>
+              </a:schemeClr>
+            </a:lnRef>
+            <a:fillRef idx="1">
+              <a:schemeClr val="accent1"/>
+            </a:fillRef>
+            <a:effectRef idx="0">
+              <a:schemeClr val="accent1"/>
+            </a:effectRef>
+            <a:fontRef idx="minor">
+              <a:schemeClr val="lt1"/>
+            </a:fontRef>
+          </p:style>
+          <p:txBody>
+            <a:bodyPr rtlCol="0" anchor="ctr"/>
+            <a:lstStyle/>
+            <a:p>
+              <a:pPr algn="ctr"/>
+              <a:r>
+                <a:rPr lang="en-US" sz="1400" dirty="0" smtClean="0"/>
+                <a:t>Producers</a:t>
+              </a:r>
+              <a:endParaRPr lang="en-US" sz="1400" dirty="0"/>
+            </a:p>
+          </p:txBody>
+        </p:sp>
+      </p:grpSp>
+      <p:grpSp>
+        <p:nvGrpSpPr>
+          <p:cNvPr id="29" name="Group 28"/>
+          <p:cNvGrpSpPr/>
+          <p:nvPr/>
+        </p:nvGrpSpPr>
+        <p:grpSpPr>
+          <a:xfrm>
+            <a:off x="241300" y="1917697"/>
+            <a:ext cx="3916984" cy="2717800"/>
+            <a:chOff x="291238" y="442686"/>
+            <a:chExt cx="3916984" cy="2717800"/>
+          </a:xfrm>
+        </p:grpSpPr>
+        <p:graphicFrame>
+          <p:nvGraphicFramePr>
+            <p:cNvPr id="30" name="Chart 29"/>
+            <p:cNvGraphicFramePr/>
+            <p:nvPr>
+              <p:extLst>
+                <p:ext uri="{D42A27DB-BD31-4B8C-83A1-F6EECF244321}">
+                  <p14:modId xmlns:p14="http://schemas.microsoft.com/office/powerpoint/2010/main" val="1415510587"/>
+                </p:ext>
+              </p:extLst>
+            </p:nvPr>
+          </p:nvGraphicFramePr>
+          <p:xfrm>
+            <a:off x="291508" y="688901"/>
+            <a:ext cx="3916714" cy="2471585"/>
+          </p:xfrm>
+          <a:graphic>
+            <a:graphicData uri="http://schemas.openxmlformats.org/drawingml/2006/chart">
+              <c:chart xmlns:c="http://schemas.openxmlformats.org/drawingml/2006/chart" xmlns:r="http://schemas.openxmlformats.org/officeDocument/2006/relationships" r:id="rId3"/>
+            </a:graphicData>
+          </a:graphic>
+        </p:graphicFrame>
+        <p:sp>
+          <p:nvSpPr>
+            <p:cNvPr id="31" name="Rectangle 30"/>
+            <p:cNvSpPr/>
+            <p:nvPr/>
+          </p:nvSpPr>
+          <p:spPr>
+            <a:xfrm>
+              <a:off x="291238" y="442686"/>
+              <a:ext cx="3915258" cy="242931"/>
+            </a:xfrm>
+            <a:prstGeom prst="rect">
+              <a:avLst/>
+            </a:prstGeom>
+          </p:spPr>
+          <p:style>
+            <a:lnRef idx="2">
+              <a:schemeClr val="accent1">
+                <a:shade val="50000"/>
+              </a:schemeClr>
+            </a:lnRef>
+            <a:fillRef idx="1">
+              <a:schemeClr val="accent1"/>
+            </a:fillRef>
+            <a:effectRef idx="0">
+              <a:schemeClr val="accent1"/>
+            </a:effectRef>
+            <a:fontRef idx="minor">
+              <a:schemeClr val="lt1"/>
+            </a:fontRef>
+          </p:style>
+          <p:txBody>
+            <a:bodyPr rtlCol="0" anchor="ctr"/>
+            <a:lstStyle/>
+            <a:p>
+              <a:pPr algn="ctr"/>
+              <a:r>
+                <a:rPr lang="en-US" sz="1400" dirty="0" smtClean="0"/>
+                <a:t>Sessions</a:t>
+              </a:r>
+              <a:endParaRPr lang="en-US" sz="1400" dirty="0"/>
+            </a:p>
+          </p:txBody>
+        </p:sp>
+      </p:grpSp>
+      <p:grpSp>
+        <p:nvGrpSpPr>
+          <p:cNvPr id="25" name="Group 24"/>
+          <p:cNvGrpSpPr/>
+          <p:nvPr/>
+        </p:nvGrpSpPr>
+        <p:grpSpPr>
+          <a:xfrm>
+            <a:off x="8071816" y="1917697"/>
+            <a:ext cx="3916984" cy="2717800"/>
+            <a:chOff x="291238" y="442686"/>
+            <a:chExt cx="3916984" cy="2717800"/>
+          </a:xfrm>
+        </p:grpSpPr>
+        <p:graphicFrame>
+          <p:nvGraphicFramePr>
+            <p:cNvPr id="26" name="Chart 25"/>
+            <p:cNvGraphicFramePr/>
+            <p:nvPr>
+              <p:extLst>
+                <p:ext uri="{D42A27DB-BD31-4B8C-83A1-F6EECF244321}">
+                  <p14:modId xmlns:p14="http://schemas.microsoft.com/office/powerpoint/2010/main" val="1899266428"/>
+                </p:ext>
+              </p:extLst>
+            </p:nvPr>
+          </p:nvGraphicFramePr>
+          <p:xfrm>
+            <a:off x="291508" y="688901"/>
+            <a:ext cx="3916714" cy="2471585"/>
+          </p:xfrm>
+          <a:graphic>
+            <a:graphicData uri="http://schemas.openxmlformats.org/drawingml/2006/chart">
+              <c:chart xmlns:c="http://schemas.openxmlformats.org/drawingml/2006/chart" xmlns:r="http://schemas.openxmlformats.org/officeDocument/2006/relationships" r:id="rId4"/>
+            </a:graphicData>
+          </a:graphic>
+        </p:graphicFrame>
+        <p:sp>
+          <p:nvSpPr>
+            <p:cNvPr id="27" name="Rectangle 26"/>
+            <p:cNvSpPr/>
+            <p:nvPr/>
+          </p:nvSpPr>
+          <p:spPr>
+            <a:xfrm>
+              <a:off x="291238" y="442686"/>
+              <a:ext cx="3915258" cy="242931"/>
+            </a:xfrm>
+            <a:prstGeom prst="rect">
+              <a:avLst/>
+            </a:prstGeom>
+          </p:spPr>
+          <p:style>
+            <a:lnRef idx="2">
+              <a:schemeClr val="accent1">
+                <a:shade val="50000"/>
+              </a:schemeClr>
+            </a:lnRef>
+            <a:fillRef idx="1">
+              <a:schemeClr val="accent1"/>
+            </a:fillRef>
+            <a:effectRef idx="0">
+              <a:schemeClr val="accent1"/>
+            </a:effectRef>
+            <a:fontRef idx="minor">
+              <a:schemeClr val="lt1"/>
+            </a:fontRef>
+          </p:style>
+          <p:txBody>
+            <a:bodyPr rtlCol="0" anchor="ctr"/>
+            <a:lstStyle/>
+            <a:p>
+              <a:pPr algn="ctr"/>
+              <a:r>
+                <a:rPr lang="en-US" sz="1400" dirty="0" smtClean="0"/>
+                <a:t>Consumers</a:t>
+              </a:r>
+              <a:endParaRPr lang="en-US" sz="1400" dirty="0"/>
+            </a:p>
+          </p:txBody>
+        </p:sp>
+      </p:grpSp>
+      <p:sp>
+        <p:nvSpPr>
+          <p:cNvPr id="32" name="Rectangle 31"/>
+          <p:cNvSpPr/>
+          <p:nvPr/>
+        </p:nvSpPr>
+        <p:spPr>
+          <a:xfrm>
+            <a:off x="0" y="0"/>
+            <a:ext cx="12192000" cy="736600"/>
+          </a:xfrm>
+          <a:prstGeom prst="rect">
+            <a:avLst/>
+          </a:prstGeom>
+          <a:solidFill>
+            <a:schemeClr val="accent1">
+              <a:lumMod val="75000"/>
+            </a:schemeClr>
+          </a:solidFill>
+        </p:spPr>
+        <p:style>
+          <a:lnRef idx="2">
+            <a:schemeClr val="accent1">
+              <a:shade val="50000"/>
+            </a:schemeClr>
+          </a:lnRef>
+          <a:fillRef idx="1">
+            <a:schemeClr val="accent1"/>
+          </a:fillRef>
+          <a:effectRef idx="0">
+            <a:schemeClr val="accent1"/>
+          </a:effectRef>
+          <a:fontRef idx="minor">
+            <a:schemeClr val="lt1"/>
+          </a:fontRef>
+        </p:style>
+        <p:txBody>
+          <a:bodyPr rtlCol="0" anchor="ctr"/>
+          <a:lstStyle/>
+          <a:p>
+            <a:pPr algn="ctr"/>
+            <a:r>
+              <a:rPr lang="en-US" sz="2800" b="1" dirty="0" smtClean="0"/>
+              <a:t>VMR SPECIFICATIONS AND LIMITS</a:t>
+            </a:r>
+            <a:endParaRPr lang="en-US" sz="2800" b="1" dirty="0"/>
+          </a:p>
+        </p:txBody>
+      </p:sp>
+    </p:spTree>
+    <p:extLst>
+      <p:ext uri="{BB962C8B-B14F-4D97-AF65-F5344CB8AC3E}">
+        <p14:creationId xmlns:p14="http://schemas.microsoft.com/office/powerpoint/2010/main" val="1757252161"/>
+      </p:ext>
+    </p:extLst>
+  </p:cSld>
+  <p:clrMapOvr>
+    <a:masterClrMapping/>
+  </p:clrMapOvr>
+  <p:timing>
+    <p:tnLst>
+      <p:par>
+        <p:cTn id="1" dur="indefinite" restart="never" nodeType="tmRoot"/>
+      </p:par>
+    </p:tnLst>
+  </p:timing>
+</p:sld>
+</file>
+
+<file path=ppt/slides/slide3.xml><?xml version="1.0" encoding="utf-8"?>
+<p:sld xmlns:a="http://schemas.openxmlformats.org/drawingml/2006/main" xmlns:r="http://schemas.openxmlformats.org/officeDocument/2006/relationships" xmlns:p="http://schemas.openxmlformats.org/presentationml/2006/main">
+  <p:cSld>
+    <p:spTree>
+      <p:nvGrpSpPr>
+        <p:cNvPr id="1" name=""/>
+        <p:cNvGrpSpPr/>
+        <p:nvPr/>
+      </p:nvGrpSpPr>
+      <p:grpSpPr>
+        <a:xfrm>
+          <a:off x="0" y="0"/>
+          <a:ext cx="0" cy="0"/>
+          <a:chOff x="0" y="0"/>
+          <a:chExt cx="0" cy="0"/>
+        </a:xfrm>
+      </p:grpSpPr>
+      <p:sp>
+        <p:nvSpPr>
+          <p:cNvPr id="4" name="Rectangle 3"/>
+          <p:cNvSpPr/>
+          <p:nvPr/>
+        </p:nvSpPr>
+        <p:spPr>
+          <a:xfrm>
+            <a:off x="0" y="0"/>
+            <a:ext cx="12192000" cy="736600"/>
+          </a:xfrm>
+          <a:prstGeom prst="rect">
+            <a:avLst/>
+          </a:prstGeom>
+          <a:solidFill>
+            <a:schemeClr val="accent1">
+              <a:lumMod val="75000"/>
+            </a:schemeClr>
+          </a:solidFill>
+        </p:spPr>
+        <p:style>
+          <a:lnRef idx="2">
+            <a:schemeClr val="accent1">
+              <a:shade val="50000"/>
+            </a:schemeClr>
+          </a:lnRef>
+          <a:fillRef idx="1">
+            <a:schemeClr val="accent1"/>
+          </a:fillRef>
+          <a:effectRef idx="0">
+            <a:schemeClr val="accent1"/>
+          </a:effectRef>
+          <a:fontRef idx="minor">
+            <a:schemeClr val="lt1"/>
+          </a:fontRef>
+        </p:style>
+        <p:txBody>
+          <a:bodyPr rtlCol="0" anchor="ctr"/>
+          <a:lstStyle/>
+          <a:p>
+            <a:pPr algn="ctr"/>
+            <a:r>
+              <a:rPr lang="en-US" sz="2800" b="1" dirty="0" smtClean="0"/>
+              <a:t>VMR SIZING</a:t>
+            </a:r>
+            <a:endParaRPr lang="en-US" sz="2800" b="1" dirty="0"/>
+          </a:p>
+        </p:txBody>
+      </p:sp>
+      <p:grpSp>
+        <p:nvGrpSpPr>
+          <p:cNvPr id="160" name="Group 159"/>
+          <p:cNvGrpSpPr/>
+          <p:nvPr/>
+        </p:nvGrpSpPr>
+        <p:grpSpPr>
+          <a:xfrm>
+            <a:off x="476250" y="1142999"/>
+            <a:ext cx="3355526" cy="5527679"/>
+            <a:chOff x="180975" y="1171574"/>
+            <a:chExt cx="3355526" cy="5527679"/>
+          </a:xfrm>
+        </p:grpSpPr>
+        <p:grpSp>
+          <p:nvGrpSpPr>
+            <p:cNvPr id="106" name="Group 105"/>
+            <p:cNvGrpSpPr/>
+            <p:nvPr/>
+          </p:nvGrpSpPr>
+          <p:grpSpPr>
+            <a:xfrm>
+              <a:off x="180975" y="1171574"/>
+              <a:ext cx="3343275" cy="2690133"/>
+              <a:chOff x="180975" y="1171574"/>
+              <a:chExt cx="3343275" cy="2690133"/>
+            </a:xfrm>
+          </p:grpSpPr>
+          <p:sp>
+            <p:nvSpPr>
+              <p:cNvPr id="105" name="Rectangle 104"/>
+              <p:cNvSpPr/>
+              <p:nvPr/>
+            </p:nvSpPr>
+            <p:spPr>
+              <a:xfrm>
+                <a:off x="180975" y="1171574"/>
+                <a:ext cx="3343275" cy="2690133"/>
+              </a:xfrm>
+              <a:prstGeom prst="rect">
+                <a:avLst/>
+              </a:prstGeom>
+              <a:solidFill>
+                <a:schemeClr val="bg1"/>
+              </a:solidFill>
+              <a:effectLst>
+                <a:outerShdw blurRad="50800" dist="38100" dir="5400000" algn="t" rotWithShape="0">
+                  <a:prstClr val="black">
+                    <a:alpha val="40000"/>
+                  </a:prstClr>
+                </a:outerShdw>
+              </a:effectLst>
+            </p:spPr>
+            <p:style>
+              <a:lnRef idx="2">
+                <a:schemeClr val="accent1">
+                  <a:shade val="50000"/>
+                </a:schemeClr>
+              </a:lnRef>
+              <a:fillRef idx="1">
+                <a:schemeClr val="accent1"/>
+              </a:fillRef>
+              <a:effectRef idx="0">
+                <a:schemeClr val="accent1"/>
+              </a:effectRef>
+              <a:fontRef idx="minor">
+                <a:schemeClr val="lt1"/>
+              </a:fontRef>
+            </p:style>
+            <p:txBody>
+              <a:bodyPr rtlCol="0" anchor="ctr"/>
+              <a:lstStyle/>
+              <a:p>
+                <a:pPr algn="ctr"/>
+                <a:endParaRPr lang="en-US"/>
+              </a:p>
+            </p:txBody>
+          </p:sp>
+          <p:grpSp>
+            <p:nvGrpSpPr>
+              <p:cNvPr id="9" name="Group 8"/>
+              <p:cNvGrpSpPr/>
+              <p:nvPr/>
+            </p:nvGrpSpPr>
+            <p:grpSpPr>
+              <a:xfrm>
+                <a:off x="180975" y="1171575"/>
+                <a:ext cx="3343275" cy="1780532"/>
+                <a:chOff x="224519" y="1323746"/>
+                <a:chExt cx="4324998" cy="2766714"/>
+              </a:xfrm>
+            </p:grpSpPr>
+            <p:graphicFrame>
+              <p:nvGraphicFramePr>
+                <p:cNvPr id="5" name="Chart 4"/>
+                <p:cNvGraphicFramePr/>
+                <p:nvPr>
+                  <p:extLst>
+                    <p:ext uri="{D42A27DB-BD31-4B8C-83A1-F6EECF244321}">
+                      <p14:modId xmlns:p14="http://schemas.microsoft.com/office/powerpoint/2010/main" val="594736203"/>
+                    </p:ext>
+                  </p:extLst>
+                </p:nvPr>
+              </p:nvGraphicFramePr>
+              <p:xfrm>
+                <a:off x="815974" y="1800227"/>
+                <a:ext cx="2927351" cy="2290233"/>
+              </p:xfrm>
+              <a:graphic>
+                <a:graphicData uri="http://schemas.openxmlformats.org/drawingml/2006/chart">
+                  <c:chart xmlns:c="http://schemas.openxmlformats.org/drawingml/2006/chart" xmlns:r="http://schemas.openxmlformats.org/officeDocument/2006/relationships" r:id="rId3"/>
+                </a:graphicData>
+              </a:graphic>
+            </p:graphicFrame>
+            <p:sp>
+              <p:nvSpPr>
+                <p:cNvPr id="6" name="Rectangle 5"/>
+                <p:cNvSpPr/>
+                <p:nvPr/>
+              </p:nvSpPr>
+              <p:spPr>
+                <a:xfrm>
+                  <a:off x="224519" y="1323746"/>
+                  <a:ext cx="4324998" cy="281651"/>
+                </a:xfrm>
+                <a:prstGeom prst="rect">
+                  <a:avLst/>
+                </a:prstGeom>
+                <a:effectLst/>
+              </p:spPr>
+              <p:style>
+                <a:lnRef idx="2">
+                  <a:schemeClr val="accent1">
+                    <a:shade val="50000"/>
+                  </a:schemeClr>
+                </a:lnRef>
+                <a:fillRef idx="1">
+                  <a:schemeClr val="accent1"/>
+                </a:fillRef>
+                <a:effectRef idx="0">
+                  <a:schemeClr val="accent1"/>
+                </a:effectRef>
+                <a:fontRef idx="minor">
+                  <a:schemeClr val="lt1"/>
+                </a:fontRef>
+              </p:style>
+              <p:txBody>
+                <a:bodyPr rtlCol="0" anchor="ctr"/>
+                <a:lstStyle/>
+                <a:p>
+                  <a:pPr algn="ctr"/>
+                  <a:r>
+                    <a:rPr lang="en-US" sz="1000" b="1" dirty="0" smtClean="0">
+                      <a:latin typeface="Verdana" panose="020B0604030504040204" pitchFamily="34" charset="0"/>
+                      <a:ea typeface="Verdana" panose="020B0604030504040204" pitchFamily="34" charset="0"/>
+                      <a:cs typeface="Verdana" panose="020B0604030504040204" pitchFamily="34" charset="0"/>
+                    </a:rPr>
+                    <a:t>VMR Size 1</a:t>
+                  </a:r>
+                  <a:endParaRPr lang="en-US" sz="1000" b="1" dirty="0">
+                    <a:latin typeface="Verdana" panose="020B0604030504040204" pitchFamily="34" charset="0"/>
+                    <a:ea typeface="Verdana" panose="020B0604030504040204" pitchFamily="34" charset="0"/>
+                    <a:cs typeface="Verdana" panose="020B0604030504040204" pitchFamily="34" charset="0"/>
+                  </a:endParaRPr>
+                </a:p>
+              </p:txBody>
+            </p:sp>
+          </p:grpSp>
+          <p:graphicFrame>
+            <p:nvGraphicFramePr>
+              <p:cNvPr id="18" name="Object 17"/>
+              <p:cNvGraphicFramePr>
+                <a:graphicFrameLocks noChangeAspect="1"/>
+              </p:cNvGraphicFramePr>
+              <p:nvPr>
+                <p:extLst>
+                  <p:ext uri="{D42A27DB-BD31-4B8C-83A1-F6EECF244321}">
+                    <p14:modId xmlns:p14="http://schemas.microsoft.com/office/powerpoint/2010/main" val="1986569274"/>
+                  </p:ext>
+                </p:extLst>
+              </p:nvPr>
+            </p:nvGraphicFramePr>
+            <p:xfrm>
+              <a:off x="317965" y="2986045"/>
+              <a:ext cx="3057525" cy="771525"/>
+            </p:xfrm>
+            <a:graphic>
+              <a:graphicData uri="http://schemas.openxmlformats.org/presentationml/2006/ole">
+                <mc:AlternateContent xmlns:mc="http://schemas.openxmlformats.org/markup-compatibility/2006">
+                  <mc:Choice xmlns:v="urn:schemas-microsoft-com:vml" Requires="v">
+                    <p:oleObj spid="_x0000_s1067" name="Worksheet" r:id="rId4" imgW="3057525" imgH="771525" progId="Excel.Sheet.12">
+                      <p:embed/>
+                    </p:oleObj>
+                  </mc:Choice>
+                  <mc:Fallback>
+                    <p:oleObj name="Worksheet" r:id="rId4" imgW="3057525" imgH="771525" progId="Excel.Sheet.12">
+                      <p:embed/>
+                      <p:pic>
+                        <p:nvPicPr>
+                          <p:cNvPr id="0" name=""/>
+                          <p:cNvPicPr/>
+                          <p:nvPr/>
+                        </p:nvPicPr>
+                        <p:blipFill>
+                          <a:blip r:embed="rId5"/>
+                          <a:stretch>
+                            <a:fillRect/>
+                          </a:stretch>
+                        </p:blipFill>
+                        <p:spPr>
+                          <a:xfrm>
+                            <a:off x="317965" y="2986045"/>
+                            <a:ext cx="3057525" cy="771525"/>
+                          </a:xfrm>
+                          <a:prstGeom prst="rect">
+                            <a:avLst/>
+                          </a:prstGeom>
+                        </p:spPr>
+                      </p:pic>
+                    </p:oleObj>
+                  </mc:Fallback>
+                </mc:AlternateContent>
+              </a:graphicData>
+            </a:graphic>
+          </p:graphicFrame>
+        </p:grpSp>
+        <p:grpSp>
+          <p:nvGrpSpPr>
+            <p:cNvPr id="107" name="Group 106"/>
+            <p:cNvGrpSpPr/>
+            <p:nvPr/>
+          </p:nvGrpSpPr>
+          <p:grpSpPr>
+            <a:xfrm>
+              <a:off x="193226" y="4009120"/>
+              <a:ext cx="3343275" cy="2690133"/>
+              <a:chOff x="180975" y="1171574"/>
+              <a:chExt cx="3343275" cy="2690133"/>
+            </a:xfrm>
+          </p:grpSpPr>
+          <p:sp>
+            <p:nvSpPr>
+              <p:cNvPr id="108" name="Rectangle 107"/>
+              <p:cNvSpPr/>
+              <p:nvPr/>
+            </p:nvSpPr>
+            <p:spPr>
+              <a:xfrm>
+                <a:off x="180975" y="1171574"/>
+                <a:ext cx="3343275" cy="2690133"/>
+              </a:xfrm>
+              <a:prstGeom prst="rect">
+                <a:avLst/>
+              </a:prstGeom>
+              <a:solidFill>
+                <a:schemeClr val="bg1"/>
+              </a:solidFill>
+              <a:effectLst>
+                <a:outerShdw blurRad="50800" dist="38100" dir="5400000" algn="t" rotWithShape="0">
+                  <a:prstClr val="black">
+                    <a:alpha val="40000"/>
+                  </a:prstClr>
+                </a:outerShdw>
+              </a:effectLst>
+            </p:spPr>
+            <p:style>
+              <a:lnRef idx="2">
+                <a:schemeClr val="accent1">
+                  <a:shade val="50000"/>
+                </a:schemeClr>
+              </a:lnRef>
+              <a:fillRef idx="1">
+                <a:schemeClr val="accent1"/>
+              </a:fillRef>
+              <a:effectRef idx="0">
+                <a:schemeClr val="accent1"/>
+              </a:effectRef>
+              <a:fontRef idx="minor">
+                <a:schemeClr val="lt1"/>
+              </a:fontRef>
+            </p:style>
+            <p:txBody>
+              <a:bodyPr rtlCol="0" anchor="ctr"/>
+              <a:lstStyle/>
+              <a:p>
+                <a:pPr algn="ctr"/>
+                <a:endParaRPr lang="en-US"/>
+              </a:p>
+            </p:txBody>
+          </p:sp>
+          <p:grpSp>
+            <p:nvGrpSpPr>
+              <p:cNvPr id="109" name="Group 108"/>
+              <p:cNvGrpSpPr/>
+              <p:nvPr/>
+            </p:nvGrpSpPr>
+            <p:grpSpPr>
+              <a:xfrm>
+                <a:off x="180975" y="1172139"/>
+                <a:ext cx="3343275" cy="1779968"/>
+                <a:chOff x="224519" y="1324629"/>
+                <a:chExt cx="4324998" cy="2765831"/>
+              </a:xfrm>
+            </p:grpSpPr>
+            <p:graphicFrame>
+              <p:nvGraphicFramePr>
+                <p:cNvPr id="111" name="Chart 110"/>
+                <p:cNvGraphicFramePr/>
+                <p:nvPr>
+                  <p:extLst>
+                    <p:ext uri="{D42A27DB-BD31-4B8C-83A1-F6EECF244321}">
+                      <p14:modId xmlns:p14="http://schemas.microsoft.com/office/powerpoint/2010/main" val="321181767"/>
+                    </p:ext>
+                  </p:extLst>
+                </p:nvPr>
+              </p:nvGraphicFramePr>
+              <p:xfrm>
+                <a:off x="815974" y="1800227"/>
+                <a:ext cx="2927351" cy="2290233"/>
+              </p:xfrm>
+              <a:graphic>
+                <a:graphicData uri="http://schemas.openxmlformats.org/drawingml/2006/chart">
+                  <c:chart xmlns:c="http://schemas.openxmlformats.org/drawingml/2006/chart" xmlns:r="http://schemas.openxmlformats.org/officeDocument/2006/relationships" r:id="rId6"/>
+                </a:graphicData>
+              </a:graphic>
+            </p:graphicFrame>
+            <p:sp>
+              <p:nvSpPr>
+                <p:cNvPr id="112" name="Rectangle 111"/>
+                <p:cNvSpPr/>
+                <p:nvPr/>
+              </p:nvSpPr>
+              <p:spPr>
+                <a:xfrm>
+                  <a:off x="224519" y="1324629"/>
+                  <a:ext cx="4324998" cy="291647"/>
+                </a:xfrm>
+                <a:prstGeom prst="rect">
+                  <a:avLst/>
+                </a:prstGeom>
+                <a:effectLst/>
+              </p:spPr>
+              <p:style>
+                <a:lnRef idx="2">
+                  <a:schemeClr val="accent1">
+                    <a:shade val="50000"/>
+                  </a:schemeClr>
+                </a:lnRef>
+                <a:fillRef idx="1">
+                  <a:schemeClr val="accent1"/>
+                </a:fillRef>
+                <a:effectRef idx="0">
+                  <a:schemeClr val="accent1"/>
+                </a:effectRef>
+                <a:fontRef idx="minor">
+                  <a:schemeClr val="lt1"/>
+                </a:fontRef>
+              </p:style>
+              <p:txBody>
+                <a:bodyPr rtlCol="0" anchor="ctr"/>
+                <a:lstStyle/>
+                <a:p>
+                  <a:pPr algn="ctr"/>
+                  <a:r>
+                    <a:rPr lang="en-US" sz="1000" b="1" dirty="0" smtClean="0">
+                      <a:latin typeface="Verdana" panose="020B0604030504040204" pitchFamily="34" charset="0"/>
+                      <a:ea typeface="Verdana" panose="020B0604030504040204" pitchFamily="34" charset="0"/>
+                      <a:cs typeface="Verdana" panose="020B0604030504040204" pitchFamily="34" charset="0"/>
+                    </a:rPr>
+                    <a:t>VMR Size 2</a:t>
+                  </a:r>
+                  <a:endParaRPr lang="en-US" sz="1000" b="1" dirty="0">
+                    <a:latin typeface="Verdana" panose="020B0604030504040204" pitchFamily="34" charset="0"/>
+                    <a:ea typeface="Verdana" panose="020B0604030504040204" pitchFamily="34" charset="0"/>
+                    <a:cs typeface="Verdana" panose="020B0604030504040204" pitchFamily="34" charset="0"/>
+                  </a:endParaRPr>
+                </a:p>
+              </p:txBody>
+            </p:sp>
+          </p:grpSp>
+          <p:graphicFrame>
+            <p:nvGraphicFramePr>
+              <p:cNvPr id="110" name="Object 109"/>
+              <p:cNvGraphicFramePr>
+                <a:graphicFrameLocks noChangeAspect="1"/>
+              </p:cNvGraphicFramePr>
+              <p:nvPr>
+                <p:extLst>
+                  <p:ext uri="{D42A27DB-BD31-4B8C-83A1-F6EECF244321}">
+                    <p14:modId xmlns:p14="http://schemas.microsoft.com/office/powerpoint/2010/main" val="2335876780"/>
+                  </p:ext>
+                </p:extLst>
+              </p:nvPr>
+            </p:nvGraphicFramePr>
+            <p:xfrm>
+              <a:off x="317965" y="2986045"/>
+              <a:ext cx="3057525" cy="771525"/>
+            </p:xfrm>
+            <a:graphic>
+              <a:graphicData uri="http://schemas.openxmlformats.org/presentationml/2006/ole">
+                <mc:AlternateContent xmlns:mc="http://schemas.openxmlformats.org/markup-compatibility/2006">
+                  <mc:Choice xmlns:v="urn:schemas-microsoft-com:vml" Requires="v">
+                    <p:oleObj spid="_x0000_s1068" name="Worksheet" r:id="rId7" imgW="3057525" imgH="771525" progId="Excel.Sheet.12">
+                      <p:embed/>
+                    </p:oleObj>
+                  </mc:Choice>
+                  <mc:Fallback>
+                    <p:oleObj name="Worksheet" r:id="rId7" imgW="3057525" imgH="771525" progId="Excel.Sheet.12">
+                      <p:embed/>
+                      <p:pic>
+                        <p:nvPicPr>
+                          <p:cNvPr id="0" name=""/>
+                          <p:cNvPicPr/>
+                          <p:nvPr/>
+                        </p:nvPicPr>
+                        <p:blipFill>
+                          <a:blip r:embed="rId8"/>
+                          <a:stretch>
+                            <a:fillRect/>
+                          </a:stretch>
+                        </p:blipFill>
+                        <p:spPr>
+                          <a:xfrm>
+                            <a:off x="317965" y="2986045"/>
+                            <a:ext cx="3057525" cy="771525"/>
+                          </a:xfrm>
+                          <a:prstGeom prst="rect">
+                            <a:avLst/>
+                          </a:prstGeom>
+                        </p:spPr>
+                      </p:pic>
+                    </p:oleObj>
+                  </mc:Fallback>
+                </mc:AlternateContent>
+              </a:graphicData>
+            </a:graphic>
+          </p:graphicFrame>
+        </p:grpSp>
+      </p:grpSp>
+      <p:grpSp>
+        <p:nvGrpSpPr>
+          <p:cNvPr id="159" name="Group 158"/>
+          <p:cNvGrpSpPr/>
+          <p:nvPr/>
+        </p:nvGrpSpPr>
+        <p:grpSpPr>
+          <a:xfrm>
+            <a:off x="4591050" y="1172139"/>
+            <a:ext cx="3924301" cy="4920312"/>
+            <a:chOff x="4591050" y="1172139"/>
+            <a:chExt cx="3924301" cy="4920312"/>
+          </a:xfrm>
+          <a:effectLst>
+            <a:outerShdw blurRad="50800" dist="38100" dir="5400000" algn="t" rotWithShape="0">
+              <a:prstClr val="black">
+                <a:alpha val="40000"/>
+              </a:prstClr>
+            </a:outerShdw>
+          </a:effectLst>
+        </p:grpSpPr>
+        <p:sp>
+          <p:nvSpPr>
+            <p:cNvPr id="113" name="Rectangle 112"/>
+            <p:cNvSpPr/>
+            <p:nvPr/>
+          </p:nvSpPr>
+          <p:spPr>
+            <a:xfrm>
+              <a:off x="4591051" y="1254316"/>
+              <a:ext cx="3924300" cy="4838135"/>
+            </a:xfrm>
+            <a:prstGeom prst="rect">
+              <a:avLst/>
+            </a:prstGeom>
+            <a:solidFill>
+              <a:schemeClr val="bg1"/>
+            </a:solidFill>
+          </p:spPr>
+          <p:style>
+            <a:lnRef idx="2">
+              <a:schemeClr val="accent1">
+                <a:shade val="50000"/>
+              </a:schemeClr>
+            </a:lnRef>
+            <a:fillRef idx="1">
+              <a:schemeClr val="accent1"/>
+            </a:fillRef>
+            <a:effectRef idx="0">
+              <a:schemeClr val="accent1"/>
+            </a:effectRef>
+            <a:fontRef idx="minor">
+              <a:schemeClr val="lt1"/>
+            </a:fontRef>
+          </p:style>
+          <p:txBody>
+            <a:bodyPr rtlCol="0" anchor="ctr"/>
+            <a:lstStyle/>
+            <a:p>
+              <a:pPr algn="ctr"/>
+              <a:endParaRPr lang="en-US"/>
+            </a:p>
+          </p:txBody>
+        </p:sp>
+        <p:grpSp>
+          <p:nvGrpSpPr>
+            <p:cNvPr id="30" name="Group 29"/>
+            <p:cNvGrpSpPr/>
+            <p:nvPr/>
+          </p:nvGrpSpPr>
+          <p:grpSpPr>
+            <a:xfrm>
+              <a:off x="4957533" y="1876269"/>
+              <a:ext cx="1061358" cy="1049269"/>
+              <a:chOff x="4637314" y="1738993"/>
+              <a:chExt cx="1061358" cy="1049269"/>
+            </a:xfrm>
+          </p:grpSpPr>
+          <p:sp>
+            <p:nvSpPr>
+              <p:cNvPr id="31" name="Rectangle 30"/>
+              <p:cNvSpPr/>
+              <p:nvPr/>
+            </p:nvSpPr>
+            <p:spPr>
+              <a:xfrm>
+                <a:off x="4637314" y="1967594"/>
+                <a:ext cx="1061357" cy="453275"/>
+              </a:xfrm>
+              <a:prstGeom prst="rect">
+                <a:avLst/>
+              </a:prstGeom>
+              <a:noFill/>
+            </p:spPr>
+            <p:style>
+              <a:lnRef idx="2">
+                <a:schemeClr val="accent1">
+                  <a:shade val="50000"/>
+                </a:schemeClr>
+              </a:lnRef>
+              <a:fillRef idx="1">
+                <a:schemeClr val="accent1"/>
+              </a:fillRef>
+              <a:effectRef idx="0">
+                <a:schemeClr val="accent1"/>
+              </a:effectRef>
+              <a:fontRef idx="minor">
+                <a:schemeClr val="lt1"/>
+              </a:fontRef>
+            </p:style>
+            <p:txBody>
+              <a:bodyPr rtlCol="0" anchor="ctr"/>
+              <a:lstStyle/>
+              <a:p>
+                <a:pPr algn="ctr"/>
+                <a:r>
+                  <a:rPr lang="en-US" sz="800" dirty="0" smtClean="0">
+                    <a:solidFill>
+                      <a:schemeClr val="bg1">
+                        <a:lumMod val="65000"/>
+                      </a:schemeClr>
+                    </a:solidFill>
+                    <a:latin typeface="Verdana" panose="020B0604030504040204" pitchFamily="34" charset="0"/>
+                    <a:ea typeface="Verdana" panose="020B0604030504040204" pitchFamily="34" charset="0"/>
+                    <a:cs typeface="Verdana" panose="020B0604030504040204" pitchFamily="34" charset="0"/>
+                  </a:rPr>
+                  <a:t>VMR A </a:t>
+                </a:r>
+              </a:p>
+              <a:p>
+                <a:pPr algn="ctr"/>
+                <a:r>
+                  <a:rPr lang="en-US" sz="800" dirty="0" smtClean="0">
+                    <a:solidFill>
+                      <a:schemeClr val="bg1">
+                        <a:lumMod val="65000"/>
+                      </a:schemeClr>
+                    </a:solidFill>
+                    <a:latin typeface="Verdana" panose="020B0604030504040204" pitchFamily="34" charset="0"/>
+                    <a:ea typeface="Verdana" panose="020B0604030504040204" pitchFamily="34" charset="0"/>
+                    <a:cs typeface="Verdana" panose="020B0604030504040204" pitchFamily="34" charset="0"/>
+                  </a:rPr>
+                  <a:t>(Primary)</a:t>
+                </a:r>
+                <a:endParaRPr lang="en-US" sz="800" dirty="0">
+                  <a:solidFill>
+                    <a:schemeClr val="bg1">
+                      <a:lumMod val="65000"/>
+                    </a:schemeClr>
+                  </a:solidFill>
+                  <a:latin typeface="Verdana" panose="020B0604030504040204" pitchFamily="34" charset="0"/>
+                  <a:ea typeface="Verdana" panose="020B0604030504040204" pitchFamily="34" charset="0"/>
+                  <a:cs typeface="Verdana" panose="020B0604030504040204" pitchFamily="34" charset="0"/>
+                </a:endParaRPr>
+              </a:p>
+            </p:txBody>
+          </p:sp>
+          <p:sp>
+            <p:nvSpPr>
+              <p:cNvPr id="32" name="Rectangle 31"/>
+              <p:cNvSpPr/>
+              <p:nvPr/>
+            </p:nvSpPr>
+            <p:spPr>
+              <a:xfrm>
+                <a:off x="4637314" y="1738993"/>
+                <a:ext cx="1061357" cy="228601"/>
+              </a:xfrm>
+              <a:prstGeom prst="rect">
+                <a:avLst/>
+              </a:prstGeom>
+            </p:spPr>
+            <p:style>
+              <a:lnRef idx="2">
+                <a:schemeClr val="accent1">
+                  <a:shade val="50000"/>
+                </a:schemeClr>
+              </a:lnRef>
+              <a:fillRef idx="1">
+                <a:schemeClr val="accent1"/>
+              </a:fillRef>
+              <a:effectRef idx="0">
+                <a:schemeClr val="accent1"/>
+              </a:effectRef>
+              <a:fontRef idx="minor">
+                <a:schemeClr val="lt1"/>
+              </a:fontRef>
+            </p:style>
+            <p:txBody>
+              <a:bodyPr rtlCol="0" anchor="ctr"/>
+              <a:lstStyle/>
+              <a:p>
+                <a:pPr algn="ctr"/>
+                <a:r>
+                  <a:rPr lang="en-US" sz="1000" dirty="0" smtClean="0">
+                    <a:latin typeface="Verdana" panose="020B0604030504040204" pitchFamily="34" charset="0"/>
+                    <a:ea typeface="Verdana" panose="020B0604030504040204" pitchFamily="34" charset="0"/>
+                    <a:cs typeface="Verdana" panose="020B0604030504040204" pitchFamily="34" charset="0"/>
+                  </a:rPr>
+                  <a:t>VM 1</a:t>
+                </a:r>
+                <a:endParaRPr lang="en-US" sz="1000" dirty="0">
+                  <a:latin typeface="Verdana" panose="020B0604030504040204" pitchFamily="34" charset="0"/>
+                  <a:ea typeface="Verdana" panose="020B0604030504040204" pitchFamily="34" charset="0"/>
+                  <a:cs typeface="Verdana" panose="020B0604030504040204" pitchFamily="34" charset="0"/>
+                </a:endParaRPr>
+              </a:p>
+            </p:txBody>
+          </p:sp>
+          <p:sp>
+            <p:nvSpPr>
+              <p:cNvPr id="33" name="Rectangle 32"/>
+              <p:cNvSpPr/>
+              <p:nvPr/>
+            </p:nvSpPr>
+            <p:spPr>
+              <a:xfrm>
+                <a:off x="5045530" y="2411661"/>
+                <a:ext cx="653142" cy="183538"/>
+              </a:xfrm>
+              <a:prstGeom prst="rect">
+                <a:avLst/>
+              </a:prstGeom>
+              <a:solidFill>
+                <a:schemeClr val="accent5">
+                  <a:lumMod val="40000"/>
+                  <a:lumOff val="60000"/>
+                </a:schemeClr>
+              </a:solidFill>
+            </p:spPr>
+            <p:style>
+              <a:lnRef idx="2">
+                <a:schemeClr val="accent1">
+                  <a:shade val="50000"/>
+                </a:schemeClr>
+              </a:lnRef>
+              <a:fillRef idx="1">
+                <a:schemeClr val="accent1"/>
+              </a:fillRef>
+              <a:effectRef idx="0">
+                <a:schemeClr val="accent1"/>
+              </a:effectRef>
+              <a:fontRef idx="minor">
+                <a:schemeClr val="lt1"/>
+              </a:fontRef>
+            </p:style>
+            <p:txBody>
+              <a:bodyPr rtlCol="0" anchor="ctr"/>
+              <a:lstStyle/>
+              <a:p>
+                <a:r>
+                  <a:rPr lang="en-US" sz="700" dirty="0" smtClean="0">
+                    <a:solidFill>
+                      <a:schemeClr val="tx1">
+                        <a:lumMod val="50000"/>
+                        <a:lumOff val="50000"/>
+                      </a:schemeClr>
+                    </a:solidFill>
+                    <a:ea typeface="Verdana" panose="020B0604030504040204" pitchFamily="34" charset="0"/>
+                    <a:cs typeface="Verdana" panose="020B0604030504040204" pitchFamily="34" charset="0"/>
+                  </a:rPr>
+                  <a:t>ESB_Service</a:t>
+                </a:r>
+                <a:endParaRPr lang="en-US" sz="700" dirty="0">
+                  <a:solidFill>
+                    <a:schemeClr val="tx1">
+                      <a:lumMod val="50000"/>
+                      <a:lumOff val="50000"/>
+                    </a:schemeClr>
+                  </a:solidFill>
+                  <a:ea typeface="Verdana" panose="020B0604030504040204" pitchFamily="34" charset="0"/>
+                  <a:cs typeface="Verdana" panose="020B0604030504040204" pitchFamily="34" charset="0"/>
+                </a:endParaRPr>
+              </a:p>
+            </p:txBody>
+          </p:sp>
+          <p:sp>
+            <p:nvSpPr>
+              <p:cNvPr id="34" name="Rectangle 33"/>
+              <p:cNvSpPr/>
+              <p:nvPr/>
+            </p:nvSpPr>
+            <p:spPr>
+              <a:xfrm>
+                <a:off x="4637314" y="2419667"/>
+                <a:ext cx="408214" cy="183538"/>
+              </a:xfrm>
+              <a:prstGeom prst="rect">
+                <a:avLst/>
+              </a:prstGeom>
+              <a:solidFill>
+                <a:schemeClr val="accent5">
+                  <a:lumMod val="40000"/>
+                  <a:lumOff val="60000"/>
+                </a:schemeClr>
+              </a:solidFill>
+            </p:spPr>
+            <p:style>
+              <a:lnRef idx="2">
+                <a:schemeClr val="accent1">
+                  <a:shade val="50000"/>
+                </a:schemeClr>
+              </a:lnRef>
+              <a:fillRef idx="1">
+                <a:schemeClr val="accent1"/>
+              </a:fillRef>
+              <a:effectRef idx="0">
+                <a:schemeClr val="accent1"/>
+              </a:effectRef>
+              <a:fontRef idx="minor">
+                <a:schemeClr val="lt1"/>
+              </a:fontRef>
+            </p:style>
+            <p:txBody>
+              <a:bodyPr rtlCol="0" anchor="ctr"/>
+              <a:lstStyle/>
+              <a:p>
+                <a:pPr algn="ctr"/>
+                <a:r>
+                  <a:rPr lang="en-US" sz="700" dirty="0" smtClean="0">
+                    <a:solidFill>
+                      <a:schemeClr val="tx1">
+                        <a:lumMod val="50000"/>
+                        <a:lumOff val="50000"/>
+                      </a:schemeClr>
+                    </a:solidFill>
+                    <a:ea typeface="Verdana" panose="020B0604030504040204" pitchFamily="34" charset="0"/>
+                    <a:cs typeface="Verdana" panose="020B0604030504040204" pitchFamily="34" charset="0"/>
+                  </a:rPr>
+                  <a:t>Large</a:t>
+                </a:r>
+                <a:endParaRPr lang="en-US" sz="700" dirty="0">
+                  <a:solidFill>
+                    <a:schemeClr val="tx1">
+                      <a:lumMod val="50000"/>
+                      <a:lumOff val="50000"/>
+                    </a:schemeClr>
+                  </a:solidFill>
+                  <a:ea typeface="Verdana" panose="020B0604030504040204" pitchFamily="34" charset="0"/>
+                  <a:cs typeface="Verdana" panose="020B0604030504040204" pitchFamily="34" charset="0"/>
+                </a:endParaRPr>
+              </a:p>
+            </p:txBody>
+          </p:sp>
+          <p:sp>
+            <p:nvSpPr>
+              <p:cNvPr id="35" name="Rectangle 34"/>
+              <p:cNvSpPr/>
+              <p:nvPr/>
+            </p:nvSpPr>
+            <p:spPr>
+              <a:xfrm>
+                <a:off x="5045529" y="2603205"/>
+                <a:ext cx="653142" cy="183538"/>
+              </a:xfrm>
+              <a:prstGeom prst="rect">
+                <a:avLst/>
+              </a:prstGeom>
+              <a:solidFill>
+                <a:schemeClr val="accent5">
+                  <a:lumMod val="40000"/>
+                  <a:lumOff val="60000"/>
+                </a:schemeClr>
+              </a:solidFill>
+            </p:spPr>
+            <p:style>
+              <a:lnRef idx="2">
+                <a:schemeClr val="accent1">
+                  <a:shade val="50000"/>
+                </a:schemeClr>
+              </a:lnRef>
+              <a:fillRef idx="1">
+                <a:schemeClr val="accent1"/>
+              </a:fillRef>
+              <a:effectRef idx="0">
+                <a:schemeClr val="accent1"/>
+              </a:effectRef>
+              <a:fontRef idx="minor">
+                <a:schemeClr val="lt1"/>
+              </a:fontRef>
+            </p:style>
+            <p:txBody>
+              <a:bodyPr rtlCol="0" anchor="ctr"/>
+              <a:lstStyle/>
+              <a:p>
+                <a:r>
+                  <a:rPr lang="en-US" sz="700" dirty="0" smtClean="0">
+                    <a:solidFill>
+                      <a:schemeClr val="tx1">
+                        <a:lumMod val="50000"/>
+                        <a:lumOff val="50000"/>
+                      </a:schemeClr>
+                    </a:solidFill>
+                    <a:ea typeface="Verdana" panose="020B0604030504040204" pitchFamily="34" charset="0"/>
+                    <a:cs typeface="Verdana" panose="020B0604030504040204" pitchFamily="34" charset="0"/>
+                  </a:rPr>
+                  <a:t>ESB_Logging</a:t>
+                </a:r>
+                <a:endParaRPr lang="en-US" sz="700" dirty="0">
+                  <a:solidFill>
+                    <a:schemeClr val="tx1">
+                      <a:lumMod val="50000"/>
+                      <a:lumOff val="50000"/>
+                    </a:schemeClr>
+                  </a:solidFill>
+                  <a:ea typeface="Verdana" panose="020B0604030504040204" pitchFamily="34" charset="0"/>
+                  <a:cs typeface="Verdana" panose="020B0604030504040204" pitchFamily="34" charset="0"/>
+                </a:endParaRPr>
+              </a:p>
+            </p:txBody>
+          </p:sp>
+          <p:sp>
+            <p:nvSpPr>
+              <p:cNvPr id="36" name="Rectangle 35"/>
+              <p:cNvSpPr/>
+              <p:nvPr/>
+            </p:nvSpPr>
+            <p:spPr>
+              <a:xfrm>
+                <a:off x="4637314" y="2604724"/>
+                <a:ext cx="408214" cy="183538"/>
+              </a:xfrm>
+              <a:prstGeom prst="rect">
+                <a:avLst/>
+              </a:prstGeom>
+              <a:solidFill>
+                <a:schemeClr val="accent5">
+                  <a:lumMod val="40000"/>
+                  <a:lumOff val="60000"/>
+                </a:schemeClr>
+              </a:solidFill>
+            </p:spPr>
+            <p:style>
+              <a:lnRef idx="2">
+                <a:schemeClr val="accent1">
+                  <a:shade val="50000"/>
+                </a:schemeClr>
+              </a:lnRef>
+              <a:fillRef idx="1">
+                <a:schemeClr val="accent1"/>
+              </a:fillRef>
+              <a:effectRef idx="0">
+                <a:schemeClr val="accent1"/>
+              </a:effectRef>
+              <a:fontRef idx="minor">
+                <a:schemeClr val="lt1"/>
+              </a:fontRef>
+            </p:style>
+            <p:txBody>
+              <a:bodyPr rtlCol="0" anchor="ctr"/>
+              <a:lstStyle/>
+              <a:p>
+                <a:pPr algn="ctr"/>
+                <a:r>
+                  <a:rPr lang="en-US" sz="700" dirty="0" smtClean="0">
+                    <a:solidFill>
+                      <a:schemeClr val="tx1">
+                        <a:lumMod val="50000"/>
+                        <a:lumOff val="50000"/>
+                      </a:schemeClr>
+                    </a:solidFill>
+                    <a:ea typeface="Verdana" panose="020B0604030504040204" pitchFamily="34" charset="0"/>
+                    <a:cs typeface="Verdana" panose="020B0604030504040204" pitchFamily="34" charset="0"/>
+                  </a:rPr>
+                  <a:t>Large</a:t>
+                </a:r>
+                <a:endParaRPr lang="en-US" sz="700" dirty="0">
+                  <a:solidFill>
+                    <a:schemeClr val="tx1">
+                      <a:lumMod val="50000"/>
+                      <a:lumOff val="50000"/>
+                    </a:schemeClr>
+                  </a:solidFill>
+                  <a:ea typeface="Verdana" panose="020B0604030504040204" pitchFamily="34" charset="0"/>
+                  <a:cs typeface="Verdana" panose="020B0604030504040204" pitchFamily="34" charset="0"/>
+                </a:endParaRPr>
+              </a:p>
+            </p:txBody>
+          </p:sp>
+        </p:grpSp>
+        <p:grpSp>
+          <p:nvGrpSpPr>
+            <p:cNvPr id="148" name="Group 147"/>
+            <p:cNvGrpSpPr/>
+            <p:nvPr/>
+          </p:nvGrpSpPr>
+          <p:grpSpPr>
+            <a:xfrm>
+              <a:off x="6022520" y="3316218"/>
+              <a:ext cx="1061358" cy="953707"/>
+              <a:chOff x="6022520" y="3144768"/>
+              <a:chExt cx="1061358" cy="953707"/>
+            </a:xfrm>
+          </p:grpSpPr>
+          <p:grpSp>
+            <p:nvGrpSpPr>
+              <p:cNvPr id="37" name="Group 36"/>
+              <p:cNvGrpSpPr/>
+              <p:nvPr/>
+            </p:nvGrpSpPr>
+            <p:grpSpPr>
+              <a:xfrm>
+                <a:off x="6022521" y="3144768"/>
+                <a:ext cx="1061357" cy="602640"/>
+                <a:chOff x="4637314" y="1738993"/>
+                <a:chExt cx="1061357" cy="602640"/>
+              </a:xfrm>
+            </p:grpSpPr>
+            <p:sp>
+              <p:nvSpPr>
+                <p:cNvPr id="38" name="Rectangle 37"/>
+                <p:cNvSpPr/>
+                <p:nvPr/>
+              </p:nvSpPr>
+              <p:spPr>
+                <a:xfrm>
+                  <a:off x="4637314" y="1967595"/>
+                  <a:ext cx="1061357" cy="374038"/>
+                </a:xfrm>
+                <a:prstGeom prst="rect">
+                  <a:avLst/>
+                </a:prstGeom>
+                <a:noFill/>
+              </p:spPr>
+              <p:style>
+                <a:lnRef idx="2">
+                  <a:schemeClr val="accent1">
+                    <a:shade val="50000"/>
+                  </a:schemeClr>
+                </a:lnRef>
+                <a:fillRef idx="1">
+                  <a:schemeClr val="accent1"/>
+                </a:fillRef>
+                <a:effectRef idx="0">
+                  <a:schemeClr val="accent1"/>
+                </a:effectRef>
+                <a:fontRef idx="minor">
+                  <a:schemeClr val="lt1"/>
+                </a:fontRef>
+              </p:style>
+              <p:txBody>
+                <a:bodyPr rtlCol="0" anchor="ctr"/>
+                <a:lstStyle/>
+                <a:p>
+                  <a:pPr algn="ctr"/>
+                  <a:r>
+                    <a:rPr lang="en-US" sz="800" dirty="0" smtClean="0">
+                      <a:solidFill>
+                        <a:schemeClr val="bg1">
+                          <a:lumMod val="65000"/>
+                        </a:schemeClr>
+                      </a:solidFill>
+                      <a:latin typeface="Verdana" panose="020B0604030504040204" pitchFamily="34" charset="0"/>
+                      <a:ea typeface="Verdana" panose="020B0604030504040204" pitchFamily="34" charset="0"/>
+                      <a:cs typeface="Verdana" panose="020B0604030504040204" pitchFamily="34" charset="0"/>
+                    </a:rPr>
+                    <a:t>VMR A</a:t>
+                  </a:r>
+                </a:p>
+                <a:p>
+                  <a:pPr algn="ctr"/>
+                  <a:r>
+                    <a:rPr lang="en-US" sz="800" dirty="0" smtClean="0">
+                      <a:solidFill>
+                        <a:schemeClr val="bg1">
+                          <a:lumMod val="65000"/>
+                        </a:schemeClr>
+                      </a:solidFill>
+                      <a:latin typeface="Verdana" panose="020B0604030504040204" pitchFamily="34" charset="0"/>
+                      <a:ea typeface="Verdana" panose="020B0604030504040204" pitchFamily="34" charset="0"/>
+                      <a:cs typeface="Verdana" panose="020B0604030504040204" pitchFamily="34" charset="0"/>
+                    </a:rPr>
+                    <a:t>(Monitor)</a:t>
+                  </a:r>
+                  <a:endParaRPr lang="en-US" sz="800" dirty="0">
+                    <a:solidFill>
+                      <a:schemeClr val="bg1">
+                        <a:lumMod val="65000"/>
+                      </a:schemeClr>
+                    </a:solidFill>
+                    <a:latin typeface="Verdana" panose="020B0604030504040204" pitchFamily="34" charset="0"/>
+                    <a:ea typeface="Verdana" panose="020B0604030504040204" pitchFamily="34" charset="0"/>
+                    <a:cs typeface="Verdana" panose="020B0604030504040204" pitchFamily="34" charset="0"/>
+                  </a:endParaRPr>
+                </a:p>
+              </p:txBody>
+            </p:sp>
+            <p:sp>
+              <p:nvSpPr>
+                <p:cNvPr id="39" name="Rectangle 38"/>
+                <p:cNvSpPr/>
+                <p:nvPr/>
+              </p:nvSpPr>
+              <p:spPr>
+                <a:xfrm>
+                  <a:off x="4637314" y="1738993"/>
+                  <a:ext cx="1061357" cy="228601"/>
+                </a:xfrm>
+                <a:prstGeom prst="rect">
+                  <a:avLst/>
+                </a:prstGeom>
+              </p:spPr>
+              <p:style>
+                <a:lnRef idx="2">
+                  <a:schemeClr val="accent1">
+                    <a:shade val="50000"/>
+                  </a:schemeClr>
+                </a:lnRef>
+                <a:fillRef idx="1">
+                  <a:schemeClr val="accent1"/>
+                </a:fillRef>
+                <a:effectRef idx="0">
+                  <a:schemeClr val="accent1"/>
+                </a:effectRef>
+                <a:fontRef idx="minor">
+                  <a:schemeClr val="lt1"/>
+                </a:fontRef>
+              </p:style>
+              <p:txBody>
+                <a:bodyPr rtlCol="0" anchor="ctr"/>
+                <a:lstStyle/>
+                <a:p>
+                  <a:pPr algn="ctr"/>
+                  <a:r>
+                    <a:rPr lang="en-US" sz="1000" dirty="0" smtClean="0">
+                      <a:latin typeface="Verdana" panose="020B0604030504040204" pitchFamily="34" charset="0"/>
+                      <a:ea typeface="Verdana" panose="020B0604030504040204" pitchFamily="34" charset="0"/>
+                      <a:cs typeface="Verdana" panose="020B0604030504040204" pitchFamily="34" charset="0"/>
+                    </a:rPr>
+                    <a:t>VM 3</a:t>
+                  </a:r>
+                  <a:endParaRPr lang="en-US" sz="1000" dirty="0">
+                    <a:latin typeface="Verdana" panose="020B0604030504040204" pitchFamily="34" charset="0"/>
+                    <a:ea typeface="Verdana" panose="020B0604030504040204" pitchFamily="34" charset="0"/>
+                    <a:cs typeface="Verdana" panose="020B0604030504040204" pitchFamily="34" charset="0"/>
+                  </a:endParaRPr>
+                </a:p>
+              </p:txBody>
+            </p:sp>
+          </p:grpSp>
+          <p:sp>
+            <p:nvSpPr>
+              <p:cNvPr id="58" name="Rectangle 57"/>
+              <p:cNvSpPr/>
+              <p:nvPr/>
+            </p:nvSpPr>
+            <p:spPr>
+              <a:xfrm>
+                <a:off x="6022520" y="3745004"/>
+                <a:ext cx="1061357" cy="353471"/>
+              </a:xfrm>
+              <a:prstGeom prst="rect">
+                <a:avLst/>
+              </a:prstGeom>
+              <a:noFill/>
+            </p:spPr>
+            <p:style>
+              <a:lnRef idx="2">
+                <a:schemeClr val="accent1">
+                  <a:shade val="50000"/>
+                </a:schemeClr>
+              </a:lnRef>
+              <a:fillRef idx="1">
+                <a:schemeClr val="accent1"/>
+              </a:fillRef>
+              <a:effectRef idx="0">
+                <a:schemeClr val="accent1"/>
+              </a:effectRef>
+              <a:fontRef idx="minor">
+                <a:schemeClr val="lt1"/>
+              </a:fontRef>
+            </p:style>
+            <p:txBody>
+              <a:bodyPr rtlCol="0" anchor="ctr"/>
+              <a:lstStyle/>
+              <a:p>
+                <a:pPr algn="ctr"/>
+                <a:r>
+                  <a:rPr lang="en-US" sz="800" dirty="0" smtClean="0">
+                    <a:solidFill>
+                      <a:schemeClr val="bg1">
+                        <a:lumMod val="65000"/>
+                      </a:schemeClr>
+                    </a:solidFill>
+                    <a:latin typeface="Verdana" panose="020B0604030504040204" pitchFamily="34" charset="0"/>
+                    <a:ea typeface="Verdana" panose="020B0604030504040204" pitchFamily="34" charset="0"/>
+                    <a:cs typeface="Verdana" panose="020B0604030504040204" pitchFamily="34" charset="0"/>
+                  </a:rPr>
+                  <a:t>VMR B</a:t>
+                </a:r>
+              </a:p>
+              <a:p>
+                <a:pPr algn="ctr"/>
+                <a:r>
+                  <a:rPr lang="en-US" sz="800" dirty="0" smtClean="0">
+                    <a:solidFill>
+                      <a:schemeClr val="bg1">
+                        <a:lumMod val="65000"/>
+                      </a:schemeClr>
+                    </a:solidFill>
+                    <a:latin typeface="Verdana" panose="020B0604030504040204" pitchFamily="34" charset="0"/>
+                    <a:ea typeface="Verdana" panose="020B0604030504040204" pitchFamily="34" charset="0"/>
+                    <a:cs typeface="Verdana" panose="020B0604030504040204" pitchFamily="34" charset="0"/>
+                  </a:rPr>
+                  <a:t>(Monitor)</a:t>
+                </a:r>
+                <a:endParaRPr lang="en-US" sz="800" dirty="0">
+                  <a:solidFill>
+                    <a:schemeClr val="bg1">
+                      <a:lumMod val="65000"/>
+                    </a:schemeClr>
+                  </a:solidFill>
+                  <a:latin typeface="Verdana" panose="020B0604030504040204" pitchFamily="34" charset="0"/>
+                  <a:ea typeface="Verdana" panose="020B0604030504040204" pitchFamily="34" charset="0"/>
+                  <a:cs typeface="Verdana" panose="020B0604030504040204" pitchFamily="34" charset="0"/>
+                </a:endParaRPr>
+              </a:p>
+            </p:txBody>
+          </p:sp>
+        </p:grpSp>
+        <p:grpSp>
+          <p:nvGrpSpPr>
+            <p:cNvPr id="66" name="Group 65"/>
+            <p:cNvGrpSpPr/>
+            <p:nvPr/>
+          </p:nvGrpSpPr>
+          <p:grpSpPr>
+            <a:xfrm>
+              <a:off x="7071178" y="1857219"/>
+              <a:ext cx="1061358" cy="1049269"/>
+              <a:chOff x="4637314" y="1738993"/>
+              <a:chExt cx="1061358" cy="1049269"/>
+            </a:xfrm>
+          </p:grpSpPr>
+          <p:sp>
+            <p:nvSpPr>
+              <p:cNvPr id="67" name="Rectangle 66"/>
+              <p:cNvSpPr/>
+              <p:nvPr/>
+            </p:nvSpPr>
+            <p:spPr>
+              <a:xfrm>
+                <a:off x="4637314" y="1967594"/>
+                <a:ext cx="1061357" cy="453275"/>
+              </a:xfrm>
+              <a:prstGeom prst="rect">
+                <a:avLst/>
+              </a:prstGeom>
+              <a:noFill/>
+            </p:spPr>
+            <p:style>
+              <a:lnRef idx="2">
+                <a:schemeClr val="accent1">
+                  <a:shade val="50000"/>
+                </a:schemeClr>
+              </a:lnRef>
+              <a:fillRef idx="1">
+                <a:schemeClr val="accent1"/>
+              </a:fillRef>
+              <a:effectRef idx="0">
+                <a:schemeClr val="accent1"/>
+              </a:effectRef>
+              <a:fontRef idx="minor">
+                <a:schemeClr val="lt1"/>
+              </a:fontRef>
+            </p:style>
+            <p:txBody>
+              <a:bodyPr rtlCol="0" anchor="ctr"/>
+              <a:lstStyle/>
+              <a:p>
+                <a:pPr algn="ctr"/>
+                <a:r>
+                  <a:rPr lang="en-US" sz="800" dirty="0" smtClean="0">
+                    <a:solidFill>
+                      <a:schemeClr val="bg1">
+                        <a:lumMod val="65000"/>
+                      </a:schemeClr>
+                    </a:solidFill>
+                    <a:latin typeface="Verdana" panose="020B0604030504040204" pitchFamily="34" charset="0"/>
+                    <a:ea typeface="Verdana" panose="020B0604030504040204" pitchFamily="34" charset="0"/>
+                    <a:cs typeface="Verdana" panose="020B0604030504040204" pitchFamily="34" charset="0"/>
+                  </a:rPr>
+                  <a:t>VMR A </a:t>
+                </a:r>
+              </a:p>
+              <a:p>
+                <a:pPr algn="ctr"/>
+                <a:r>
+                  <a:rPr lang="en-US" sz="800" dirty="0" smtClean="0">
+                    <a:solidFill>
+                      <a:schemeClr val="bg1">
+                        <a:lumMod val="65000"/>
+                      </a:schemeClr>
+                    </a:solidFill>
+                    <a:latin typeface="Verdana" panose="020B0604030504040204" pitchFamily="34" charset="0"/>
+                    <a:ea typeface="Verdana" panose="020B0604030504040204" pitchFamily="34" charset="0"/>
+                    <a:cs typeface="Verdana" panose="020B0604030504040204" pitchFamily="34" charset="0"/>
+                  </a:rPr>
+                  <a:t>(Secondary)</a:t>
+                </a:r>
+                <a:endParaRPr lang="en-US" sz="800" dirty="0">
+                  <a:solidFill>
+                    <a:schemeClr val="bg1">
+                      <a:lumMod val="65000"/>
+                    </a:schemeClr>
+                  </a:solidFill>
+                  <a:latin typeface="Verdana" panose="020B0604030504040204" pitchFamily="34" charset="0"/>
+                  <a:ea typeface="Verdana" panose="020B0604030504040204" pitchFamily="34" charset="0"/>
+                  <a:cs typeface="Verdana" panose="020B0604030504040204" pitchFamily="34" charset="0"/>
+                </a:endParaRPr>
+              </a:p>
+            </p:txBody>
+          </p:sp>
+          <p:sp>
+            <p:nvSpPr>
+              <p:cNvPr id="68" name="Rectangle 67"/>
+              <p:cNvSpPr/>
+              <p:nvPr/>
+            </p:nvSpPr>
+            <p:spPr>
+              <a:xfrm>
+                <a:off x="4637314" y="1738993"/>
+                <a:ext cx="1061357" cy="228601"/>
+              </a:xfrm>
+              <a:prstGeom prst="rect">
+                <a:avLst/>
+              </a:prstGeom>
+            </p:spPr>
+            <p:style>
+              <a:lnRef idx="2">
+                <a:schemeClr val="accent1">
+                  <a:shade val="50000"/>
+                </a:schemeClr>
+              </a:lnRef>
+              <a:fillRef idx="1">
+                <a:schemeClr val="accent1"/>
+              </a:fillRef>
+              <a:effectRef idx="0">
+                <a:schemeClr val="accent1"/>
+              </a:effectRef>
+              <a:fontRef idx="minor">
+                <a:schemeClr val="lt1"/>
+              </a:fontRef>
+            </p:style>
+            <p:txBody>
+              <a:bodyPr rtlCol="0" anchor="ctr"/>
+              <a:lstStyle/>
+              <a:p>
+                <a:pPr algn="ctr"/>
+                <a:r>
+                  <a:rPr lang="en-US" sz="1000" dirty="0" smtClean="0">
+                    <a:latin typeface="Verdana" panose="020B0604030504040204" pitchFamily="34" charset="0"/>
+                    <a:ea typeface="Verdana" panose="020B0604030504040204" pitchFamily="34" charset="0"/>
+                    <a:cs typeface="Verdana" panose="020B0604030504040204" pitchFamily="34" charset="0"/>
+                  </a:rPr>
+                  <a:t>VM 2</a:t>
+                </a:r>
+                <a:endParaRPr lang="en-US" sz="1000" dirty="0">
+                  <a:latin typeface="Verdana" panose="020B0604030504040204" pitchFamily="34" charset="0"/>
+                  <a:ea typeface="Verdana" panose="020B0604030504040204" pitchFamily="34" charset="0"/>
+                  <a:cs typeface="Verdana" panose="020B0604030504040204" pitchFamily="34" charset="0"/>
+                </a:endParaRPr>
+              </a:p>
+            </p:txBody>
+          </p:sp>
+          <p:sp>
+            <p:nvSpPr>
+              <p:cNvPr id="69" name="Rectangle 68"/>
+              <p:cNvSpPr/>
+              <p:nvPr/>
+            </p:nvSpPr>
+            <p:spPr>
+              <a:xfrm>
+                <a:off x="5045530" y="2411661"/>
+                <a:ext cx="653142" cy="183538"/>
+              </a:xfrm>
+              <a:prstGeom prst="rect">
+                <a:avLst/>
+              </a:prstGeom>
+              <a:solidFill>
+                <a:schemeClr val="accent5">
+                  <a:lumMod val="40000"/>
+                  <a:lumOff val="60000"/>
+                </a:schemeClr>
+              </a:solidFill>
+            </p:spPr>
+            <p:style>
+              <a:lnRef idx="2">
+                <a:schemeClr val="accent1">
+                  <a:shade val="50000"/>
+                </a:schemeClr>
+              </a:lnRef>
+              <a:fillRef idx="1">
+                <a:schemeClr val="accent1"/>
+              </a:fillRef>
+              <a:effectRef idx="0">
+                <a:schemeClr val="accent1"/>
+              </a:effectRef>
+              <a:fontRef idx="minor">
+                <a:schemeClr val="lt1"/>
+              </a:fontRef>
+            </p:style>
+            <p:txBody>
+              <a:bodyPr rtlCol="0" anchor="ctr"/>
+              <a:lstStyle/>
+              <a:p>
+                <a:r>
+                  <a:rPr lang="en-US" sz="700" dirty="0" smtClean="0">
+                    <a:solidFill>
+                      <a:schemeClr val="tx1">
+                        <a:lumMod val="50000"/>
+                        <a:lumOff val="50000"/>
+                      </a:schemeClr>
+                    </a:solidFill>
+                    <a:ea typeface="Verdana" panose="020B0604030504040204" pitchFamily="34" charset="0"/>
+                    <a:cs typeface="Verdana" panose="020B0604030504040204" pitchFamily="34" charset="0"/>
+                  </a:rPr>
+                  <a:t>ESB_Service</a:t>
+                </a:r>
+                <a:endParaRPr lang="en-US" sz="700" dirty="0">
+                  <a:solidFill>
+                    <a:schemeClr val="tx1">
+                      <a:lumMod val="50000"/>
+                      <a:lumOff val="50000"/>
+                    </a:schemeClr>
+                  </a:solidFill>
+                  <a:ea typeface="Verdana" panose="020B0604030504040204" pitchFamily="34" charset="0"/>
+                  <a:cs typeface="Verdana" panose="020B0604030504040204" pitchFamily="34" charset="0"/>
+                </a:endParaRPr>
+              </a:p>
+            </p:txBody>
+          </p:sp>
+          <p:sp>
+            <p:nvSpPr>
+              <p:cNvPr id="70" name="Rectangle 69"/>
+              <p:cNvSpPr/>
+              <p:nvPr/>
+            </p:nvSpPr>
+            <p:spPr>
+              <a:xfrm>
+                <a:off x="4637314" y="2419667"/>
+                <a:ext cx="408214" cy="183538"/>
+              </a:xfrm>
+              <a:prstGeom prst="rect">
+                <a:avLst/>
+              </a:prstGeom>
+              <a:solidFill>
+                <a:schemeClr val="accent5">
+                  <a:lumMod val="40000"/>
+                  <a:lumOff val="60000"/>
+                </a:schemeClr>
+              </a:solidFill>
+            </p:spPr>
+            <p:style>
+              <a:lnRef idx="2">
+                <a:schemeClr val="accent1">
+                  <a:shade val="50000"/>
+                </a:schemeClr>
+              </a:lnRef>
+              <a:fillRef idx="1">
+                <a:schemeClr val="accent1"/>
+              </a:fillRef>
+              <a:effectRef idx="0">
+                <a:schemeClr val="accent1"/>
+              </a:effectRef>
+              <a:fontRef idx="minor">
+                <a:schemeClr val="lt1"/>
+              </a:fontRef>
+            </p:style>
+            <p:txBody>
+              <a:bodyPr rtlCol="0" anchor="ctr"/>
+              <a:lstStyle/>
+              <a:p>
+                <a:pPr algn="ctr"/>
+                <a:r>
+                  <a:rPr lang="en-US" sz="700" dirty="0" smtClean="0">
+                    <a:solidFill>
+                      <a:schemeClr val="tx1">
+                        <a:lumMod val="50000"/>
+                        <a:lumOff val="50000"/>
+                      </a:schemeClr>
+                    </a:solidFill>
+                    <a:ea typeface="Verdana" panose="020B0604030504040204" pitchFamily="34" charset="0"/>
+                    <a:cs typeface="Verdana" panose="020B0604030504040204" pitchFamily="34" charset="0"/>
+                  </a:rPr>
+                  <a:t>Large</a:t>
+                </a:r>
+                <a:endParaRPr lang="en-US" sz="700" dirty="0">
+                  <a:solidFill>
+                    <a:schemeClr val="tx1">
+                      <a:lumMod val="50000"/>
+                      <a:lumOff val="50000"/>
+                    </a:schemeClr>
+                  </a:solidFill>
+                  <a:ea typeface="Verdana" panose="020B0604030504040204" pitchFamily="34" charset="0"/>
+                  <a:cs typeface="Verdana" panose="020B0604030504040204" pitchFamily="34" charset="0"/>
+                </a:endParaRPr>
+              </a:p>
+            </p:txBody>
+          </p:sp>
+          <p:sp>
+            <p:nvSpPr>
+              <p:cNvPr id="71" name="Rectangle 70"/>
+              <p:cNvSpPr/>
+              <p:nvPr/>
+            </p:nvSpPr>
+            <p:spPr>
+              <a:xfrm>
+                <a:off x="5045529" y="2603205"/>
+                <a:ext cx="653142" cy="183538"/>
+              </a:xfrm>
+              <a:prstGeom prst="rect">
+                <a:avLst/>
+              </a:prstGeom>
+              <a:solidFill>
+                <a:schemeClr val="accent5">
+                  <a:lumMod val="40000"/>
+                  <a:lumOff val="60000"/>
+                </a:schemeClr>
+              </a:solidFill>
+            </p:spPr>
+            <p:style>
+              <a:lnRef idx="2">
+                <a:schemeClr val="accent1">
+                  <a:shade val="50000"/>
+                </a:schemeClr>
+              </a:lnRef>
+              <a:fillRef idx="1">
+                <a:schemeClr val="accent1"/>
+              </a:fillRef>
+              <a:effectRef idx="0">
+                <a:schemeClr val="accent1"/>
+              </a:effectRef>
+              <a:fontRef idx="minor">
+                <a:schemeClr val="lt1"/>
+              </a:fontRef>
+            </p:style>
+            <p:txBody>
+              <a:bodyPr rtlCol="0" anchor="ctr"/>
+              <a:lstStyle/>
+              <a:p>
+                <a:r>
+                  <a:rPr lang="en-US" sz="700" dirty="0" smtClean="0">
+                    <a:solidFill>
+                      <a:schemeClr val="tx1">
+                        <a:lumMod val="50000"/>
+                        <a:lumOff val="50000"/>
+                      </a:schemeClr>
+                    </a:solidFill>
+                    <a:ea typeface="Verdana" panose="020B0604030504040204" pitchFamily="34" charset="0"/>
+                    <a:cs typeface="Verdana" panose="020B0604030504040204" pitchFamily="34" charset="0"/>
+                  </a:rPr>
+                  <a:t>ESB_Logging</a:t>
+                </a:r>
+                <a:endParaRPr lang="en-US" sz="700" dirty="0">
+                  <a:solidFill>
+                    <a:schemeClr val="tx1">
+                      <a:lumMod val="50000"/>
+                      <a:lumOff val="50000"/>
+                    </a:schemeClr>
+                  </a:solidFill>
+                  <a:ea typeface="Verdana" panose="020B0604030504040204" pitchFamily="34" charset="0"/>
+                  <a:cs typeface="Verdana" panose="020B0604030504040204" pitchFamily="34" charset="0"/>
+                </a:endParaRPr>
+              </a:p>
+            </p:txBody>
+          </p:sp>
+          <p:sp>
+            <p:nvSpPr>
+              <p:cNvPr id="72" name="Rectangle 71"/>
+              <p:cNvSpPr/>
+              <p:nvPr/>
+            </p:nvSpPr>
+            <p:spPr>
+              <a:xfrm>
+                <a:off x="4637314" y="2604724"/>
+                <a:ext cx="408214" cy="183538"/>
+              </a:xfrm>
+              <a:prstGeom prst="rect">
+                <a:avLst/>
+              </a:prstGeom>
+              <a:solidFill>
+                <a:schemeClr val="accent5">
+                  <a:lumMod val="40000"/>
+                  <a:lumOff val="60000"/>
+                </a:schemeClr>
+              </a:solidFill>
+            </p:spPr>
+            <p:style>
+              <a:lnRef idx="2">
+                <a:schemeClr val="accent1">
+                  <a:shade val="50000"/>
+                </a:schemeClr>
+              </a:lnRef>
+              <a:fillRef idx="1">
+                <a:schemeClr val="accent1"/>
+              </a:fillRef>
+              <a:effectRef idx="0">
+                <a:schemeClr val="accent1"/>
+              </a:effectRef>
+              <a:fontRef idx="minor">
+                <a:schemeClr val="lt1"/>
+              </a:fontRef>
+            </p:style>
+            <p:txBody>
+              <a:bodyPr rtlCol="0" anchor="ctr"/>
+              <a:lstStyle/>
+              <a:p>
+                <a:pPr algn="ctr"/>
+                <a:r>
+                  <a:rPr lang="en-US" sz="700" dirty="0" smtClean="0">
+                    <a:solidFill>
+                      <a:schemeClr val="tx1">
+                        <a:lumMod val="50000"/>
+                        <a:lumOff val="50000"/>
+                      </a:schemeClr>
+                    </a:solidFill>
+                    <a:ea typeface="Verdana" panose="020B0604030504040204" pitchFamily="34" charset="0"/>
+                    <a:cs typeface="Verdana" panose="020B0604030504040204" pitchFamily="34" charset="0"/>
+                  </a:rPr>
+                  <a:t>Large</a:t>
+                </a:r>
+                <a:endParaRPr lang="en-US" sz="700" dirty="0">
+                  <a:solidFill>
+                    <a:schemeClr val="tx1">
+                      <a:lumMod val="50000"/>
+                      <a:lumOff val="50000"/>
+                    </a:schemeClr>
+                  </a:solidFill>
+                  <a:ea typeface="Verdana" panose="020B0604030504040204" pitchFamily="34" charset="0"/>
+                  <a:cs typeface="Verdana" panose="020B0604030504040204" pitchFamily="34" charset="0"/>
+                </a:endParaRPr>
+              </a:p>
+            </p:txBody>
+          </p:sp>
+        </p:grpSp>
+        <p:sp>
+          <p:nvSpPr>
+            <p:cNvPr id="114" name="Rectangle 113"/>
+            <p:cNvSpPr/>
+            <p:nvPr/>
+          </p:nvSpPr>
+          <p:spPr>
+            <a:xfrm>
+              <a:off x="4591050" y="1172139"/>
+              <a:ext cx="3924301" cy="361386"/>
+            </a:xfrm>
+            <a:prstGeom prst="rect">
+              <a:avLst/>
+            </a:prstGeom>
+          </p:spPr>
+          <p:style>
+            <a:lnRef idx="2">
+              <a:schemeClr val="accent1">
+                <a:shade val="50000"/>
+              </a:schemeClr>
+            </a:lnRef>
+            <a:fillRef idx="1">
+              <a:schemeClr val="accent1"/>
+            </a:fillRef>
+            <a:effectRef idx="0">
+              <a:schemeClr val="accent1"/>
+            </a:effectRef>
+            <a:fontRef idx="minor">
+              <a:schemeClr val="lt1"/>
+            </a:fontRef>
+          </p:style>
+          <p:txBody>
+            <a:bodyPr rtlCol="0" anchor="ctr"/>
+            <a:lstStyle/>
+            <a:p>
+              <a:pPr algn="ctr"/>
+              <a:r>
+                <a:rPr lang="en-US" sz="1000" b="1" dirty="0" smtClean="0">
+                  <a:latin typeface="Verdana" panose="020B0604030504040204" pitchFamily="34" charset="0"/>
+                  <a:ea typeface="Verdana" panose="020B0604030504040204" pitchFamily="34" charset="0"/>
+                  <a:cs typeface="Verdana" panose="020B0604030504040204" pitchFamily="34" charset="0"/>
+                </a:rPr>
+                <a:t>Deployment Architecture</a:t>
+              </a:r>
+              <a:endParaRPr lang="en-US" sz="1000" b="1" dirty="0">
+                <a:latin typeface="Verdana" panose="020B0604030504040204" pitchFamily="34" charset="0"/>
+                <a:ea typeface="Verdana" panose="020B0604030504040204" pitchFamily="34" charset="0"/>
+                <a:cs typeface="Verdana" panose="020B0604030504040204" pitchFamily="34" charset="0"/>
+              </a:endParaRPr>
+            </a:p>
+          </p:txBody>
+        </p:sp>
+        <p:cxnSp>
+          <p:nvCxnSpPr>
+            <p:cNvPr id="118" name="Elbow Connector 117"/>
+            <p:cNvCxnSpPr>
+              <a:stCxn id="31" idx="3"/>
+              <a:endCxn id="39" idx="0"/>
+            </p:cNvCxnSpPr>
+            <p:nvPr/>
+          </p:nvCxnSpPr>
+          <p:spPr>
+            <a:xfrm>
+              <a:off x="6018890" y="2331508"/>
+              <a:ext cx="534310" cy="984710"/>
+            </a:xfrm>
+            <a:prstGeom prst="bentConnector2">
+              <a:avLst/>
+            </a:prstGeom>
+            <a:ln>
+              <a:headEnd type="arrow"/>
+              <a:tailEnd type="arrow"/>
+            </a:ln>
+          </p:spPr>
+          <p:style>
+            <a:lnRef idx="1">
+              <a:schemeClr val="accent1"/>
+            </a:lnRef>
+            <a:fillRef idx="0">
+              <a:schemeClr val="accent1"/>
+            </a:fillRef>
+            <a:effectRef idx="0">
+              <a:schemeClr val="accent1"/>
+            </a:effectRef>
+            <a:fontRef idx="minor">
+              <a:schemeClr val="tx1"/>
+            </a:fontRef>
+          </p:style>
+        </p:cxnSp>
+        <p:cxnSp>
+          <p:nvCxnSpPr>
+            <p:cNvPr id="120" name="Elbow Connector 119"/>
+            <p:cNvCxnSpPr>
+              <a:stCxn id="39" idx="0"/>
+              <a:endCxn id="67" idx="1"/>
+            </p:cNvCxnSpPr>
+            <p:nvPr/>
+          </p:nvCxnSpPr>
+          <p:spPr>
+            <a:xfrm rot="5400000" flipH="1" flipV="1">
+              <a:off x="6310309" y="2555349"/>
+              <a:ext cx="1003760" cy="517978"/>
+            </a:xfrm>
+            <a:prstGeom prst="bentConnector2">
+              <a:avLst/>
+            </a:prstGeom>
+            <a:ln>
+              <a:headEnd type="arrow"/>
+              <a:tailEnd type="arrow"/>
+            </a:ln>
+          </p:spPr>
+          <p:style>
+            <a:lnRef idx="1">
+              <a:schemeClr val="accent1"/>
+            </a:lnRef>
+            <a:fillRef idx="0">
+              <a:schemeClr val="accent1"/>
+            </a:fillRef>
+            <a:effectRef idx="0">
+              <a:schemeClr val="accent1"/>
+            </a:effectRef>
+            <a:fontRef idx="minor">
+              <a:schemeClr val="tx1"/>
+            </a:fontRef>
+          </p:style>
+        </p:cxnSp>
+        <p:cxnSp>
+          <p:nvCxnSpPr>
+            <p:cNvPr id="122" name="Elbow Connector 121"/>
+            <p:cNvCxnSpPr>
+              <a:stCxn id="58" idx="2"/>
+              <a:endCxn id="81" idx="3"/>
+            </p:cNvCxnSpPr>
+            <p:nvPr/>
+          </p:nvCxnSpPr>
+          <p:spPr>
+            <a:xfrm rot="5400000">
+              <a:off x="5964158" y="4324656"/>
+              <a:ext cx="643773" cy="534311"/>
+            </a:xfrm>
+            <a:prstGeom prst="bentConnector2">
+              <a:avLst/>
+            </a:prstGeom>
+            <a:ln>
+              <a:headEnd type="arrow"/>
+              <a:tailEnd type="arrow"/>
+            </a:ln>
+          </p:spPr>
+          <p:style>
+            <a:lnRef idx="1">
+              <a:schemeClr val="accent1"/>
+            </a:lnRef>
+            <a:fillRef idx="0">
+              <a:schemeClr val="accent1"/>
+            </a:fillRef>
+            <a:effectRef idx="0">
+              <a:schemeClr val="accent1"/>
+            </a:effectRef>
+            <a:fontRef idx="minor">
+              <a:schemeClr val="tx1"/>
+            </a:fontRef>
+          </p:style>
+        </p:cxnSp>
+        <p:cxnSp>
+          <p:nvCxnSpPr>
+            <p:cNvPr id="124" name="Elbow Connector 123"/>
+            <p:cNvCxnSpPr>
+              <a:stCxn id="58" idx="2"/>
+            </p:cNvCxnSpPr>
+            <p:nvPr/>
+          </p:nvCxnSpPr>
+          <p:spPr>
+            <a:xfrm rot="16200000" flipH="1">
+              <a:off x="6490304" y="4332820"/>
+              <a:ext cx="643770" cy="517980"/>
+            </a:xfrm>
+            <a:prstGeom prst="bentConnector3">
+              <a:avLst>
+                <a:gd name="adj1" fmla="val 100305"/>
+              </a:avLst>
+            </a:prstGeom>
+            <a:ln>
+              <a:headEnd type="arrow"/>
+              <a:tailEnd type="arrow"/>
+            </a:ln>
+          </p:spPr>
+          <p:style>
+            <a:lnRef idx="1">
+              <a:schemeClr val="accent1"/>
+            </a:lnRef>
+            <a:fillRef idx="0">
+              <a:schemeClr val="accent1"/>
+            </a:fillRef>
+            <a:effectRef idx="0">
+              <a:schemeClr val="accent1"/>
+            </a:effectRef>
+            <a:fontRef idx="minor">
+              <a:schemeClr val="tx1"/>
+            </a:fontRef>
+          </p:style>
+        </p:cxnSp>
+        <p:grpSp>
+          <p:nvGrpSpPr>
+            <p:cNvPr id="135" name="Group 134"/>
+            <p:cNvGrpSpPr/>
+            <p:nvPr/>
+          </p:nvGrpSpPr>
+          <p:grpSpPr>
+            <a:xfrm>
+              <a:off x="4957530" y="4458459"/>
+              <a:ext cx="1061359" cy="1467665"/>
+              <a:chOff x="4957530" y="4267959"/>
+              <a:chExt cx="1061359" cy="1467665"/>
+            </a:xfrm>
+          </p:grpSpPr>
+          <p:sp>
+            <p:nvSpPr>
+              <p:cNvPr id="81" name="Rectangle 80"/>
+              <p:cNvSpPr/>
+              <p:nvPr/>
+            </p:nvSpPr>
+            <p:spPr>
+              <a:xfrm>
+                <a:off x="4957531" y="4496560"/>
+                <a:ext cx="1061357" cy="453275"/>
+              </a:xfrm>
+              <a:prstGeom prst="rect">
+                <a:avLst/>
+              </a:prstGeom>
+              <a:noFill/>
+            </p:spPr>
+            <p:style>
+              <a:lnRef idx="2">
+                <a:schemeClr val="accent1">
+                  <a:shade val="50000"/>
+                </a:schemeClr>
+              </a:lnRef>
+              <a:fillRef idx="1">
+                <a:schemeClr val="accent1"/>
+              </a:fillRef>
+              <a:effectRef idx="0">
+                <a:schemeClr val="accent1"/>
+              </a:effectRef>
+              <a:fontRef idx="minor">
+                <a:schemeClr val="lt1"/>
+              </a:fontRef>
+            </p:style>
+            <p:txBody>
+              <a:bodyPr rtlCol="0" anchor="ctr"/>
+              <a:lstStyle/>
+              <a:p>
+                <a:pPr algn="ctr"/>
+                <a:r>
+                  <a:rPr lang="en-US" sz="800" dirty="0" smtClean="0">
+                    <a:solidFill>
+                      <a:schemeClr val="bg1">
+                        <a:lumMod val="65000"/>
+                      </a:schemeClr>
+                    </a:solidFill>
+                    <a:latin typeface="Verdana" panose="020B0604030504040204" pitchFamily="34" charset="0"/>
+                    <a:ea typeface="Verdana" panose="020B0604030504040204" pitchFamily="34" charset="0"/>
+                    <a:cs typeface="Verdana" panose="020B0604030504040204" pitchFamily="34" charset="0"/>
+                  </a:rPr>
+                  <a:t>VMR B </a:t>
+                </a:r>
+              </a:p>
+              <a:p>
+                <a:pPr algn="ctr"/>
+                <a:r>
+                  <a:rPr lang="en-US" sz="800" dirty="0" smtClean="0">
+                    <a:solidFill>
+                      <a:schemeClr val="bg1">
+                        <a:lumMod val="65000"/>
+                      </a:schemeClr>
+                    </a:solidFill>
+                    <a:latin typeface="Verdana" panose="020B0604030504040204" pitchFamily="34" charset="0"/>
+                    <a:ea typeface="Verdana" panose="020B0604030504040204" pitchFamily="34" charset="0"/>
+                    <a:cs typeface="Verdana" panose="020B0604030504040204" pitchFamily="34" charset="0"/>
+                  </a:rPr>
+                  <a:t>(Primary)</a:t>
+                </a:r>
+                <a:endParaRPr lang="en-US" sz="800" dirty="0">
+                  <a:solidFill>
+                    <a:schemeClr val="bg1">
+                      <a:lumMod val="65000"/>
+                    </a:schemeClr>
+                  </a:solidFill>
+                  <a:latin typeface="Verdana" panose="020B0604030504040204" pitchFamily="34" charset="0"/>
+                  <a:ea typeface="Verdana" panose="020B0604030504040204" pitchFamily="34" charset="0"/>
+                  <a:cs typeface="Verdana" panose="020B0604030504040204" pitchFamily="34" charset="0"/>
+                </a:endParaRPr>
+              </a:p>
+            </p:txBody>
+          </p:sp>
+          <p:sp>
+            <p:nvSpPr>
+              <p:cNvPr id="82" name="Rectangle 81"/>
+              <p:cNvSpPr/>
+              <p:nvPr/>
+            </p:nvSpPr>
+            <p:spPr>
+              <a:xfrm>
+                <a:off x="4957531" y="4267959"/>
+                <a:ext cx="1061357" cy="228601"/>
+              </a:xfrm>
+              <a:prstGeom prst="rect">
+                <a:avLst/>
+              </a:prstGeom>
+            </p:spPr>
+            <p:style>
+              <a:lnRef idx="2">
+                <a:schemeClr val="accent1">
+                  <a:shade val="50000"/>
+                </a:schemeClr>
+              </a:lnRef>
+              <a:fillRef idx="1">
+                <a:schemeClr val="accent1"/>
+              </a:fillRef>
+              <a:effectRef idx="0">
+                <a:schemeClr val="accent1"/>
+              </a:effectRef>
+              <a:fontRef idx="minor">
+                <a:schemeClr val="lt1"/>
+              </a:fontRef>
+            </p:style>
+            <p:txBody>
+              <a:bodyPr rtlCol="0" anchor="ctr"/>
+              <a:lstStyle/>
+              <a:p>
+                <a:pPr algn="ctr"/>
+                <a:r>
+                  <a:rPr lang="en-US" sz="1000" dirty="0" smtClean="0">
+                    <a:latin typeface="Verdana" panose="020B0604030504040204" pitchFamily="34" charset="0"/>
+                    <a:ea typeface="Verdana" panose="020B0604030504040204" pitchFamily="34" charset="0"/>
+                    <a:cs typeface="Verdana" panose="020B0604030504040204" pitchFamily="34" charset="0"/>
+                  </a:rPr>
+                  <a:t>VM 3</a:t>
+                </a:r>
+                <a:endParaRPr lang="en-US" sz="1000" dirty="0">
+                  <a:latin typeface="Verdana" panose="020B0604030504040204" pitchFamily="34" charset="0"/>
+                  <a:ea typeface="Verdana" panose="020B0604030504040204" pitchFamily="34" charset="0"/>
+                  <a:cs typeface="Verdana" panose="020B0604030504040204" pitchFamily="34" charset="0"/>
+                </a:endParaRPr>
+              </a:p>
+            </p:txBody>
+          </p:sp>
+          <p:grpSp>
+            <p:nvGrpSpPr>
+              <p:cNvPr id="130" name="Group 129"/>
+              <p:cNvGrpSpPr/>
+              <p:nvPr/>
+            </p:nvGrpSpPr>
+            <p:grpSpPr>
+              <a:xfrm>
+                <a:off x="4957531" y="4948633"/>
+                <a:ext cx="1061358" cy="273788"/>
+                <a:chOff x="4957531" y="4948633"/>
+                <a:chExt cx="1061358" cy="273788"/>
+              </a:xfrm>
+            </p:grpSpPr>
+            <p:sp>
+              <p:nvSpPr>
+                <p:cNvPr id="83" name="Rectangle 82"/>
+                <p:cNvSpPr/>
+                <p:nvPr/>
+              </p:nvSpPr>
+              <p:spPr>
+                <a:xfrm>
+                  <a:off x="5365747" y="4950151"/>
+                  <a:ext cx="653142" cy="272269"/>
+                </a:xfrm>
+                <a:prstGeom prst="rect">
+                  <a:avLst/>
+                </a:prstGeom>
+                <a:solidFill>
+                  <a:schemeClr val="accent5">
+                    <a:lumMod val="40000"/>
+                    <a:lumOff val="60000"/>
+                  </a:schemeClr>
+                </a:solidFill>
+              </p:spPr>
+              <p:style>
+                <a:lnRef idx="2">
+                  <a:schemeClr val="accent1">
+                    <a:shade val="50000"/>
+                  </a:schemeClr>
+                </a:lnRef>
+                <a:fillRef idx="1">
+                  <a:schemeClr val="accent1"/>
+                </a:fillRef>
+                <a:effectRef idx="0">
+                  <a:schemeClr val="accent1"/>
+                </a:effectRef>
+                <a:fontRef idx="minor">
+                  <a:schemeClr val="lt1"/>
+                </a:fontRef>
+              </p:style>
+              <p:txBody>
+                <a:bodyPr rtlCol="0" anchor="ctr"/>
+                <a:lstStyle/>
+                <a:p>
+                  <a:r>
+                    <a:rPr lang="en-US" sz="700" dirty="0" smtClean="0">
+                      <a:solidFill>
+                        <a:schemeClr val="tx1">
+                          <a:lumMod val="50000"/>
+                          <a:lumOff val="50000"/>
+                        </a:schemeClr>
+                      </a:solidFill>
+                      <a:ea typeface="Verdana" panose="020B0604030504040204" pitchFamily="34" charset="0"/>
+                      <a:cs typeface="Verdana" panose="020B0604030504040204" pitchFamily="34" charset="0"/>
+                    </a:rPr>
+                    <a:t>Alerts, CMR, ECR, SNF </a:t>
+                  </a:r>
+                  <a:endParaRPr lang="en-US" sz="700" dirty="0">
+                    <a:solidFill>
+                      <a:schemeClr val="tx1">
+                        <a:lumMod val="50000"/>
+                        <a:lumOff val="50000"/>
+                      </a:schemeClr>
+                    </a:solidFill>
+                    <a:ea typeface="Verdana" panose="020B0604030504040204" pitchFamily="34" charset="0"/>
+                    <a:cs typeface="Verdana" panose="020B0604030504040204" pitchFamily="34" charset="0"/>
+                  </a:endParaRPr>
+                </a:p>
+              </p:txBody>
+            </p:sp>
+            <p:sp>
+              <p:nvSpPr>
+                <p:cNvPr id="84" name="Rectangle 83"/>
+                <p:cNvSpPr/>
+                <p:nvPr/>
+              </p:nvSpPr>
+              <p:spPr>
+                <a:xfrm>
+                  <a:off x="4957531" y="4948633"/>
+                  <a:ext cx="408214" cy="273788"/>
+                </a:xfrm>
+                <a:prstGeom prst="rect">
+                  <a:avLst/>
+                </a:prstGeom>
+                <a:solidFill>
+                  <a:schemeClr val="accent5">
+                    <a:lumMod val="40000"/>
+                    <a:lumOff val="60000"/>
+                  </a:schemeClr>
+                </a:solidFill>
+              </p:spPr>
+              <p:style>
+                <a:lnRef idx="2">
+                  <a:schemeClr val="accent1">
+                    <a:shade val="50000"/>
+                  </a:schemeClr>
+                </a:lnRef>
+                <a:fillRef idx="1">
+                  <a:schemeClr val="accent1"/>
+                </a:fillRef>
+                <a:effectRef idx="0">
+                  <a:schemeClr val="accent1"/>
+                </a:effectRef>
+                <a:fontRef idx="minor">
+                  <a:schemeClr val="lt1"/>
+                </a:fontRef>
+              </p:style>
+              <p:txBody>
+                <a:bodyPr rtlCol="0" anchor="ctr"/>
+                <a:lstStyle/>
+                <a:p>
+                  <a:pPr algn="ctr"/>
+                  <a:r>
+                    <a:rPr lang="en-US" sz="700" dirty="0" smtClean="0">
+                      <a:solidFill>
+                        <a:schemeClr val="tx1">
+                          <a:lumMod val="50000"/>
+                          <a:lumOff val="50000"/>
+                        </a:schemeClr>
+                      </a:solidFill>
+                      <a:ea typeface="Verdana" panose="020B0604030504040204" pitchFamily="34" charset="0"/>
+                      <a:cs typeface="Verdana" panose="020B0604030504040204" pitchFamily="34" charset="0"/>
+                    </a:rPr>
+                    <a:t>Large</a:t>
+                  </a:r>
+                  <a:endParaRPr lang="en-US" sz="700" dirty="0">
+                    <a:solidFill>
+                      <a:schemeClr val="tx1">
+                        <a:lumMod val="50000"/>
+                        <a:lumOff val="50000"/>
+                      </a:schemeClr>
+                    </a:solidFill>
+                    <a:ea typeface="Verdana" panose="020B0604030504040204" pitchFamily="34" charset="0"/>
+                    <a:cs typeface="Verdana" panose="020B0604030504040204" pitchFamily="34" charset="0"/>
+                  </a:endParaRPr>
+                </a:p>
+              </p:txBody>
+            </p:sp>
+          </p:grpSp>
+          <p:grpSp>
+            <p:nvGrpSpPr>
+              <p:cNvPr id="131" name="Group 130"/>
+              <p:cNvGrpSpPr/>
+              <p:nvPr/>
+            </p:nvGrpSpPr>
+            <p:grpSpPr>
+              <a:xfrm>
+                <a:off x="4957530" y="5492658"/>
+                <a:ext cx="1061357" cy="242966"/>
+                <a:chOff x="4957533" y="5222420"/>
+                <a:chExt cx="1061357" cy="242966"/>
+              </a:xfrm>
+            </p:grpSpPr>
+            <p:sp>
+              <p:nvSpPr>
+                <p:cNvPr id="85" name="Rectangle 84"/>
+                <p:cNvSpPr/>
+                <p:nvPr/>
+              </p:nvSpPr>
+              <p:spPr>
+                <a:xfrm>
+                  <a:off x="5365748" y="5222420"/>
+                  <a:ext cx="653142" cy="242965"/>
+                </a:xfrm>
+                <a:prstGeom prst="rect">
+                  <a:avLst/>
+                </a:prstGeom>
+                <a:solidFill>
+                  <a:schemeClr val="accent5">
+                    <a:lumMod val="40000"/>
+                    <a:lumOff val="60000"/>
+                  </a:schemeClr>
+                </a:solidFill>
+              </p:spPr>
+              <p:style>
+                <a:lnRef idx="2">
+                  <a:schemeClr val="accent1">
+                    <a:shade val="50000"/>
+                  </a:schemeClr>
+                </a:lnRef>
+                <a:fillRef idx="1">
+                  <a:schemeClr val="accent1"/>
+                </a:fillRef>
+                <a:effectRef idx="0">
+                  <a:schemeClr val="accent1"/>
+                </a:effectRef>
+                <a:fontRef idx="minor">
+                  <a:schemeClr val="lt1"/>
+                </a:fontRef>
+              </p:style>
+              <p:txBody>
+                <a:bodyPr rtlCol="0" anchor="ctr"/>
+                <a:lstStyle/>
+                <a:p>
+                  <a:r>
+                    <a:rPr lang="en-US" sz="700" dirty="0" smtClean="0">
+                      <a:solidFill>
+                        <a:schemeClr val="tx1">
+                          <a:lumMod val="50000"/>
+                          <a:lumOff val="50000"/>
+                        </a:schemeClr>
+                      </a:solidFill>
+                      <a:ea typeface="Verdana" panose="020B0604030504040204" pitchFamily="34" charset="0"/>
+                      <a:cs typeface="Verdana" panose="020B0604030504040204" pitchFamily="34" charset="0"/>
+                    </a:rPr>
+                    <a:t>CI, MC, CP</a:t>
+                  </a:r>
+                  <a:endParaRPr lang="en-US" sz="700" dirty="0">
+                    <a:solidFill>
+                      <a:schemeClr val="tx1">
+                        <a:lumMod val="50000"/>
+                        <a:lumOff val="50000"/>
+                      </a:schemeClr>
+                    </a:solidFill>
+                    <a:ea typeface="Verdana" panose="020B0604030504040204" pitchFamily="34" charset="0"/>
+                    <a:cs typeface="Verdana" panose="020B0604030504040204" pitchFamily="34" charset="0"/>
+                  </a:endParaRPr>
+                </a:p>
+              </p:txBody>
+            </p:sp>
+            <p:sp>
+              <p:nvSpPr>
+                <p:cNvPr id="86" name="Rectangle 85"/>
+                <p:cNvSpPr/>
+                <p:nvPr/>
+              </p:nvSpPr>
+              <p:spPr>
+                <a:xfrm>
+                  <a:off x="4957533" y="5223939"/>
+                  <a:ext cx="408214" cy="241447"/>
+                </a:xfrm>
+                <a:prstGeom prst="rect">
+                  <a:avLst/>
+                </a:prstGeom>
+                <a:solidFill>
+                  <a:schemeClr val="accent5">
+                    <a:lumMod val="40000"/>
+                    <a:lumOff val="60000"/>
+                  </a:schemeClr>
+                </a:solidFill>
+              </p:spPr>
+              <p:style>
+                <a:lnRef idx="2">
+                  <a:schemeClr val="accent1">
+                    <a:shade val="50000"/>
+                  </a:schemeClr>
+                </a:lnRef>
+                <a:fillRef idx="1">
+                  <a:schemeClr val="accent1"/>
+                </a:fillRef>
+                <a:effectRef idx="0">
+                  <a:schemeClr val="accent1"/>
+                </a:effectRef>
+                <a:fontRef idx="minor">
+                  <a:schemeClr val="lt1"/>
+                </a:fontRef>
+              </p:style>
+              <p:txBody>
+                <a:bodyPr rtlCol="0" anchor="ctr"/>
+                <a:lstStyle/>
+                <a:p>
+                  <a:pPr algn="ctr"/>
+                  <a:r>
+                    <a:rPr lang="en-US" sz="700" dirty="0" smtClean="0">
+                      <a:solidFill>
+                        <a:schemeClr val="tx1">
+                          <a:lumMod val="50000"/>
+                          <a:lumOff val="50000"/>
+                        </a:schemeClr>
+                      </a:solidFill>
+                      <a:ea typeface="Verdana" panose="020B0604030504040204" pitchFamily="34" charset="0"/>
+                      <a:cs typeface="Verdana" panose="020B0604030504040204" pitchFamily="34" charset="0"/>
+                    </a:rPr>
+                    <a:t>Reg</a:t>
+                  </a:r>
+                  <a:endParaRPr lang="en-US" sz="700" dirty="0">
+                    <a:solidFill>
+                      <a:schemeClr val="tx1">
+                        <a:lumMod val="50000"/>
+                        <a:lumOff val="50000"/>
+                      </a:schemeClr>
+                    </a:solidFill>
+                    <a:ea typeface="Verdana" panose="020B0604030504040204" pitchFamily="34" charset="0"/>
+                    <a:cs typeface="Verdana" panose="020B0604030504040204" pitchFamily="34" charset="0"/>
+                  </a:endParaRPr>
+                </a:p>
+              </p:txBody>
+            </p:sp>
+          </p:grpSp>
+          <p:grpSp>
+            <p:nvGrpSpPr>
+              <p:cNvPr id="132" name="Group 131"/>
+              <p:cNvGrpSpPr/>
+              <p:nvPr/>
+            </p:nvGrpSpPr>
+            <p:grpSpPr>
+              <a:xfrm>
+                <a:off x="4957530" y="5222419"/>
+                <a:ext cx="1061358" cy="273788"/>
+                <a:chOff x="4957531" y="4948633"/>
+                <a:chExt cx="1061358" cy="273788"/>
+              </a:xfrm>
+            </p:grpSpPr>
+            <p:sp>
+              <p:nvSpPr>
+                <p:cNvPr id="133" name="Rectangle 132"/>
+                <p:cNvSpPr/>
+                <p:nvPr/>
+              </p:nvSpPr>
+              <p:spPr>
+                <a:xfrm>
+                  <a:off x="5365747" y="4950151"/>
+                  <a:ext cx="653142" cy="272269"/>
+                </a:xfrm>
+                <a:prstGeom prst="rect">
+                  <a:avLst/>
+                </a:prstGeom>
+                <a:solidFill>
+                  <a:schemeClr val="accent5">
+                    <a:lumMod val="40000"/>
+                    <a:lumOff val="60000"/>
+                  </a:schemeClr>
+                </a:solidFill>
+              </p:spPr>
+              <p:style>
+                <a:lnRef idx="2">
+                  <a:schemeClr val="accent1">
+                    <a:shade val="50000"/>
+                  </a:schemeClr>
+                </a:lnRef>
+                <a:fillRef idx="1">
+                  <a:schemeClr val="accent1"/>
+                </a:fillRef>
+                <a:effectRef idx="0">
+                  <a:schemeClr val="accent1"/>
+                </a:effectRef>
+                <a:fontRef idx="minor">
+                  <a:schemeClr val="lt1"/>
+                </a:fontRef>
+              </p:style>
+              <p:txBody>
+                <a:bodyPr rtlCol="0" anchor="ctr"/>
+                <a:lstStyle/>
+                <a:p>
+                  <a:r>
+                    <a:rPr lang="en-US" sz="700" dirty="0" smtClean="0">
+                      <a:solidFill>
+                        <a:schemeClr val="tx1">
+                          <a:lumMod val="50000"/>
+                          <a:lumOff val="50000"/>
+                        </a:schemeClr>
+                      </a:solidFill>
+                      <a:ea typeface="Verdana" panose="020B0604030504040204" pitchFamily="34" charset="0"/>
+                      <a:cs typeface="Verdana" panose="020B0604030504040204" pitchFamily="34" charset="0"/>
+                    </a:rPr>
+                    <a:t>COPS</a:t>
+                  </a:r>
+                  <a:endParaRPr lang="en-US" sz="700" dirty="0">
+                    <a:solidFill>
+                      <a:schemeClr val="tx1">
+                        <a:lumMod val="50000"/>
+                        <a:lumOff val="50000"/>
+                      </a:schemeClr>
+                    </a:solidFill>
+                    <a:ea typeface="Verdana" panose="020B0604030504040204" pitchFamily="34" charset="0"/>
+                    <a:cs typeface="Verdana" panose="020B0604030504040204" pitchFamily="34" charset="0"/>
+                  </a:endParaRPr>
+                </a:p>
+              </p:txBody>
+            </p:sp>
+            <p:sp>
+              <p:nvSpPr>
+                <p:cNvPr id="134" name="Rectangle 133"/>
+                <p:cNvSpPr/>
+                <p:nvPr/>
+              </p:nvSpPr>
+              <p:spPr>
+                <a:xfrm>
+                  <a:off x="4957531" y="4948633"/>
+                  <a:ext cx="408214" cy="273788"/>
+                </a:xfrm>
+                <a:prstGeom prst="rect">
+                  <a:avLst/>
+                </a:prstGeom>
+                <a:solidFill>
+                  <a:schemeClr val="accent5">
+                    <a:lumMod val="40000"/>
+                    <a:lumOff val="60000"/>
+                  </a:schemeClr>
+                </a:solidFill>
+              </p:spPr>
+              <p:style>
+                <a:lnRef idx="2">
+                  <a:schemeClr val="accent1">
+                    <a:shade val="50000"/>
+                  </a:schemeClr>
+                </a:lnRef>
+                <a:fillRef idx="1">
+                  <a:schemeClr val="accent1"/>
+                </a:fillRef>
+                <a:effectRef idx="0">
+                  <a:schemeClr val="accent1"/>
+                </a:effectRef>
+                <a:fontRef idx="minor">
+                  <a:schemeClr val="lt1"/>
+                </a:fontRef>
+              </p:style>
+              <p:txBody>
+                <a:bodyPr rtlCol="0" anchor="ctr"/>
+                <a:lstStyle/>
+                <a:p>
+                  <a:pPr algn="ctr"/>
+                  <a:r>
+                    <a:rPr lang="en-US" sz="700" dirty="0" smtClean="0">
+                      <a:solidFill>
+                        <a:schemeClr val="tx1">
+                          <a:lumMod val="50000"/>
+                          <a:lumOff val="50000"/>
+                        </a:schemeClr>
+                      </a:solidFill>
+                      <a:ea typeface="Verdana" panose="020B0604030504040204" pitchFamily="34" charset="0"/>
+                      <a:cs typeface="Verdana" panose="020B0604030504040204" pitchFamily="34" charset="0"/>
+                    </a:rPr>
+                    <a:t>Large</a:t>
+                  </a:r>
+                  <a:endParaRPr lang="en-US" sz="700" dirty="0">
+                    <a:solidFill>
+                      <a:schemeClr val="tx1">
+                        <a:lumMod val="50000"/>
+                        <a:lumOff val="50000"/>
+                      </a:schemeClr>
+                    </a:solidFill>
+                    <a:ea typeface="Verdana" panose="020B0604030504040204" pitchFamily="34" charset="0"/>
+                    <a:cs typeface="Verdana" panose="020B0604030504040204" pitchFamily="34" charset="0"/>
+                  </a:endParaRPr>
+                </a:p>
+              </p:txBody>
+            </p:sp>
+          </p:grpSp>
+        </p:grpSp>
+        <p:grpSp>
+          <p:nvGrpSpPr>
+            <p:cNvPr id="136" name="Group 135"/>
+            <p:cNvGrpSpPr/>
+            <p:nvPr/>
+          </p:nvGrpSpPr>
+          <p:grpSpPr>
+            <a:xfrm>
+              <a:off x="7083877" y="4439409"/>
+              <a:ext cx="1061359" cy="1467665"/>
+              <a:chOff x="4957530" y="4267959"/>
+              <a:chExt cx="1061359" cy="1467665"/>
+            </a:xfrm>
+          </p:grpSpPr>
+          <p:sp>
+            <p:nvSpPr>
+              <p:cNvPr id="137" name="Rectangle 136"/>
+              <p:cNvSpPr/>
+              <p:nvPr/>
+            </p:nvSpPr>
+            <p:spPr>
+              <a:xfrm>
+                <a:off x="4957531" y="4496560"/>
+                <a:ext cx="1061357" cy="453275"/>
+              </a:xfrm>
+              <a:prstGeom prst="rect">
+                <a:avLst/>
+              </a:prstGeom>
+              <a:noFill/>
+            </p:spPr>
+            <p:style>
+              <a:lnRef idx="2">
+                <a:schemeClr val="accent1">
+                  <a:shade val="50000"/>
+                </a:schemeClr>
+              </a:lnRef>
+              <a:fillRef idx="1">
+                <a:schemeClr val="accent1"/>
+              </a:fillRef>
+              <a:effectRef idx="0">
+                <a:schemeClr val="accent1"/>
+              </a:effectRef>
+              <a:fontRef idx="minor">
+                <a:schemeClr val="lt1"/>
+              </a:fontRef>
+            </p:style>
+            <p:txBody>
+              <a:bodyPr rtlCol="0" anchor="ctr"/>
+              <a:lstStyle/>
+              <a:p>
+                <a:pPr algn="ctr"/>
+                <a:r>
+                  <a:rPr lang="en-US" sz="800" dirty="0" smtClean="0">
+                    <a:solidFill>
+                      <a:schemeClr val="bg1">
+                        <a:lumMod val="65000"/>
+                      </a:schemeClr>
+                    </a:solidFill>
+                    <a:latin typeface="Verdana" panose="020B0604030504040204" pitchFamily="34" charset="0"/>
+                    <a:ea typeface="Verdana" panose="020B0604030504040204" pitchFamily="34" charset="0"/>
+                    <a:cs typeface="Verdana" panose="020B0604030504040204" pitchFamily="34" charset="0"/>
+                  </a:rPr>
+                  <a:t>VMR B </a:t>
+                </a:r>
+              </a:p>
+              <a:p>
+                <a:pPr algn="ctr"/>
+                <a:r>
+                  <a:rPr lang="en-US" sz="800" dirty="0" smtClean="0">
+                    <a:solidFill>
+                      <a:schemeClr val="bg1">
+                        <a:lumMod val="65000"/>
+                      </a:schemeClr>
+                    </a:solidFill>
+                    <a:latin typeface="Verdana" panose="020B0604030504040204" pitchFamily="34" charset="0"/>
+                    <a:ea typeface="Verdana" panose="020B0604030504040204" pitchFamily="34" charset="0"/>
+                    <a:cs typeface="Verdana" panose="020B0604030504040204" pitchFamily="34" charset="0"/>
+                  </a:rPr>
+                  <a:t>(Secondary)</a:t>
+                </a:r>
+                <a:endParaRPr lang="en-US" sz="800" dirty="0">
+                  <a:solidFill>
+                    <a:schemeClr val="bg1">
+                      <a:lumMod val="65000"/>
+                    </a:schemeClr>
+                  </a:solidFill>
+                  <a:latin typeface="Verdana" panose="020B0604030504040204" pitchFamily="34" charset="0"/>
+                  <a:ea typeface="Verdana" panose="020B0604030504040204" pitchFamily="34" charset="0"/>
+                  <a:cs typeface="Verdana" panose="020B0604030504040204" pitchFamily="34" charset="0"/>
+                </a:endParaRPr>
+              </a:p>
+            </p:txBody>
+          </p:sp>
+          <p:sp>
+            <p:nvSpPr>
+              <p:cNvPr id="138" name="Rectangle 137"/>
+              <p:cNvSpPr/>
+              <p:nvPr/>
+            </p:nvSpPr>
+            <p:spPr>
+              <a:xfrm>
+                <a:off x="4957531" y="4267959"/>
+                <a:ext cx="1061357" cy="228601"/>
+              </a:xfrm>
+              <a:prstGeom prst="rect">
+                <a:avLst/>
+              </a:prstGeom>
+            </p:spPr>
+            <p:style>
+              <a:lnRef idx="2">
+                <a:schemeClr val="accent1">
+                  <a:shade val="50000"/>
+                </a:schemeClr>
+              </a:lnRef>
+              <a:fillRef idx="1">
+                <a:schemeClr val="accent1"/>
+              </a:fillRef>
+              <a:effectRef idx="0">
+                <a:schemeClr val="accent1"/>
+              </a:effectRef>
+              <a:fontRef idx="minor">
+                <a:schemeClr val="lt1"/>
+              </a:fontRef>
+            </p:style>
+            <p:txBody>
+              <a:bodyPr rtlCol="0" anchor="ctr"/>
+              <a:lstStyle/>
+              <a:p>
+                <a:pPr algn="ctr"/>
+                <a:r>
+                  <a:rPr lang="en-US" sz="1000" dirty="0" smtClean="0">
+                    <a:latin typeface="Verdana" panose="020B0604030504040204" pitchFamily="34" charset="0"/>
+                    <a:ea typeface="Verdana" panose="020B0604030504040204" pitchFamily="34" charset="0"/>
+                    <a:cs typeface="Verdana" panose="020B0604030504040204" pitchFamily="34" charset="0"/>
+                  </a:rPr>
+                  <a:t>VM 4</a:t>
+                </a:r>
+                <a:endParaRPr lang="en-US" sz="1000" dirty="0">
+                  <a:latin typeface="Verdana" panose="020B0604030504040204" pitchFamily="34" charset="0"/>
+                  <a:ea typeface="Verdana" panose="020B0604030504040204" pitchFamily="34" charset="0"/>
+                  <a:cs typeface="Verdana" panose="020B0604030504040204" pitchFamily="34" charset="0"/>
+                </a:endParaRPr>
+              </a:p>
+            </p:txBody>
+          </p:sp>
+          <p:grpSp>
+            <p:nvGrpSpPr>
+              <p:cNvPr id="139" name="Group 138"/>
+              <p:cNvGrpSpPr/>
+              <p:nvPr/>
+            </p:nvGrpSpPr>
+            <p:grpSpPr>
+              <a:xfrm>
+                <a:off x="4957531" y="4948633"/>
+                <a:ext cx="1061358" cy="273788"/>
+                <a:chOff x="4957531" y="4948633"/>
+                <a:chExt cx="1061358" cy="273788"/>
+              </a:xfrm>
+            </p:grpSpPr>
+            <p:sp>
+              <p:nvSpPr>
+                <p:cNvPr id="146" name="Rectangle 145"/>
+                <p:cNvSpPr/>
+                <p:nvPr/>
+              </p:nvSpPr>
+              <p:spPr>
+                <a:xfrm>
+                  <a:off x="5365747" y="4950151"/>
+                  <a:ext cx="653142" cy="272269"/>
+                </a:xfrm>
+                <a:prstGeom prst="rect">
+                  <a:avLst/>
+                </a:prstGeom>
+                <a:solidFill>
+                  <a:schemeClr val="accent5">
+                    <a:lumMod val="40000"/>
+                    <a:lumOff val="60000"/>
+                  </a:schemeClr>
+                </a:solidFill>
+              </p:spPr>
+              <p:style>
+                <a:lnRef idx="2">
+                  <a:schemeClr val="accent1">
+                    <a:shade val="50000"/>
+                  </a:schemeClr>
+                </a:lnRef>
+                <a:fillRef idx="1">
+                  <a:schemeClr val="accent1"/>
+                </a:fillRef>
+                <a:effectRef idx="0">
+                  <a:schemeClr val="accent1"/>
+                </a:effectRef>
+                <a:fontRef idx="minor">
+                  <a:schemeClr val="lt1"/>
+                </a:fontRef>
+              </p:style>
+              <p:txBody>
+                <a:bodyPr rtlCol="0" anchor="ctr"/>
+                <a:lstStyle/>
+                <a:p>
+                  <a:r>
+                    <a:rPr lang="en-US" sz="700" dirty="0" smtClean="0">
+                      <a:solidFill>
+                        <a:schemeClr val="tx1">
+                          <a:lumMod val="50000"/>
+                          <a:lumOff val="50000"/>
+                        </a:schemeClr>
+                      </a:solidFill>
+                      <a:ea typeface="Verdana" panose="020B0604030504040204" pitchFamily="34" charset="0"/>
+                      <a:cs typeface="Verdana" panose="020B0604030504040204" pitchFamily="34" charset="0"/>
+                    </a:rPr>
+                    <a:t>Alerts, CMR, ECR, SNF </a:t>
+                  </a:r>
+                  <a:endParaRPr lang="en-US" sz="700" dirty="0">
+                    <a:solidFill>
+                      <a:schemeClr val="tx1">
+                        <a:lumMod val="50000"/>
+                        <a:lumOff val="50000"/>
+                      </a:schemeClr>
+                    </a:solidFill>
+                    <a:ea typeface="Verdana" panose="020B0604030504040204" pitchFamily="34" charset="0"/>
+                    <a:cs typeface="Verdana" panose="020B0604030504040204" pitchFamily="34" charset="0"/>
+                  </a:endParaRPr>
+                </a:p>
+              </p:txBody>
+            </p:sp>
+            <p:sp>
+              <p:nvSpPr>
+                <p:cNvPr id="147" name="Rectangle 146"/>
+                <p:cNvSpPr/>
+                <p:nvPr/>
+              </p:nvSpPr>
+              <p:spPr>
+                <a:xfrm>
+                  <a:off x="4957531" y="4948633"/>
+                  <a:ext cx="408214" cy="273788"/>
+                </a:xfrm>
+                <a:prstGeom prst="rect">
+                  <a:avLst/>
+                </a:prstGeom>
+                <a:solidFill>
+                  <a:schemeClr val="accent5">
+                    <a:lumMod val="40000"/>
+                    <a:lumOff val="60000"/>
+                  </a:schemeClr>
+                </a:solidFill>
+              </p:spPr>
+              <p:style>
+                <a:lnRef idx="2">
+                  <a:schemeClr val="accent1">
+                    <a:shade val="50000"/>
+                  </a:schemeClr>
+                </a:lnRef>
+                <a:fillRef idx="1">
+                  <a:schemeClr val="accent1"/>
+                </a:fillRef>
+                <a:effectRef idx="0">
+                  <a:schemeClr val="accent1"/>
+                </a:effectRef>
+                <a:fontRef idx="minor">
+                  <a:schemeClr val="lt1"/>
+                </a:fontRef>
+              </p:style>
+              <p:txBody>
+                <a:bodyPr rtlCol="0" anchor="ctr"/>
+                <a:lstStyle/>
+                <a:p>
+                  <a:pPr algn="ctr"/>
+                  <a:r>
+                    <a:rPr lang="en-US" sz="700" dirty="0" smtClean="0">
+                      <a:solidFill>
+                        <a:schemeClr val="tx1">
+                          <a:lumMod val="50000"/>
+                          <a:lumOff val="50000"/>
+                        </a:schemeClr>
+                      </a:solidFill>
+                      <a:ea typeface="Verdana" panose="020B0604030504040204" pitchFamily="34" charset="0"/>
+                      <a:cs typeface="Verdana" panose="020B0604030504040204" pitchFamily="34" charset="0"/>
+                    </a:rPr>
+                    <a:t>Large</a:t>
+                  </a:r>
+                  <a:endParaRPr lang="en-US" sz="700" dirty="0">
+                    <a:solidFill>
+                      <a:schemeClr val="tx1">
+                        <a:lumMod val="50000"/>
+                        <a:lumOff val="50000"/>
+                      </a:schemeClr>
+                    </a:solidFill>
+                    <a:ea typeface="Verdana" panose="020B0604030504040204" pitchFamily="34" charset="0"/>
+                    <a:cs typeface="Verdana" panose="020B0604030504040204" pitchFamily="34" charset="0"/>
+                  </a:endParaRPr>
+                </a:p>
+              </p:txBody>
+            </p:sp>
+          </p:grpSp>
+          <p:grpSp>
+            <p:nvGrpSpPr>
+              <p:cNvPr id="140" name="Group 139"/>
+              <p:cNvGrpSpPr/>
+              <p:nvPr/>
+            </p:nvGrpSpPr>
+            <p:grpSpPr>
+              <a:xfrm>
+                <a:off x="4957530" y="5492658"/>
+                <a:ext cx="1061357" cy="242966"/>
+                <a:chOff x="4957533" y="5222420"/>
+                <a:chExt cx="1061357" cy="242966"/>
+              </a:xfrm>
+            </p:grpSpPr>
+            <p:sp>
+              <p:nvSpPr>
+                <p:cNvPr id="144" name="Rectangle 143"/>
+                <p:cNvSpPr/>
+                <p:nvPr/>
+              </p:nvSpPr>
+              <p:spPr>
+                <a:xfrm>
+                  <a:off x="5365748" y="5222420"/>
+                  <a:ext cx="653142" cy="242965"/>
+                </a:xfrm>
+                <a:prstGeom prst="rect">
+                  <a:avLst/>
+                </a:prstGeom>
+                <a:solidFill>
+                  <a:schemeClr val="accent5">
+                    <a:lumMod val="40000"/>
+                    <a:lumOff val="60000"/>
+                  </a:schemeClr>
+                </a:solidFill>
+              </p:spPr>
+              <p:style>
+                <a:lnRef idx="2">
+                  <a:schemeClr val="accent1">
+                    <a:shade val="50000"/>
+                  </a:schemeClr>
+                </a:lnRef>
+                <a:fillRef idx="1">
+                  <a:schemeClr val="accent1"/>
+                </a:fillRef>
+                <a:effectRef idx="0">
+                  <a:schemeClr val="accent1"/>
+                </a:effectRef>
+                <a:fontRef idx="minor">
+                  <a:schemeClr val="lt1"/>
+                </a:fontRef>
+              </p:style>
+              <p:txBody>
+                <a:bodyPr rtlCol="0" anchor="ctr"/>
+                <a:lstStyle/>
+                <a:p>
+                  <a:r>
+                    <a:rPr lang="en-US" sz="700" dirty="0" smtClean="0">
+                      <a:solidFill>
+                        <a:schemeClr val="tx1">
+                          <a:lumMod val="50000"/>
+                          <a:lumOff val="50000"/>
+                        </a:schemeClr>
+                      </a:solidFill>
+                      <a:ea typeface="Verdana" panose="020B0604030504040204" pitchFamily="34" charset="0"/>
+                      <a:cs typeface="Verdana" panose="020B0604030504040204" pitchFamily="34" charset="0"/>
+                    </a:rPr>
+                    <a:t>CI, MC, CP</a:t>
+                  </a:r>
+                  <a:endParaRPr lang="en-US" sz="700" dirty="0">
+                    <a:solidFill>
+                      <a:schemeClr val="tx1">
+                        <a:lumMod val="50000"/>
+                        <a:lumOff val="50000"/>
+                      </a:schemeClr>
+                    </a:solidFill>
+                    <a:ea typeface="Verdana" panose="020B0604030504040204" pitchFamily="34" charset="0"/>
+                    <a:cs typeface="Verdana" panose="020B0604030504040204" pitchFamily="34" charset="0"/>
+                  </a:endParaRPr>
+                </a:p>
+              </p:txBody>
+            </p:sp>
+            <p:sp>
+              <p:nvSpPr>
+                <p:cNvPr id="145" name="Rectangle 144"/>
+                <p:cNvSpPr/>
+                <p:nvPr/>
+              </p:nvSpPr>
+              <p:spPr>
+                <a:xfrm>
+                  <a:off x="4957533" y="5223939"/>
+                  <a:ext cx="408214" cy="241447"/>
+                </a:xfrm>
+                <a:prstGeom prst="rect">
+                  <a:avLst/>
+                </a:prstGeom>
+                <a:solidFill>
+                  <a:schemeClr val="accent5">
+                    <a:lumMod val="40000"/>
+                    <a:lumOff val="60000"/>
+                  </a:schemeClr>
+                </a:solidFill>
+              </p:spPr>
+              <p:style>
+                <a:lnRef idx="2">
+                  <a:schemeClr val="accent1">
+                    <a:shade val="50000"/>
+                  </a:schemeClr>
+                </a:lnRef>
+                <a:fillRef idx="1">
+                  <a:schemeClr val="accent1"/>
+                </a:fillRef>
+                <a:effectRef idx="0">
+                  <a:schemeClr val="accent1"/>
+                </a:effectRef>
+                <a:fontRef idx="minor">
+                  <a:schemeClr val="lt1"/>
+                </a:fontRef>
+              </p:style>
+              <p:txBody>
+                <a:bodyPr rtlCol="0" anchor="ctr"/>
+                <a:lstStyle/>
+                <a:p>
+                  <a:pPr algn="ctr"/>
+                  <a:r>
+                    <a:rPr lang="en-US" sz="700" dirty="0" smtClean="0">
+                      <a:solidFill>
+                        <a:schemeClr val="tx1">
+                          <a:lumMod val="50000"/>
+                          <a:lumOff val="50000"/>
+                        </a:schemeClr>
+                      </a:solidFill>
+                      <a:ea typeface="Verdana" panose="020B0604030504040204" pitchFamily="34" charset="0"/>
+                      <a:cs typeface="Verdana" panose="020B0604030504040204" pitchFamily="34" charset="0"/>
+                    </a:rPr>
+                    <a:t>Reg</a:t>
+                  </a:r>
+                  <a:endParaRPr lang="en-US" sz="700" dirty="0">
+                    <a:solidFill>
+                      <a:schemeClr val="tx1">
+                        <a:lumMod val="50000"/>
+                        <a:lumOff val="50000"/>
+                      </a:schemeClr>
+                    </a:solidFill>
+                    <a:ea typeface="Verdana" panose="020B0604030504040204" pitchFamily="34" charset="0"/>
+                    <a:cs typeface="Verdana" panose="020B0604030504040204" pitchFamily="34" charset="0"/>
+                  </a:endParaRPr>
+                </a:p>
+              </p:txBody>
+            </p:sp>
+          </p:grpSp>
+          <p:grpSp>
+            <p:nvGrpSpPr>
+              <p:cNvPr id="141" name="Group 140"/>
+              <p:cNvGrpSpPr/>
+              <p:nvPr/>
+            </p:nvGrpSpPr>
+            <p:grpSpPr>
+              <a:xfrm>
+                <a:off x="4957530" y="5222419"/>
+                <a:ext cx="1061358" cy="273788"/>
+                <a:chOff x="4957531" y="4948633"/>
+                <a:chExt cx="1061358" cy="273788"/>
+              </a:xfrm>
+            </p:grpSpPr>
+            <p:sp>
+              <p:nvSpPr>
+                <p:cNvPr id="142" name="Rectangle 141"/>
+                <p:cNvSpPr/>
+                <p:nvPr/>
+              </p:nvSpPr>
+              <p:spPr>
+                <a:xfrm>
+                  <a:off x="5365747" y="4950151"/>
+                  <a:ext cx="653142" cy="272269"/>
+                </a:xfrm>
+                <a:prstGeom prst="rect">
+                  <a:avLst/>
+                </a:prstGeom>
+                <a:solidFill>
+                  <a:schemeClr val="accent5">
+                    <a:lumMod val="40000"/>
+                    <a:lumOff val="60000"/>
+                  </a:schemeClr>
+                </a:solidFill>
+              </p:spPr>
+              <p:style>
+                <a:lnRef idx="2">
+                  <a:schemeClr val="accent1">
+                    <a:shade val="50000"/>
+                  </a:schemeClr>
+                </a:lnRef>
+                <a:fillRef idx="1">
+                  <a:schemeClr val="accent1"/>
+                </a:fillRef>
+                <a:effectRef idx="0">
+                  <a:schemeClr val="accent1"/>
+                </a:effectRef>
+                <a:fontRef idx="minor">
+                  <a:schemeClr val="lt1"/>
+                </a:fontRef>
+              </p:style>
+              <p:txBody>
+                <a:bodyPr rtlCol="0" anchor="ctr"/>
+                <a:lstStyle/>
+                <a:p>
+                  <a:r>
+                    <a:rPr lang="en-US" sz="700" dirty="0" smtClean="0">
+                      <a:solidFill>
+                        <a:schemeClr val="tx1">
+                          <a:lumMod val="50000"/>
+                          <a:lumOff val="50000"/>
+                        </a:schemeClr>
+                      </a:solidFill>
+                      <a:ea typeface="Verdana" panose="020B0604030504040204" pitchFamily="34" charset="0"/>
+                      <a:cs typeface="Verdana" panose="020B0604030504040204" pitchFamily="34" charset="0"/>
+                    </a:rPr>
+                    <a:t>COPS</a:t>
+                  </a:r>
+                  <a:endParaRPr lang="en-US" sz="700" dirty="0">
+                    <a:solidFill>
+                      <a:schemeClr val="tx1">
+                        <a:lumMod val="50000"/>
+                        <a:lumOff val="50000"/>
+                      </a:schemeClr>
+                    </a:solidFill>
+                    <a:ea typeface="Verdana" panose="020B0604030504040204" pitchFamily="34" charset="0"/>
+                    <a:cs typeface="Verdana" panose="020B0604030504040204" pitchFamily="34" charset="0"/>
+                  </a:endParaRPr>
+                </a:p>
+              </p:txBody>
+            </p:sp>
+            <p:sp>
+              <p:nvSpPr>
+                <p:cNvPr id="143" name="Rectangle 142"/>
+                <p:cNvSpPr/>
+                <p:nvPr/>
+              </p:nvSpPr>
+              <p:spPr>
+                <a:xfrm>
+                  <a:off x="4957531" y="4948633"/>
+                  <a:ext cx="408214" cy="273788"/>
+                </a:xfrm>
+                <a:prstGeom prst="rect">
+                  <a:avLst/>
+                </a:prstGeom>
+                <a:solidFill>
+                  <a:schemeClr val="accent5">
+                    <a:lumMod val="40000"/>
+                    <a:lumOff val="60000"/>
+                  </a:schemeClr>
+                </a:solidFill>
+              </p:spPr>
+              <p:style>
+                <a:lnRef idx="2">
+                  <a:schemeClr val="accent1">
+                    <a:shade val="50000"/>
+                  </a:schemeClr>
+                </a:lnRef>
+                <a:fillRef idx="1">
+                  <a:schemeClr val="accent1"/>
+                </a:fillRef>
+                <a:effectRef idx="0">
+                  <a:schemeClr val="accent1"/>
+                </a:effectRef>
+                <a:fontRef idx="minor">
+                  <a:schemeClr val="lt1"/>
+                </a:fontRef>
+              </p:style>
+              <p:txBody>
+                <a:bodyPr rtlCol="0" anchor="ctr"/>
+                <a:lstStyle/>
+                <a:p>
+                  <a:pPr algn="ctr"/>
+                  <a:r>
+                    <a:rPr lang="en-US" sz="700" dirty="0" smtClean="0">
+                      <a:solidFill>
+                        <a:schemeClr val="tx1">
+                          <a:lumMod val="50000"/>
+                          <a:lumOff val="50000"/>
+                        </a:schemeClr>
+                      </a:solidFill>
+                      <a:ea typeface="Verdana" panose="020B0604030504040204" pitchFamily="34" charset="0"/>
+                      <a:cs typeface="Verdana" panose="020B0604030504040204" pitchFamily="34" charset="0"/>
+                    </a:rPr>
+                    <a:t>Large</a:t>
+                  </a:r>
+                  <a:endParaRPr lang="en-US" sz="700" dirty="0">
+                    <a:solidFill>
+                      <a:schemeClr val="tx1">
+                        <a:lumMod val="50000"/>
+                        <a:lumOff val="50000"/>
+                      </a:schemeClr>
+                    </a:solidFill>
+                    <a:ea typeface="Verdana" panose="020B0604030504040204" pitchFamily="34" charset="0"/>
+                    <a:cs typeface="Verdana" panose="020B0604030504040204" pitchFamily="34" charset="0"/>
+                  </a:endParaRPr>
+                </a:p>
+              </p:txBody>
+            </p:sp>
+          </p:grpSp>
+        </p:grpSp>
+        <p:sp>
+          <p:nvSpPr>
+            <p:cNvPr id="155" name="Rectangle 154"/>
+            <p:cNvSpPr/>
+            <p:nvPr/>
+          </p:nvSpPr>
+          <p:spPr>
+            <a:xfrm>
+              <a:off x="5365748" y="2925538"/>
+              <a:ext cx="653142" cy="183538"/>
+            </a:xfrm>
+            <a:prstGeom prst="rect">
+              <a:avLst/>
+            </a:prstGeom>
+            <a:solidFill>
+              <a:schemeClr val="accent5">
+                <a:lumMod val="40000"/>
+                <a:lumOff val="60000"/>
+              </a:schemeClr>
+            </a:solidFill>
+          </p:spPr>
+          <p:style>
+            <a:lnRef idx="2">
+              <a:schemeClr val="accent1">
+                <a:shade val="50000"/>
+              </a:schemeClr>
+            </a:lnRef>
+            <a:fillRef idx="1">
+              <a:schemeClr val="accent1"/>
+            </a:fillRef>
+            <a:effectRef idx="0">
+              <a:schemeClr val="accent1"/>
+            </a:effectRef>
+            <a:fontRef idx="minor">
+              <a:schemeClr val="lt1"/>
+            </a:fontRef>
+          </p:style>
+          <p:txBody>
+            <a:bodyPr rtlCol="0" anchor="ctr"/>
+            <a:lstStyle/>
+            <a:p>
+              <a:r>
+                <a:rPr lang="en-US" sz="700" dirty="0" smtClean="0">
+                  <a:solidFill>
+                    <a:schemeClr val="tx1">
+                      <a:lumMod val="50000"/>
+                      <a:lumOff val="50000"/>
+                    </a:schemeClr>
+                  </a:solidFill>
+                  <a:ea typeface="Verdana" panose="020B0604030504040204" pitchFamily="34" charset="0"/>
+                  <a:cs typeface="Verdana" panose="020B0604030504040204" pitchFamily="34" charset="0"/>
+                </a:rPr>
+                <a:t>ESB_Ext</a:t>
+              </a:r>
+              <a:endParaRPr lang="en-US" sz="700" dirty="0">
+                <a:solidFill>
+                  <a:schemeClr val="tx1">
+                    <a:lumMod val="50000"/>
+                    <a:lumOff val="50000"/>
+                  </a:schemeClr>
+                </a:solidFill>
+                <a:ea typeface="Verdana" panose="020B0604030504040204" pitchFamily="34" charset="0"/>
+                <a:cs typeface="Verdana" panose="020B0604030504040204" pitchFamily="34" charset="0"/>
+              </a:endParaRPr>
+            </a:p>
+          </p:txBody>
+        </p:sp>
+        <p:sp>
+          <p:nvSpPr>
+            <p:cNvPr id="156" name="Rectangle 155"/>
+            <p:cNvSpPr/>
+            <p:nvPr/>
+          </p:nvSpPr>
+          <p:spPr>
+            <a:xfrm>
+              <a:off x="4957533" y="2927057"/>
+              <a:ext cx="408214" cy="183538"/>
+            </a:xfrm>
+            <a:prstGeom prst="rect">
+              <a:avLst/>
+            </a:prstGeom>
+            <a:solidFill>
+              <a:schemeClr val="accent5">
+                <a:lumMod val="40000"/>
+                <a:lumOff val="60000"/>
+              </a:schemeClr>
+            </a:solidFill>
+          </p:spPr>
+          <p:style>
+            <a:lnRef idx="2">
+              <a:schemeClr val="accent1">
+                <a:shade val="50000"/>
+              </a:schemeClr>
+            </a:lnRef>
+            <a:fillRef idx="1">
+              <a:schemeClr val="accent1"/>
+            </a:fillRef>
+            <a:effectRef idx="0">
+              <a:schemeClr val="accent1"/>
+            </a:effectRef>
+            <a:fontRef idx="minor">
+              <a:schemeClr val="lt1"/>
+            </a:fontRef>
+          </p:style>
+          <p:txBody>
+            <a:bodyPr rtlCol="0" anchor="ctr"/>
+            <a:lstStyle/>
+            <a:p>
+              <a:pPr algn="ctr"/>
+              <a:r>
+                <a:rPr lang="en-US" sz="700" dirty="0" smtClean="0">
+                  <a:solidFill>
+                    <a:schemeClr val="tx1">
+                      <a:lumMod val="50000"/>
+                      <a:lumOff val="50000"/>
+                    </a:schemeClr>
+                  </a:solidFill>
+                  <a:ea typeface="Verdana" panose="020B0604030504040204" pitchFamily="34" charset="0"/>
+                  <a:cs typeface="Verdana" panose="020B0604030504040204" pitchFamily="34" charset="0"/>
+                </a:rPr>
+                <a:t>Reg</a:t>
+              </a:r>
+              <a:endParaRPr lang="en-US" sz="700" dirty="0">
+                <a:solidFill>
+                  <a:schemeClr val="tx1">
+                    <a:lumMod val="50000"/>
+                    <a:lumOff val="50000"/>
+                  </a:schemeClr>
+                </a:solidFill>
+                <a:ea typeface="Verdana" panose="020B0604030504040204" pitchFamily="34" charset="0"/>
+                <a:cs typeface="Verdana" panose="020B0604030504040204" pitchFamily="34" charset="0"/>
+              </a:endParaRPr>
+            </a:p>
+          </p:txBody>
+        </p:sp>
+        <p:sp>
+          <p:nvSpPr>
+            <p:cNvPr id="157" name="Rectangle 156"/>
+            <p:cNvSpPr/>
+            <p:nvPr/>
+          </p:nvSpPr>
+          <p:spPr>
+            <a:xfrm>
+              <a:off x="7479393" y="2904813"/>
+              <a:ext cx="653142" cy="183538"/>
+            </a:xfrm>
+            <a:prstGeom prst="rect">
+              <a:avLst/>
+            </a:prstGeom>
+            <a:solidFill>
+              <a:schemeClr val="accent5">
+                <a:lumMod val="40000"/>
+                <a:lumOff val="60000"/>
+              </a:schemeClr>
+            </a:solidFill>
+          </p:spPr>
+          <p:style>
+            <a:lnRef idx="2">
+              <a:schemeClr val="accent1">
+                <a:shade val="50000"/>
+              </a:schemeClr>
+            </a:lnRef>
+            <a:fillRef idx="1">
+              <a:schemeClr val="accent1"/>
+            </a:fillRef>
+            <a:effectRef idx="0">
+              <a:schemeClr val="accent1"/>
+            </a:effectRef>
+            <a:fontRef idx="minor">
+              <a:schemeClr val="lt1"/>
+            </a:fontRef>
+          </p:style>
+          <p:txBody>
+            <a:bodyPr rtlCol="0" anchor="ctr"/>
+            <a:lstStyle/>
+            <a:p>
+              <a:r>
+                <a:rPr lang="en-US" sz="700" dirty="0" smtClean="0">
+                  <a:solidFill>
+                    <a:schemeClr val="tx1">
+                      <a:lumMod val="50000"/>
+                      <a:lumOff val="50000"/>
+                    </a:schemeClr>
+                  </a:solidFill>
+                  <a:ea typeface="Verdana" panose="020B0604030504040204" pitchFamily="34" charset="0"/>
+                  <a:cs typeface="Verdana" panose="020B0604030504040204" pitchFamily="34" charset="0"/>
+                </a:rPr>
+                <a:t>ESB_Ext</a:t>
+              </a:r>
+              <a:endParaRPr lang="en-US" sz="700" dirty="0">
+                <a:solidFill>
+                  <a:schemeClr val="tx1">
+                    <a:lumMod val="50000"/>
+                    <a:lumOff val="50000"/>
+                  </a:schemeClr>
+                </a:solidFill>
+                <a:ea typeface="Verdana" panose="020B0604030504040204" pitchFamily="34" charset="0"/>
+                <a:cs typeface="Verdana" panose="020B0604030504040204" pitchFamily="34" charset="0"/>
+              </a:endParaRPr>
+            </a:p>
+          </p:txBody>
+        </p:sp>
+        <p:sp>
+          <p:nvSpPr>
+            <p:cNvPr id="158" name="Rectangle 157"/>
+            <p:cNvSpPr/>
+            <p:nvPr/>
+          </p:nvSpPr>
+          <p:spPr>
+            <a:xfrm>
+              <a:off x="7071178" y="2906332"/>
+              <a:ext cx="408214" cy="183538"/>
+            </a:xfrm>
+            <a:prstGeom prst="rect">
+              <a:avLst/>
+            </a:prstGeom>
+            <a:solidFill>
+              <a:schemeClr val="accent5">
+                <a:lumMod val="40000"/>
+                <a:lumOff val="60000"/>
+              </a:schemeClr>
+            </a:solidFill>
+          </p:spPr>
+          <p:style>
+            <a:lnRef idx="2">
+              <a:schemeClr val="accent1">
+                <a:shade val="50000"/>
+              </a:schemeClr>
+            </a:lnRef>
+            <a:fillRef idx="1">
+              <a:schemeClr val="accent1"/>
+            </a:fillRef>
+            <a:effectRef idx="0">
+              <a:schemeClr val="accent1"/>
+            </a:effectRef>
+            <a:fontRef idx="minor">
+              <a:schemeClr val="lt1"/>
+            </a:fontRef>
+          </p:style>
+          <p:txBody>
+            <a:bodyPr rtlCol="0" anchor="ctr"/>
+            <a:lstStyle/>
+            <a:p>
+              <a:pPr algn="ctr"/>
+              <a:r>
+                <a:rPr lang="en-US" sz="700" dirty="0" smtClean="0">
+                  <a:solidFill>
+                    <a:schemeClr val="tx1">
+                      <a:lumMod val="50000"/>
+                      <a:lumOff val="50000"/>
+                    </a:schemeClr>
+                  </a:solidFill>
+                  <a:ea typeface="Verdana" panose="020B0604030504040204" pitchFamily="34" charset="0"/>
+                  <a:cs typeface="Verdana" panose="020B0604030504040204" pitchFamily="34" charset="0"/>
+                </a:rPr>
+                <a:t>Reg</a:t>
+              </a:r>
+              <a:endParaRPr lang="en-US" sz="700" dirty="0">
+                <a:solidFill>
+                  <a:schemeClr val="tx1">
+                    <a:lumMod val="50000"/>
+                    <a:lumOff val="50000"/>
+                  </a:schemeClr>
+                </a:solidFill>
+                <a:ea typeface="Verdana" panose="020B0604030504040204" pitchFamily="34" charset="0"/>
+                <a:cs typeface="Verdana" panose="020B0604030504040204" pitchFamily="34" charset="0"/>
+              </a:endParaRPr>
+            </a:p>
+          </p:txBody>
+        </p:sp>
+      </p:grpSp>
+    </p:spTree>
+    <p:extLst>
+      <p:ext uri="{BB962C8B-B14F-4D97-AF65-F5344CB8AC3E}">
+        <p14:creationId xmlns:p14="http://schemas.microsoft.com/office/powerpoint/2010/main" val="1374217849"/>
+      </p:ext>
+    </p:extLst>
+  </p:cSld>
+  <p:clrMapOvr>
+    <a:masterClrMapping/>
+  </p:clrMapOvr>
 </p:sld>
 </file>
 
@@ -9810,8 +12959,68 @@
   <a:extraClrSchemeLst/>
   <a:extLst>
     <a:ext uri="{05A4C25C-085E-4340-85A3-A5531E510DB2}">
-      <thm15:themeFamily xmlns:thm15="http://schemas.microsoft.com/office/thememl/2012/main" name="Office Theme" id="{62F939B6-93AF-4DB8-9C6B-D6C7DFDC589F}" vid="{4A3C46E8-61CC-4603-A589-7422A47A8E4A}"/>
+      <thm15:themeFamily xmlns:thm15="http://schemas.microsoft.com/office/thememl/2012/main" xmlns="" name="Office Theme" id="{62F939B6-93AF-4DB8-9C6B-D6C7DFDC589F}" vid="{4A3C46E8-61CC-4603-A589-7422A47A8E4A}"/>
     </a:ext>
   </a:extLst>
 </a:theme>
+</file>
+
+<file path=customXml/item1.xml><?xml version="1.0" encoding="utf-8"?>
+<XMLData TextToDisplay="%HOSTNAME%">sgaxpvt026.apac.nsroot.net</XMLData>
+</file>
+
+<file path=customXml/item2.xml><?xml version="1.0" encoding="utf-8"?>
+<XMLData TextToDisplay="%USERNAME%">ht60166</XMLData>
+</file>
+
+<file path=customXml/item3.xml><?xml version="1.0" encoding="utf-8"?>
+<XMLData TextToDisplay="%EMAILADDRESS%">ht60166@imcap.ap.ssmb.com</XMLData>
+</file>
+
+<file path=customXml/item4.xml><?xml version="1.0" encoding="utf-8"?>
+<XMLData TextToDisplay="%DOCUMENTGUID%">{00000000-0000-0000-0000-000000000000}</XMLData>
+</file>
+
+<file path=customXml/item5.xml><?xml version="1.0" encoding="utf-8"?>
+<XMLData TextToDisplay="%CLASSIFICATIONDATETIME%">03:14 05/03/2018</XMLData>
+</file>
+
+<file path=customXml/item6.xml><?xml version="1.0" encoding="utf-8"?>
+<XMLData TextToDisplay="RightsWATCHMark">1|CITI-GLOBAL-Public|{00000000-0000-0000-0000-000000000000}</XMLData>
+</file>
+
+<file path=customXml/itemProps1.xml><?xml version="1.0" encoding="utf-8"?>
+<ds:datastoreItem xmlns:ds="http://schemas.openxmlformats.org/officeDocument/2006/customXml" ds:itemID="{949B1738-5055-4DEC-9C82-AFC54ED1B395}">
+  <ds:schemaRefs/>
+</ds:datastoreItem>
+</file>
+
+<file path=customXml/itemProps2.xml><?xml version="1.0" encoding="utf-8"?>
+<ds:datastoreItem xmlns:ds="http://schemas.openxmlformats.org/officeDocument/2006/customXml" ds:itemID="{4DB0F189-BD55-4870-BA22-BE32ABF0A5FD}">
+  <ds:schemaRefs/>
+</ds:datastoreItem>
+</file>
+
+<file path=customXml/itemProps3.xml><?xml version="1.0" encoding="utf-8"?>
+<ds:datastoreItem xmlns:ds="http://schemas.openxmlformats.org/officeDocument/2006/customXml" ds:itemID="{B9061F0B-2EC3-4E9C-B98F-C51DE9D52952}">
+  <ds:schemaRefs/>
+</ds:datastoreItem>
+</file>
+
+<file path=customXml/itemProps4.xml><?xml version="1.0" encoding="utf-8"?>
+<ds:datastoreItem xmlns:ds="http://schemas.openxmlformats.org/officeDocument/2006/customXml" ds:itemID="{60936017-4D33-415B-B260-B7D35FA61E38}">
+  <ds:schemaRefs/>
+</ds:datastoreItem>
+</file>
+
+<file path=customXml/itemProps5.xml><?xml version="1.0" encoding="utf-8"?>
+<ds:datastoreItem xmlns:ds="http://schemas.openxmlformats.org/officeDocument/2006/customXml" ds:itemID="{77929BF9-040B-461B-AB00-3A215ECBB383}">
+  <ds:schemaRefs/>
+</ds:datastoreItem>
+</file>
+
+<file path=customXml/itemProps6.xml><?xml version="1.0" encoding="utf-8"?>
+<ds:datastoreItem xmlns:ds="http://schemas.openxmlformats.org/officeDocument/2006/customXml" ds:itemID="{2D589587-D766-4CA6-B1E0-B051EB89D062}">
+  <ds:schemaRefs/>
+</ds:datastoreItem>
 </file>